--- a/Lectures/Lecture 27/Lecture 27.pptx
+++ b/Lectures/Lecture 27/Lecture 27.pptx
@@ -226,7 +226,7 @@
           <a:p>
             <a:fld id="{467FE51A-BC06-4E6F-B1DA-B477364E598F}" type="datetimeFigureOut">
               <a:rPr lang="en-US" smtClean="0"/>
-              <a:t>4/7/2020</a:t>
+              <a:t>4/8/2020</a:t>
             </a:fld>
             <a:endParaRPr lang="en-US"/>
           </a:p>
@@ -1984,7 +1984,7 @@
           <a:p>
             <a:fld id="{11C4ABE2-2F1A-4C31-A43A-C3E7CE49CE95}" type="datetimeFigureOut">
               <a:rPr lang="en-US" smtClean="0"/>
-              <a:t>4/7/2020</a:t>
+              <a:t>4/8/2020</a:t>
             </a:fld>
             <a:endParaRPr lang="en-US"/>
           </a:p>
@@ -2182,7 +2182,7 @@
           <a:p>
             <a:fld id="{11C4ABE2-2F1A-4C31-A43A-C3E7CE49CE95}" type="datetimeFigureOut">
               <a:rPr lang="en-US" smtClean="0"/>
-              <a:t>4/7/2020</a:t>
+              <a:t>4/8/2020</a:t>
             </a:fld>
             <a:endParaRPr lang="en-US"/>
           </a:p>
@@ -2390,7 +2390,7 @@
           <a:p>
             <a:fld id="{11C4ABE2-2F1A-4C31-A43A-C3E7CE49CE95}" type="datetimeFigureOut">
               <a:rPr lang="en-US" smtClean="0"/>
-              <a:t>4/7/2020</a:t>
+              <a:t>4/8/2020</a:t>
             </a:fld>
             <a:endParaRPr lang="en-US"/>
           </a:p>
@@ -2588,7 +2588,7 @@
           <a:p>
             <a:fld id="{11C4ABE2-2F1A-4C31-A43A-C3E7CE49CE95}" type="datetimeFigureOut">
               <a:rPr lang="en-US" smtClean="0"/>
-              <a:t>4/7/2020</a:t>
+              <a:t>4/8/2020</a:t>
             </a:fld>
             <a:endParaRPr lang="en-US"/>
           </a:p>
@@ -2863,7 +2863,7 @@
           <a:p>
             <a:fld id="{11C4ABE2-2F1A-4C31-A43A-C3E7CE49CE95}" type="datetimeFigureOut">
               <a:rPr lang="en-US" smtClean="0"/>
-              <a:t>4/7/2020</a:t>
+              <a:t>4/8/2020</a:t>
             </a:fld>
             <a:endParaRPr lang="en-US"/>
           </a:p>
@@ -3128,7 +3128,7 @@
           <a:p>
             <a:fld id="{11C4ABE2-2F1A-4C31-A43A-C3E7CE49CE95}" type="datetimeFigureOut">
               <a:rPr lang="en-US" smtClean="0"/>
-              <a:t>4/7/2020</a:t>
+              <a:t>4/8/2020</a:t>
             </a:fld>
             <a:endParaRPr lang="en-US"/>
           </a:p>
@@ -3540,7 +3540,7 @@
           <a:p>
             <a:fld id="{11C4ABE2-2F1A-4C31-A43A-C3E7CE49CE95}" type="datetimeFigureOut">
               <a:rPr lang="en-US" smtClean="0"/>
-              <a:t>4/7/2020</a:t>
+              <a:t>4/8/2020</a:t>
             </a:fld>
             <a:endParaRPr lang="en-US"/>
           </a:p>
@@ -3681,7 +3681,7 @@
           <a:p>
             <a:fld id="{11C4ABE2-2F1A-4C31-A43A-C3E7CE49CE95}" type="datetimeFigureOut">
               <a:rPr lang="en-US" smtClean="0"/>
-              <a:t>4/7/2020</a:t>
+              <a:t>4/8/2020</a:t>
             </a:fld>
             <a:endParaRPr lang="en-US"/>
           </a:p>
@@ -3794,7 +3794,7 @@
           <a:p>
             <a:fld id="{11C4ABE2-2F1A-4C31-A43A-C3E7CE49CE95}" type="datetimeFigureOut">
               <a:rPr lang="en-US" smtClean="0"/>
-              <a:t>4/7/2020</a:t>
+              <a:t>4/8/2020</a:t>
             </a:fld>
             <a:endParaRPr lang="en-US"/>
           </a:p>
@@ -4105,7 +4105,7 @@
           <a:p>
             <a:fld id="{11C4ABE2-2F1A-4C31-A43A-C3E7CE49CE95}" type="datetimeFigureOut">
               <a:rPr lang="en-US" smtClean="0"/>
-              <a:t>4/7/2020</a:t>
+              <a:t>4/8/2020</a:t>
             </a:fld>
             <a:endParaRPr lang="en-US"/>
           </a:p>
@@ -4393,7 +4393,7 @@
           <a:p>
             <a:fld id="{11C4ABE2-2F1A-4C31-A43A-C3E7CE49CE95}" type="datetimeFigureOut">
               <a:rPr lang="en-US" smtClean="0"/>
-              <a:t>4/7/2020</a:t>
+              <a:t>4/8/2020</a:t>
             </a:fld>
             <a:endParaRPr lang="en-US"/>
           </a:p>
@@ -4634,7 +4634,7 @@
           <a:p>
             <a:fld id="{11C4ABE2-2F1A-4C31-A43A-C3E7CE49CE95}" type="datetimeFigureOut">
               <a:rPr lang="en-US" smtClean="0"/>
-              <a:t>4/7/2020</a:t>
+              <a:t>4/8/2020</a:t>
             </a:fld>
             <a:endParaRPr lang="en-US"/>
           </a:p>
@@ -7083,8 +7083,8 @@
           <a:chExt cx="0" cy="0"/>
         </a:xfrm>
       </p:grpSpPr>
-      <mc:AlternateContent xmlns:mc="http://schemas.openxmlformats.org/markup-compatibility/2006">
-        <mc:Choice xmlns:a14="http://schemas.microsoft.com/office/drawing/2010/main" Requires="a14">
+      <mc:AlternateContent xmlns:mc="http://schemas.openxmlformats.org/markup-compatibility/2006" xmlns:a14="http://schemas.microsoft.com/office/drawing/2010/main">
+        <mc:Choice Requires="a14">
           <p:sp>
             <p:nvSpPr>
               <p:cNvPr id="36" name="TextBox 35">
@@ -7470,7 +7470,7 @@
             </p:txBody>
           </p:sp>
         </mc:Choice>
-        <mc:Fallback>
+        <mc:Fallback xmlns="">
           <p:sp>
             <p:nvSpPr>
               <p:cNvPr id="36" name="TextBox 35">
@@ -8372,8 +8372,8 @@
           </a:prstGeom>
         </p:spPr>
       </p:pic>
-      <mc:AlternateContent xmlns:mc="http://schemas.openxmlformats.org/markup-compatibility/2006">
-        <mc:Choice xmlns:a14="http://schemas.microsoft.com/office/drawing/2010/main" Requires="a14">
+      <mc:AlternateContent xmlns:mc="http://schemas.openxmlformats.org/markup-compatibility/2006" xmlns:a14="http://schemas.microsoft.com/office/drawing/2010/main">
+        <mc:Choice Requires="a14">
           <p:sp>
             <p:nvSpPr>
               <p:cNvPr id="23" name="TextBox 22">
@@ -8402,6 +8402,7 @@
               </a:bodyPr>
               <a:lstStyle/>
               <a:p>
+                <a:pPr/>
                 <a14:m>
                   <m:oMathPara xmlns:m="http://schemas.openxmlformats.org/officeDocument/2006/math">
                     <m:oMathParaPr>
@@ -8524,7 +8525,7 @@
             </p:txBody>
           </p:sp>
         </mc:Choice>
-        <mc:Fallback>
+        <mc:Fallback xmlns="">
           <p:sp>
             <p:nvSpPr>
               <p:cNvPr id="23" name="TextBox 22">
@@ -8569,8 +8570,8 @@
           </p:sp>
         </mc:Fallback>
       </mc:AlternateContent>
-      <mc:AlternateContent xmlns:mc="http://schemas.openxmlformats.org/markup-compatibility/2006">
-        <mc:Choice xmlns:a14="http://schemas.microsoft.com/office/drawing/2010/main" Requires="a14">
+      <mc:AlternateContent xmlns:mc="http://schemas.openxmlformats.org/markup-compatibility/2006" xmlns:a14="http://schemas.microsoft.com/office/drawing/2010/main">
+        <mc:Choice Requires="a14">
           <p:sp>
             <p:nvSpPr>
               <p:cNvPr id="29" name="TextBox 28">
@@ -8599,6 +8600,7 @@
               </a:bodyPr>
               <a:lstStyle/>
               <a:p>
+                <a:pPr/>
                 <a14:m>
                   <m:oMathPara xmlns:m="http://schemas.openxmlformats.org/officeDocument/2006/math">
                     <m:oMathParaPr>
@@ -8721,7 +8723,7 @@
             </p:txBody>
           </p:sp>
         </mc:Choice>
-        <mc:Fallback>
+        <mc:Fallback xmlns="">
           <p:sp>
             <p:nvSpPr>
               <p:cNvPr id="29" name="TextBox 28">
@@ -8766,8 +8768,8 @@
           </p:sp>
         </mc:Fallback>
       </mc:AlternateContent>
-      <mc:AlternateContent xmlns:mc="http://schemas.openxmlformats.org/markup-compatibility/2006">
-        <mc:Choice xmlns:a14="http://schemas.microsoft.com/office/drawing/2010/main" Requires="a14">
+      <mc:AlternateContent xmlns:mc="http://schemas.openxmlformats.org/markup-compatibility/2006" xmlns:a14="http://schemas.microsoft.com/office/drawing/2010/main">
+        <mc:Choice Requires="a14">
           <p:sp>
             <p:nvSpPr>
               <p:cNvPr id="30" name="TextBox 29">
@@ -8796,6 +8798,7 @@
               </a:bodyPr>
               <a:lstStyle/>
               <a:p>
+                <a:pPr/>
                 <a14:m>
                   <m:oMathPara xmlns:m="http://schemas.openxmlformats.org/officeDocument/2006/math">
                     <m:oMathParaPr>
@@ -8901,7 +8904,7 @@
             </p:txBody>
           </p:sp>
         </mc:Choice>
-        <mc:Fallback>
+        <mc:Fallback xmlns="">
           <p:sp>
             <p:nvSpPr>
               <p:cNvPr id="30" name="TextBox 29">
@@ -8988,8 +8991,8 @@
           </a:fontRef>
         </p:style>
       </p:cxnSp>
-      <mc:AlternateContent xmlns:mc="http://schemas.openxmlformats.org/markup-compatibility/2006">
-        <mc:Choice xmlns:a14="http://schemas.microsoft.com/office/drawing/2010/main" Requires="a14">
+      <mc:AlternateContent xmlns:mc="http://schemas.openxmlformats.org/markup-compatibility/2006" xmlns:a14="http://schemas.microsoft.com/office/drawing/2010/main">
+        <mc:Choice Requires="a14">
           <p:sp>
             <p:nvSpPr>
               <p:cNvPr id="31" name="TextBox 30">
@@ -9018,6 +9021,7 @@
               </a:bodyPr>
               <a:lstStyle/>
               <a:p>
+                <a:pPr/>
                 <a14:m>
                   <m:oMathPara xmlns:m="http://schemas.openxmlformats.org/officeDocument/2006/math">
                     <m:oMathParaPr>
@@ -9164,7 +9168,7 @@
             </p:txBody>
           </p:sp>
         </mc:Choice>
-        <mc:Fallback>
+        <mc:Fallback xmlns="">
           <p:sp>
             <p:nvSpPr>
               <p:cNvPr id="31" name="TextBox 30">
@@ -9239,8 +9243,8 @@
           <a:chExt cx="0" cy="0"/>
         </a:xfrm>
       </p:grpSpPr>
-      <mc:AlternateContent xmlns:mc="http://schemas.openxmlformats.org/markup-compatibility/2006">
-        <mc:Choice xmlns:a14="http://schemas.microsoft.com/office/drawing/2010/main" Requires="a14">
+      <mc:AlternateContent xmlns:mc="http://schemas.openxmlformats.org/markup-compatibility/2006" xmlns:a14="http://schemas.microsoft.com/office/drawing/2010/main">
+        <mc:Choice Requires="a14">
           <p:sp>
             <p:nvSpPr>
               <p:cNvPr id="36" name="TextBox 35">
@@ -9349,7 +9353,7 @@
                     <m:d>
                       <m:dPr>
                         <m:ctrlPr>
-                          <a:rPr lang="en-US" sz="2000" b="0" i="0" smtClean="0">
+                          <a:rPr lang="en-US" sz="2000" b="0" i="1" smtClean="0">
                             <a:latin typeface="Cambria Math" panose="02040503050406030204" pitchFamily="18" charset="0"/>
                           </a:rPr>
                         </m:ctrlPr>
@@ -9389,7 +9393,7 @@
                     <m:d>
                       <m:dPr>
                         <m:ctrlPr>
-                          <a:rPr lang="en-US" sz="2000" b="0" i="0" smtClean="0">
+                          <a:rPr lang="en-US" sz="2000" b="0" i="1" smtClean="0">
                             <a:latin typeface="Cambria Math" panose="02040503050406030204" pitchFamily="18" charset="0"/>
                           </a:rPr>
                         </m:ctrlPr>
@@ -9565,7 +9569,7 @@
                         <m:sSup>
                           <m:sSupPr>
                             <m:ctrlPr>
-                              <a:rPr lang="en-US" sz="2000" b="0" i="0" smtClean="0">
+                              <a:rPr lang="en-US" sz="2000" b="0" i="1" smtClean="0">
                                 <a:latin typeface="Cambria Math" panose="02040503050406030204" pitchFamily="18" charset="0"/>
                               </a:rPr>
                             </m:ctrlPr>
@@ -9874,7 +9878,7 @@
             </p:txBody>
           </p:sp>
         </mc:Choice>
-        <mc:Fallback>
+        <mc:Fallback xmlns="">
           <p:sp>
             <p:nvSpPr>
               <p:cNvPr id="36" name="TextBox 35">
@@ -10776,8 +10780,8 @@
           </a:prstGeom>
         </p:spPr>
       </p:pic>
-      <mc:AlternateContent xmlns:mc="http://schemas.openxmlformats.org/markup-compatibility/2006">
-        <mc:Choice xmlns:a14="http://schemas.microsoft.com/office/drawing/2010/main" Requires="a14">
+      <mc:AlternateContent xmlns:mc="http://schemas.openxmlformats.org/markup-compatibility/2006" xmlns:a14="http://schemas.microsoft.com/office/drawing/2010/main">
+        <mc:Choice Requires="a14">
           <p:sp>
             <p:nvSpPr>
               <p:cNvPr id="23" name="TextBox 22">
@@ -10806,6 +10810,7 @@
               </a:bodyPr>
               <a:lstStyle/>
               <a:p>
+                <a:pPr/>
                 <a14:m>
                   <m:oMathPara xmlns:m="http://schemas.openxmlformats.org/officeDocument/2006/math">
                     <m:oMathParaPr>
@@ -11216,7 +11221,7 @@
             </p:txBody>
           </p:sp>
         </mc:Choice>
-        <mc:Fallback>
+        <mc:Fallback xmlns="">
           <p:sp>
             <p:nvSpPr>
               <p:cNvPr id="23" name="TextBox 22">
@@ -12372,8 +12377,8 @@
           </a:effectLst>
         </p:spPr>
       </p:pic>
-      <mc:AlternateContent xmlns:mc="http://schemas.openxmlformats.org/markup-compatibility/2006">
-        <mc:Choice xmlns:a14="http://schemas.microsoft.com/office/drawing/2010/main" Requires="a14">
+      <mc:AlternateContent xmlns:mc="http://schemas.openxmlformats.org/markup-compatibility/2006" xmlns:a14="http://schemas.microsoft.com/office/drawing/2010/main">
+        <mc:Choice Requires="a14">
           <p:sp>
             <p:nvSpPr>
               <p:cNvPr id="23" name="TextBox 22">
@@ -12402,6 +12407,7 @@
               </a:bodyPr>
               <a:lstStyle/>
               <a:p>
+                <a:pPr/>
                 <a14:m>
                   <m:oMathPara xmlns:m="http://schemas.openxmlformats.org/officeDocument/2006/math">
                     <m:oMathParaPr>
@@ -12454,7 +12460,7 @@
                       <m:f>
                         <m:fPr>
                           <m:ctrlPr>
-                            <a:rPr lang="en-US" b="0" i="0" smtClean="0">
+                            <a:rPr lang="en-US" b="0" i="1" smtClean="0">
                               <a:latin typeface="Cambria Math" panose="02040503050406030204" pitchFamily="18" charset="0"/>
                             </a:rPr>
                           </m:ctrlPr>
@@ -12472,7 +12478,7 @@
                           <m:d>
                             <m:dPr>
                               <m:ctrlPr>
-                                <a:rPr lang="en-US" b="0" i="0" smtClean="0">
+                                <a:rPr lang="en-US" b="0" i="1" smtClean="0">
                                   <a:latin typeface="Cambria Math" panose="02040503050406030204" pitchFamily="18" charset="0"/>
                                 </a:rPr>
                               </m:ctrlPr>
@@ -12512,7 +12518,7 @@
                           <m:d>
                             <m:dPr>
                               <m:ctrlPr>
-                                <a:rPr lang="en-US" b="0" i="0" smtClean="0">
+                                <a:rPr lang="en-US" b="0" i="1" smtClean="0">
                                   <a:latin typeface="Cambria Math" panose="02040503050406030204" pitchFamily="18" charset="0"/>
                                 </a:rPr>
                               </m:ctrlPr>
@@ -12910,7 +12916,7 @@
             </p:txBody>
           </p:sp>
         </mc:Choice>
-        <mc:Fallback>
+        <mc:Fallback xmlns="">
           <p:sp>
             <p:nvSpPr>
               <p:cNvPr id="23" name="TextBox 22">
@@ -12955,8 +12961,8 @@
           </p:sp>
         </mc:Fallback>
       </mc:AlternateContent>
-      <mc:AlternateContent xmlns:mc="http://schemas.openxmlformats.org/markup-compatibility/2006">
-        <mc:Choice xmlns:a14="http://schemas.microsoft.com/office/drawing/2010/main" Requires="a14">
+      <mc:AlternateContent xmlns:mc="http://schemas.openxmlformats.org/markup-compatibility/2006" xmlns:a14="http://schemas.microsoft.com/office/drawing/2010/main">
+        <mc:Choice Requires="a14">
           <p:sp>
             <p:nvSpPr>
               <p:cNvPr id="29" name="TextBox 28">
@@ -12985,6 +12991,7 @@
               </a:bodyPr>
               <a:lstStyle/>
               <a:p>
+                <a:pPr/>
                 <a14:m>
                   <m:oMathPara xmlns:m="http://schemas.openxmlformats.org/officeDocument/2006/math">
                     <m:oMathParaPr>
@@ -13037,7 +13044,7 @@
                       <m:f>
                         <m:fPr>
                           <m:ctrlPr>
-                            <a:rPr lang="en-US" b="0" i="0" smtClean="0">
+                            <a:rPr lang="en-US" b="0" i="1" smtClean="0">
                               <a:latin typeface="Cambria Math" panose="02040503050406030204" pitchFamily="18" charset="0"/>
                             </a:rPr>
                           </m:ctrlPr>
@@ -13055,7 +13062,7 @@
                           <m:d>
                             <m:dPr>
                               <m:ctrlPr>
-                                <a:rPr lang="en-US" b="0" i="0" smtClean="0">
+                                <a:rPr lang="en-US" b="0" i="1" smtClean="0">
                                   <a:latin typeface="Cambria Math" panose="02040503050406030204" pitchFamily="18" charset="0"/>
                                 </a:rPr>
                               </m:ctrlPr>
@@ -13095,7 +13102,7 @@
                           <m:d>
                             <m:dPr>
                               <m:ctrlPr>
-                                <a:rPr lang="en-US" b="0" i="0" smtClean="0">
+                                <a:rPr lang="en-US" b="0" i="1" smtClean="0">
                                   <a:latin typeface="Cambria Math" panose="02040503050406030204" pitchFamily="18" charset="0"/>
                                 </a:rPr>
                               </m:ctrlPr>
@@ -13538,7 +13545,7 @@
             </p:txBody>
           </p:sp>
         </mc:Choice>
-        <mc:Fallback>
+        <mc:Fallback xmlns="">
           <p:sp>
             <p:nvSpPr>
               <p:cNvPr id="29" name="TextBox 28">
@@ -13613,8 +13620,8 @@
           <a:chExt cx="0" cy="0"/>
         </a:xfrm>
       </p:grpSpPr>
-      <mc:AlternateContent xmlns:mc="http://schemas.openxmlformats.org/markup-compatibility/2006">
-        <mc:Choice xmlns:a14="http://schemas.microsoft.com/office/drawing/2010/main" Requires="a14">
+      <mc:AlternateContent xmlns:mc="http://schemas.openxmlformats.org/markup-compatibility/2006" xmlns:a14="http://schemas.microsoft.com/office/drawing/2010/main">
+        <mc:Choice Requires="a14">
           <p:sp>
             <p:nvSpPr>
               <p:cNvPr id="36" name="TextBox 35">
@@ -14533,7 +14540,7 @@
             </p:txBody>
           </p:sp>
         </mc:Choice>
-        <mc:Fallback>
+        <mc:Fallback xmlns="">
           <p:sp>
             <p:nvSpPr>
               <p:cNvPr id="36" name="TextBox 35">
@@ -15435,8 +15442,8 @@
           </a:prstGeom>
         </p:spPr>
       </p:pic>
-      <mc:AlternateContent xmlns:mc="http://schemas.openxmlformats.org/markup-compatibility/2006">
-        <mc:Choice xmlns:a14="http://schemas.microsoft.com/office/drawing/2010/main" Requires="a14">
+      <mc:AlternateContent xmlns:mc="http://schemas.openxmlformats.org/markup-compatibility/2006" xmlns:a14="http://schemas.microsoft.com/office/drawing/2010/main">
+        <mc:Choice Requires="a14">
           <p:sp>
             <p:nvSpPr>
               <p:cNvPr id="30" name="TextBox 29">
@@ -15465,6 +15472,7 @@
               </a:bodyPr>
               <a:lstStyle/>
               <a:p>
+                <a:pPr/>
                 <a14:m>
                   <m:oMathPara xmlns:m="http://schemas.openxmlformats.org/officeDocument/2006/math">
                     <m:oMathParaPr>
@@ -15525,7 +15533,7 @@
             </p:txBody>
           </p:sp>
         </mc:Choice>
-        <mc:Fallback>
+        <mc:Fallback xmlns="">
           <p:sp>
             <p:nvSpPr>
               <p:cNvPr id="30" name="TextBox 29">
@@ -15600,8 +15608,8 @@
           <a:chExt cx="0" cy="0"/>
         </a:xfrm>
       </p:grpSpPr>
-      <mc:AlternateContent xmlns:mc="http://schemas.openxmlformats.org/markup-compatibility/2006">
-        <mc:Choice xmlns:a14="http://schemas.microsoft.com/office/drawing/2010/main" Requires="a14">
+      <mc:AlternateContent xmlns:mc="http://schemas.openxmlformats.org/markup-compatibility/2006" xmlns:a14="http://schemas.microsoft.com/office/drawing/2010/main">
+        <mc:Choice Requires="a14">
           <p:sp>
             <p:nvSpPr>
               <p:cNvPr id="36" name="TextBox 35">
@@ -15884,7 +15892,7 @@
             </p:txBody>
           </p:sp>
         </mc:Choice>
-        <mc:Fallback>
+        <mc:Fallback xmlns="">
           <p:sp>
             <p:nvSpPr>
               <p:cNvPr id="36" name="TextBox 35">
@@ -16816,8 +16824,8 @@
           <a:chExt cx="0" cy="0"/>
         </a:xfrm>
       </p:grpSpPr>
-      <mc:AlternateContent xmlns:mc="http://schemas.openxmlformats.org/markup-compatibility/2006">
-        <mc:Choice xmlns:a14="http://schemas.microsoft.com/office/drawing/2010/main" Requires="a14">
+      <mc:AlternateContent xmlns:mc="http://schemas.openxmlformats.org/markup-compatibility/2006" xmlns:a14="http://schemas.microsoft.com/office/drawing/2010/main">
+        <mc:Choice Requires="a14">
           <p:sp>
             <p:nvSpPr>
               <p:cNvPr id="36" name="TextBox 35">
@@ -18091,7 +18099,7 @@
             </p:txBody>
           </p:sp>
         </mc:Choice>
-        <mc:Fallback>
+        <mc:Fallback xmlns="">
           <p:sp>
             <p:nvSpPr>
               <p:cNvPr id="36" name="TextBox 35">
@@ -18993,8 +19001,8 @@
           </a:prstGeom>
         </p:spPr>
       </p:pic>
-      <mc:AlternateContent xmlns:mc="http://schemas.openxmlformats.org/markup-compatibility/2006">
-        <mc:Choice xmlns:a14="http://schemas.microsoft.com/office/drawing/2010/main" Requires="a14">
+      <mc:AlternateContent xmlns:mc="http://schemas.openxmlformats.org/markup-compatibility/2006" xmlns:a14="http://schemas.microsoft.com/office/drawing/2010/main">
+        <mc:Choice Requires="a14">
           <p:sp>
             <p:nvSpPr>
               <p:cNvPr id="23" name="TextBox 22">
@@ -19023,6 +19031,7 @@
               </a:bodyPr>
               <a:lstStyle/>
               <a:p>
+                <a:pPr/>
                 <a14:m>
                   <m:oMathPara xmlns:m="http://schemas.openxmlformats.org/officeDocument/2006/math">
                     <m:oMathParaPr>
@@ -19134,7 +19143,7 @@
             </p:txBody>
           </p:sp>
         </mc:Choice>
-        <mc:Fallback>
+        <mc:Fallback xmlns="">
           <p:sp>
             <p:nvSpPr>
               <p:cNvPr id="23" name="TextBox 22">
@@ -19209,8 +19218,8 @@
           <a:chExt cx="0" cy="0"/>
         </a:xfrm>
       </p:grpSpPr>
-      <mc:AlternateContent xmlns:mc="http://schemas.openxmlformats.org/markup-compatibility/2006">
-        <mc:Choice xmlns:a14="http://schemas.microsoft.com/office/drawing/2010/main" Requires="a14">
+      <mc:AlternateContent xmlns:mc="http://schemas.openxmlformats.org/markup-compatibility/2006" xmlns:a14="http://schemas.microsoft.com/office/drawing/2010/main">
+        <mc:Choice Requires="a14">
           <p:sp>
             <p:nvSpPr>
               <p:cNvPr id="36" name="TextBox 35">
@@ -19546,7 +19555,7 @@
             </p:txBody>
           </p:sp>
         </mc:Choice>
-        <mc:Fallback>
+        <mc:Fallback xmlns="">
           <p:sp>
             <p:nvSpPr>
               <p:cNvPr id="36" name="TextBox 35">
@@ -20448,8 +20457,8 @@
           </a:prstGeom>
         </p:spPr>
       </p:pic>
-      <mc:AlternateContent xmlns:mc="http://schemas.openxmlformats.org/markup-compatibility/2006">
-        <mc:Choice xmlns:a14="http://schemas.microsoft.com/office/drawing/2010/main" Requires="a14">
+      <mc:AlternateContent xmlns:mc="http://schemas.openxmlformats.org/markup-compatibility/2006" xmlns:a14="http://schemas.microsoft.com/office/drawing/2010/main">
+        <mc:Choice Requires="a14">
           <p:sp>
             <p:nvSpPr>
               <p:cNvPr id="23" name="TextBox 22">
@@ -20559,13 +20568,7 @@
                           <a:rPr lang="en-US" sz="2000" b="0" i="1" smtClean="0">
                             <a:latin typeface="Cambria Math" panose="02040503050406030204" pitchFamily="18" charset="0"/>
                           </a:rPr>
-                          <m:t>(</m:t>
-                        </m:r>
-                        <m:r>
-                          <a:rPr lang="en-US" sz="2000" b="0" i="1" smtClean="0">
-                            <a:latin typeface="Cambria Math" panose="02040503050406030204" pitchFamily="18" charset="0"/>
-                          </a:rPr>
-                          <m:t>0.5)</m:t>
+                          <m:t>(0.5)</m:t>
                         </m:r>
                       </m:e>
                       <m:sup>
@@ -20641,7 +20644,7 @@
             </p:txBody>
           </p:sp>
         </mc:Choice>
-        <mc:Fallback>
+        <mc:Fallback xmlns="">
           <p:sp>
             <p:nvSpPr>
               <p:cNvPr id="23" name="TextBox 22">
@@ -20686,8 +20689,8 @@
           </p:sp>
         </mc:Fallback>
       </mc:AlternateContent>
-      <mc:AlternateContent xmlns:mc="http://schemas.openxmlformats.org/markup-compatibility/2006">
-        <mc:Choice xmlns:a14="http://schemas.microsoft.com/office/drawing/2010/main" Requires="a14">
+      <mc:AlternateContent xmlns:mc="http://schemas.openxmlformats.org/markup-compatibility/2006" xmlns:a14="http://schemas.microsoft.com/office/drawing/2010/main">
+        <mc:Choice Requires="a14">
           <p:sp>
             <p:nvSpPr>
               <p:cNvPr id="3" name="TextBox 2">
@@ -21285,7 +21288,7 @@
             </p:txBody>
           </p:sp>
         </mc:Choice>
-        <mc:Fallback>
+        <mc:Fallback xmlns="">
           <p:sp>
             <p:nvSpPr>
               <p:cNvPr id="3" name="TextBox 2">
@@ -21330,8 +21333,8 @@
           </p:sp>
         </mc:Fallback>
       </mc:AlternateContent>
-      <mc:AlternateContent xmlns:mc="http://schemas.openxmlformats.org/markup-compatibility/2006">
-        <mc:Choice xmlns:a14="http://schemas.microsoft.com/office/drawing/2010/main" Requires="a14">
+      <mc:AlternateContent xmlns:mc="http://schemas.openxmlformats.org/markup-compatibility/2006" xmlns:a14="http://schemas.microsoft.com/office/drawing/2010/main">
+        <mc:Choice Requires="a14">
           <p:sp>
             <p:nvSpPr>
               <p:cNvPr id="29" name="TextBox 28">
@@ -21632,7 +21635,7 @@
             </p:txBody>
           </p:sp>
         </mc:Choice>
-        <mc:Fallback>
+        <mc:Fallback xmlns="">
           <p:sp>
             <p:nvSpPr>
               <p:cNvPr id="29" name="TextBox 28">
@@ -21707,8 +21710,8 @@
           <a:chExt cx="0" cy="0"/>
         </a:xfrm>
       </p:grpSpPr>
-      <mc:AlternateContent xmlns:mc="http://schemas.openxmlformats.org/markup-compatibility/2006">
-        <mc:Choice xmlns:a14="http://schemas.microsoft.com/office/drawing/2010/main" Requires="a14">
+      <mc:AlternateContent xmlns:mc="http://schemas.openxmlformats.org/markup-compatibility/2006" xmlns:a14="http://schemas.microsoft.com/office/drawing/2010/main">
+        <mc:Choice Requires="a14">
           <p:sp>
             <p:nvSpPr>
               <p:cNvPr id="36" name="TextBox 35">
@@ -22136,7 +22139,7 @@
             </p:txBody>
           </p:sp>
         </mc:Choice>
-        <mc:Fallback>
+        <mc:Fallback xmlns="">
           <p:sp>
             <p:nvSpPr>
               <p:cNvPr id="36" name="TextBox 35">
@@ -23038,8 +23041,8 @@
           </a:prstGeom>
         </p:spPr>
       </p:pic>
-      <mc:AlternateContent xmlns:mc="http://schemas.openxmlformats.org/markup-compatibility/2006">
-        <mc:Choice xmlns:a14="http://schemas.microsoft.com/office/drawing/2010/main" Requires="a14">
+      <mc:AlternateContent xmlns:mc="http://schemas.openxmlformats.org/markup-compatibility/2006" xmlns:a14="http://schemas.microsoft.com/office/drawing/2010/main">
+        <mc:Choice Requires="a14">
           <p:sp>
             <p:nvSpPr>
               <p:cNvPr id="23" name="TextBox 22">
@@ -23223,7 +23226,7 @@
             </p:txBody>
           </p:sp>
         </mc:Choice>
-        <mc:Fallback>
+        <mc:Fallback xmlns="">
           <p:sp>
             <p:nvSpPr>
               <p:cNvPr id="23" name="TextBox 22">
@@ -23268,8 +23271,8 @@
           </p:sp>
         </mc:Fallback>
       </mc:AlternateContent>
-      <mc:AlternateContent xmlns:mc="http://schemas.openxmlformats.org/markup-compatibility/2006">
-        <mc:Choice xmlns:a14="http://schemas.microsoft.com/office/drawing/2010/main" Requires="a14">
+      <mc:AlternateContent xmlns:mc="http://schemas.openxmlformats.org/markup-compatibility/2006" xmlns:a14="http://schemas.microsoft.com/office/drawing/2010/main">
+        <mc:Choice Requires="a14">
           <p:sp>
             <p:nvSpPr>
               <p:cNvPr id="3" name="TextBox 2">
@@ -23820,7 +23823,7 @@
             </p:txBody>
           </p:sp>
         </mc:Choice>
-        <mc:Fallback>
+        <mc:Fallback xmlns="">
           <p:sp>
             <p:nvSpPr>
               <p:cNvPr id="3" name="TextBox 2">
@@ -24935,7 +24938,7 @@
                             </a:solidFill>
                             <a:latin typeface="Cambria Math" panose="02040503050406030204" pitchFamily="18" charset="0"/>
                           </a:rPr>
-                          <m:t>𝐹</m:t>
+                          <m:t>𝑝</m:t>
                         </m:r>
                       </m:e>
                       <m:sup>
@@ -25987,8 +25990,8 @@
           <a:chExt cx="0" cy="0"/>
         </a:xfrm>
       </p:grpSpPr>
-      <mc:AlternateContent xmlns:mc="http://schemas.openxmlformats.org/markup-compatibility/2006" xmlns:a14="http://schemas.microsoft.com/office/drawing/2010/main">
-        <mc:Choice Requires="a14">
+      <mc:AlternateContent xmlns:mc="http://schemas.openxmlformats.org/markup-compatibility/2006">
+        <mc:Choice xmlns:a14="http://schemas.microsoft.com/office/drawing/2010/main" Requires="a14">
           <p:sp>
             <p:nvSpPr>
               <p:cNvPr id="36" name="TextBox 35">
@@ -26004,7 +26007,7 @@
             <p:spPr>
               <a:xfrm>
                 <a:off x="773935" y="1947592"/>
-                <a:ext cx="8945154" cy="4269823"/>
+                <a:ext cx="8945154" cy="3590342"/>
               </a:xfrm>
               <a:prstGeom prst="rect">
                 <a:avLst/>
@@ -26765,302 +26768,10 @@
                   <a:latin typeface="Corbel" panose="020B0503020204020204" pitchFamily="34" charset="0"/>
                 </a:endParaRPr>
               </a:p>
-              <a:p>
-                <a:pPr marL="285750" indent="-285750">
-                  <a:buFont typeface="Arial" panose="020B0604020202020204" pitchFamily="34" charset="0"/>
-                  <a:buChar char="•"/>
-                </a:pPr>
-                <a:endParaRPr lang="en-US" sz="2000" dirty="0">
-                  <a:solidFill>
-                    <a:srgbClr val="404040"/>
-                  </a:solidFill>
-                  <a:latin typeface="Corbel" panose="020B0503020204020204" pitchFamily="34" charset="0"/>
-                </a:endParaRPr>
-              </a:p>
-              <a:p>
-                <a:pPr marL="285750" indent="-285750">
-                  <a:buFont typeface="Arial" panose="020B0604020202020204" pitchFamily="34" charset="0"/>
-                  <a:buChar char="•"/>
-                </a:pPr>
-                <a:r>
-                  <a:rPr lang="en-US" sz="2000" dirty="0">
-                    <a:solidFill>
-                      <a:srgbClr val="404040"/>
-                    </a:solidFill>
-                    <a:latin typeface="Corbel" panose="020B0503020204020204" pitchFamily="34" charset="0"/>
-                  </a:rPr>
-                  <a:t>From coin example, </a:t>
-                </a:r>
-                <a14:m>
-                  <m:oMath xmlns:m="http://schemas.openxmlformats.org/officeDocument/2006/math">
-                    <m:r>
-                      <m:rPr>
-                        <m:sty m:val="p"/>
-                      </m:rPr>
-                      <a:rPr lang="en-US" sz="2000" b="0" i="0" smtClean="0">
-                        <a:solidFill>
-                          <a:srgbClr val="404040"/>
-                        </a:solidFill>
-                        <a:latin typeface="Cambria Math" panose="02040503050406030204" pitchFamily="18" charset="0"/>
-                      </a:rPr>
-                      <m:t>P</m:t>
-                    </m:r>
-                    <m:d>
-                      <m:dPr>
-                        <m:ctrlPr>
-                          <a:rPr lang="en-US" sz="2000" b="0" i="1" smtClean="0">
-                            <a:solidFill>
-                              <a:srgbClr val="404040"/>
-                            </a:solidFill>
-                            <a:latin typeface="Cambria Math" panose="02040503050406030204" pitchFamily="18" charset="0"/>
-                          </a:rPr>
-                        </m:ctrlPr>
-                      </m:dPr>
-                      <m:e>
-                        <m:r>
-                          <m:rPr>
-                            <m:sty m:val="p"/>
-                          </m:rPr>
-                          <a:rPr lang="en-US" sz="2000" b="0" i="0" smtClean="0">
-                            <a:solidFill>
-                              <a:srgbClr val="404040"/>
-                            </a:solidFill>
-                            <a:latin typeface="Cambria Math" panose="02040503050406030204" pitchFamily="18" charset="0"/>
-                          </a:rPr>
-                          <m:t>Exactly</m:t>
-                        </m:r>
-                        <m:r>
-                          <a:rPr lang="en-US" sz="2000" b="0" i="0" smtClean="0">
-                            <a:solidFill>
-                              <a:srgbClr val="404040"/>
-                            </a:solidFill>
-                            <a:latin typeface="Cambria Math" panose="02040503050406030204" pitchFamily="18" charset="0"/>
-                          </a:rPr>
-                          <m:t> 3 </m:t>
-                        </m:r>
-                        <m:r>
-                          <m:rPr>
-                            <m:sty m:val="p"/>
-                          </m:rPr>
-                          <a:rPr lang="en-US" sz="2000" b="0" i="0" smtClean="0">
-                            <a:solidFill>
-                              <a:srgbClr val="404040"/>
-                            </a:solidFill>
-                            <a:latin typeface="Cambria Math" panose="02040503050406030204" pitchFamily="18" charset="0"/>
-                          </a:rPr>
-                          <m:t>Heads</m:t>
-                        </m:r>
-                      </m:e>
-                    </m:d>
-                    <m:r>
-                      <a:rPr lang="en-US" sz="2000" b="0" i="0" smtClean="0">
-                        <a:solidFill>
-                          <a:srgbClr val="404040"/>
-                        </a:solidFill>
-                        <a:latin typeface="Cambria Math" panose="02040503050406030204" pitchFamily="18" charset="0"/>
-                      </a:rPr>
-                      <m:t>=</m:t>
-                    </m:r>
-                    <m:r>
-                      <m:rPr>
-                        <m:sty m:val="p"/>
-                      </m:rPr>
-                      <a:rPr lang="en-US" sz="2000">
-                        <a:solidFill>
-                          <a:srgbClr val="404040"/>
-                        </a:solidFill>
-                        <a:latin typeface="Cambria Math" panose="02040503050406030204" pitchFamily="18" charset="0"/>
-                      </a:rPr>
-                      <m:t>P</m:t>
-                    </m:r>
-                    <m:d>
-                      <m:dPr>
-                        <m:ctrlPr>
-                          <a:rPr lang="en-US" sz="2000" i="1">
-                            <a:solidFill>
-                              <a:srgbClr val="404040"/>
-                            </a:solidFill>
-                            <a:latin typeface="Cambria Math" panose="02040503050406030204" pitchFamily="18" charset="0"/>
-                          </a:rPr>
-                        </m:ctrlPr>
-                      </m:dPr>
-                      <m:e>
-                        <m:r>
-                          <m:rPr>
-                            <m:sty m:val="p"/>
-                          </m:rPr>
-                          <a:rPr lang="en-US" sz="2000">
-                            <a:solidFill>
-                              <a:srgbClr val="404040"/>
-                            </a:solidFill>
-                            <a:latin typeface="Cambria Math" panose="02040503050406030204" pitchFamily="18" charset="0"/>
-                          </a:rPr>
-                          <m:t>A</m:t>
-                        </m:r>
-                      </m:e>
-                    </m:d>
-                    <m:r>
-                      <a:rPr lang="en-US" sz="2000" b="0" i="0" smtClean="0">
-                        <a:solidFill>
-                          <a:srgbClr val="404040"/>
-                        </a:solidFill>
-                        <a:latin typeface="Cambria Math" panose="02040503050406030204" pitchFamily="18" charset="0"/>
-                      </a:rPr>
-                      <m:t>=</m:t>
-                    </m:r>
-                    <m:d>
-                      <m:dPr>
-                        <m:ctrlPr>
-                          <a:rPr lang="en-US" sz="2000" i="1">
-                            <a:solidFill>
-                              <a:srgbClr val="404040"/>
-                            </a:solidFill>
-                            <a:latin typeface="Cambria Math" panose="02040503050406030204" pitchFamily="18" charset="0"/>
-                          </a:rPr>
-                        </m:ctrlPr>
-                      </m:dPr>
-                      <m:e>
-                        <m:f>
-                          <m:fPr>
-                            <m:type m:val="noBar"/>
-                            <m:ctrlPr>
-                              <a:rPr lang="en-US" sz="2000" i="1">
-                                <a:solidFill>
-                                  <a:srgbClr val="404040"/>
-                                </a:solidFill>
-                                <a:latin typeface="Cambria Math" panose="02040503050406030204" pitchFamily="18" charset="0"/>
-                              </a:rPr>
-                            </m:ctrlPr>
-                          </m:fPr>
-                          <m:num>
-                            <m:r>
-                              <a:rPr lang="en-US" sz="2000" i="1">
-                                <a:solidFill>
-                                  <a:srgbClr val="404040"/>
-                                </a:solidFill>
-                                <a:latin typeface="Cambria Math" panose="02040503050406030204" pitchFamily="18" charset="0"/>
-                              </a:rPr>
-                              <m:t>6</m:t>
-                            </m:r>
-                          </m:num>
-                          <m:den>
-                            <m:r>
-                              <a:rPr lang="en-US" sz="2000" i="1">
-                                <a:solidFill>
-                                  <a:srgbClr val="404040"/>
-                                </a:solidFill>
-                                <a:latin typeface="Cambria Math" panose="02040503050406030204" pitchFamily="18" charset="0"/>
-                              </a:rPr>
-                              <m:t>3</m:t>
-                            </m:r>
-                          </m:den>
-                        </m:f>
-                      </m:e>
-                    </m:d>
-                    <m:sSup>
-                      <m:sSupPr>
-                        <m:ctrlPr>
-                          <a:rPr lang="en-US" sz="2000" i="1">
-                            <a:solidFill>
-                              <a:srgbClr val="404040"/>
-                            </a:solidFill>
-                            <a:latin typeface="Cambria Math" panose="02040503050406030204" pitchFamily="18" charset="0"/>
-                          </a:rPr>
-                        </m:ctrlPr>
-                      </m:sSupPr>
-                      <m:e>
-                        <m:r>
-                          <a:rPr lang="en-US" sz="2000" i="1">
-                            <a:solidFill>
-                              <a:srgbClr val="404040"/>
-                            </a:solidFill>
-                            <a:latin typeface="Cambria Math" panose="02040503050406030204" pitchFamily="18" charset="0"/>
-                          </a:rPr>
-                          <m:t>𝑝</m:t>
-                        </m:r>
-                      </m:e>
-                      <m:sup>
-                        <m:r>
-                          <a:rPr lang="en-US" sz="2000" i="1">
-                            <a:solidFill>
-                              <a:srgbClr val="404040"/>
-                            </a:solidFill>
-                            <a:latin typeface="Cambria Math" panose="02040503050406030204" pitchFamily="18" charset="0"/>
-                          </a:rPr>
-                          <m:t>3</m:t>
-                        </m:r>
-                      </m:sup>
-                    </m:sSup>
-                    <m:sSup>
-                      <m:sSupPr>
-                        <m:ctrlPr>
-                          <a:rPr lang="en-US" sz="2000" i="1">
-                            <a:solidFill>
-                              <a:srgbClr val="404040"/>
-                            </a:solidFill>
-                            <a:latin typeface="Cambria Math" panose="02040503050406030204" pitchFamily="18" charset="0"/>
-                          </a:rPr>
-                        </m:ctrlPr>
-                      </m:sSupPr>
-                      <m:e>
-                        <m:d>
-                          <m:dPr>
-                            <m:ctrlPr>
-                              <a:rPr lang="en-US" sz="2000" i="1">
-                                <a:solidFill>
-                                  <a:srgbClr val="404040"/>
-                                </a:solidFill>
-                                <a:latin typeface="Cambria Math" panose="02040503050406030204" pitchFamily="18" charset="0"/>
-                              </a:rPr>
-                            </m:ctrlPr>
-                          </m:dPr>
-                          <m:e>
-                            <m:r>
-                              <a:rPr lang="en-US" sz="2000" i="1">
-                                <a:solidFill>
-                                  <a:srgbClr val="404040"/>
-                                </a:solidFill>
-                                <a:latin typeface="Cambria Math" panose="02040503050406030204" pitchFamily="18" charset="0"/>
-                              </a:rPr>
-                              <m:t>1−</m:t>
-                            </m:r>
-                            <m:r>
-                              <a:rPr lang="en-US" sz="2000" i="1">
-                                <a:solidFill>
-                                  <a:srgbClr val="404040"/>
-                                </a:solidFill>
-                                <a:latin typeface="Cambria Math" panose="02040503050406030204" pitchFamily="18" charset="0"/>
-                              </a:rPr>
-                              <m:t>𝑝</m:t>
-                            </m:r>
-                          </m:e>
-                        </m:d>
-                      </m:e>
-                      <m:sup>
-                        <m:r>
-                          <a:rPr lang="en-US" sz="2000" i="1">
-                            <a:solidFill>
-                              <a:srgbClr val="404040"/>
-                            </a:solidFill>
-                            <a:latin typeface="Cambria Math" panose="02040503050406030204" pitchFamily="18" charset="0"/>
-                          </a:rPr>
-                          <m:t>3</m:t>
-                        </m:r>
-                      </m:sup>
-                    </m:sSup>
-                  </m:oMath>
-                </a14:m>
-                <a:endParaRPr lang="en-US" sz="2000" dirty="0">
-                  <a:solidFill>
-                    <a:srgbClr val="404040"/>
-                  </a:solidFill>
-                  <a:latin typeface="Corbel" panose="020B0503020204020204" pitchFamily="34" charset="0"/>
-                </a:endParaRPr>
-              </a:p>
             </p:txBody>
           </p:sp>
         </mc:Choice>
-        <mc:Fallback xmlns="">
+        <mc:Fallback>
           <p:sp>
             <p:nvSpPr>
               <p:cNvPr id="36" name="TextBox 35">
@@ -27078,7 +26789,7 @@
             <p:spPr>
               <a:xfrm>
                 <a:off x="773935" y="1947592"/>
-                <a:ext cx="8945154" cy="4269823"/>
+                <a:ext cx="8945154" cy="3590342"/>
               </a:xfrm>
               <a:prstGeom prst="rect">
                 <a:avLst/>
@@ -27086,7 +26797,7 @@
               <a:blipFill>
                 <a:blip r:embed="rId3"/>
                 <a:stretch>
-                  <a:fillRect l="-613" t="-713" r="-273" b="-856"/>
+                  <a:fillRect l="-613" t="-849" r="-273"/>
                 </a:stretch>
               </a:blipFill>
             </p:spPr>
@@ -33800,8 +33511,8 @@
           <a:chExt cx="0" cy="0"/>
         </a:xfrm>
       </p:grpSpPr>
-      <mc:AlternateContent xmlns:mc="http://schemas.openxmlformats.org/markup-compatibility/2006">
-        <mc:Choice xmlns:a14="http://schemas.microsoft.com/office/drawing/2010/main" Requires="a14">
+      <mc:AlternateContent xmlns:mc="http://schemas.openxmlformats.org/markup-compatibility/2006" xmlns:a14="http://schemas.microsoft.com/office/drawing/2010/main">
+        <mc:Choice Requires="a14">
           <p:sp>
             <p:nvSpPr>
               <p:cNvPr id="36" name="TextBox 35">
@@ -34192,7 +33903,7 @@
             </p:txBody>
           </p:sp>
         </mc:Choice>
-        <mc:Fallback>
+        <mc:Fallback xmlns="">
           <p:sp>
             <p:nvSpPr>
               <p:cNvPr id="36" name="TextBox 35">
@@ -35166,8 +34877,8 @@
           <a:chExt cx="0" cy="0"/>
         </a:xfrm>
       </p:grpSpPr>
-      <mc:AlternateContent xmlns:mc="http://schemas.openxmlformats.org/markup-compatibility/2006">
-        <mc:Choice xmlns:a14="http://schemas.microsoft.com/office/drawing/2010/main" Requires="a14">
+      <mc:AlternateContent xmlns:mc="http://schemas.openxmlformats.org/markup-compatibility/2006" xmlns:a14="http://schemas.microsoft.com/office/drawing/2010/main">
+        <mc:Choice Requires="a14">
           <p:sp>
             <p:nvSpPr>
               <p:cNvPr id="36" name="TextBox 35">
@@ -35279,7 +34990,7 @@
                     <m:f>
                       <m:fPr>
                         <m:ctrlPr>
-                          <a:rPr lang="en-US" sz="2000" b="0" i="0" smtClean="0">
+                          <a:rPr lang="en-US" sz="2000" b="0" i="1" smtClean="0">
                             <a:solidFill>
                               <a:srgbClr val="404040"/>
                             </a:solidFill>
@@ -35474,7 +35185,7 @@
                     <m:f>
                       <m:fPr>
                         <m:ctrlPr>
-                          <a:rPr lang="en-US" sz="2000" b="0" i="0" smtClean="0">
+                          <a:rPr lang="en-US" sz="2000" b="0" i="1" smtClean="0">
                             <a:solidFill>
                               <a:srgbClr val="404040"/>
                             </a:solidFill>
@@ -35864,7 +35575,7 @@
                     <m:f>
                       <m:fPr>
                         <m:ctrlPr>
-                          <a:rPr lang="en-US" sz="2000" b="0" i="0" smtClean="0">
+                          <a:rPr lang="en-US" sz="2000" b="0" i="1" smtClean="0">
                             <a:solidFill>
                               <a:srgbClr val="404040"/>
                             </a:solidFill>
@@ -36218,7 +35929,7 @@
                     <m:d>
                       <m:dPr>
                         <m:ctrlPr>
-                          <a:rPr lang="en-US" sz="2000" b="0" i="0" smtClean="0">
+                          <a:rPr lang="en-US" sz="2000" b="0" i="1" smtClean="0">
                             <a:solidFill>
                               <a:srgbClr val="404040"/>
                             </a:solidFill>
@@ -36253,7 +35964,7 @@
                     <m:f>
                       <m:fPr>
                         <m:ctrlPr>
-                          <a:rPr lang="en-US" sz="2000" b="0" i="0" smtClean="0">
+                          <a:rPr lang="en-US" sz="2000" b="0" i="1" smtClean="0">
                             <a:solidFill>
                               <a:srgbClr val="404040"/>
                             </a:solidFill>
@@ -36296,7 +36007,7 @@
                     <m:f>
                       <m:fPr>
                         <m:ctrlPr>
-                          <a:rPr lang="en-US" sz="2000" b="0" i="0" smtClean="0">
+                          <a:rPr lang="en-US" sz="2000" b="0" i="1" smtClean="0">
                             <a:solidFill>
                               <a:srgbClr val="404040"/>
                             </a:solidFill>
@@ -36339,7 +36050,7 @@
                     <m:f>
                       <m:fPr>
                         <m:ctrlPr>
-                          <a:rPr lang="en-US" sz="2000" b="0" i="0" smtClean="0">
+                          <a:rPr lang="en-US" sz="2000" b="0" i="1" smtClean="0">
                             <a:solidFill>
                               <a:srgbClr val="404040"/>
                             </a:solidFill>
@@ -36382,7 +36093,7 @@
                     <m:f>
                       <m:fPr>
                         <m:ctrlPr>
-                          <a:rPr lang="en-US" sz="2000" b="0" i="0" smtClean="0">
+                          <a:rPr lang="en-US" sz="2000" b="0" i="1" smtClean="0">
                             <a:solidFill>
                               <a:srgbClr val="404040"/>
                             </a:solidFill>
@@ -36508,7 +36219,7 @@
                     <m:f>
                       <m:fPr>
                         <m:ctrlPr>
-                          <a:rPr lang="en-US" sz="2000" b="0" i="0" smtClean="0">
+                          <a:rPr lang="en-US" sz="2000" b="0" i="1" smtClean="0">
                             <a:solidFill>
                               <a:srgbClr val="404040"/>
                             </a:solidFill>
@@ -36551,7 +36262,7 @@
                     <m:f>
                       <m:fPr>
                         <m:ctrlPr>
-                          <a:rPr lang="en-US" sz="2000" b="0" i="0" smtClean="0">
+                          <a:rPr lang="en-US" sz="2000" b="0" i="1" smtClean="0">
                             <a:solidFill>
                               <a:srgbClr val="404040"/>
                             </a:solidFill>
@@ -36594,7 +36305,7 @@
                     <m:f>
                       <m:fPr>
                         <m:ctrlPr>
-                          <a:rPr lang="en-US" sz="2000" b="0" i="0" smtClean="0">
+                          <a:rPr lang="en-US" sz="2000" b="0" i="1" smtClean="0">
                             <a:solidFill>
                               <a:srgbClr val="404040"/>
                             </a:solidFill>
@@ -36831,7 +36542,7 @@
             </p:txBody>
           </p:sp>
         </mc:Choice>
-        <mc:Fallback>
+        <mc:Fallback xmlns="">
           <p:sp>
             <p:nvSpPr>
               <p:cNvPr id="36" name="TextBox 35">
@@ -38840,8 +38551,8 @@
           </a:effectLst>
         </p:spPr>
       </p:pic>
-      <mc:AlternateContent xmlns:mc="http://schemas.openxmlformats.org/markup-compatibility/2006">
-        <mc:Choice xmlns:a14="http://schemas.microsoft.com/office/drawing/2010/main" Requires="a14">
+      <mc:AlternateContent xmlns:mc="http://schemas.openxmlformats.org/markup-compatibility/2006" xmlns:a14="http://schemas.microsoft.com/office/drawing/2010/main">
+        <mc:Choice Requires="a14">
           <p:sp>
             <p:nvSpPr>
               <p:cNvPr id="3" name="TextBox 2">
@@ -38870,6 +38581,7 @@
               </a:bodyPr>
               <a:lstStyle/>
               <a:p>
+                <a:pPr/>
                 <a14:m>
                   <m:oMathPara xmlns:m="http://schemas.openxmlformats.org/officeDocument/2006/math">
                     <m:oMathParaPr>
@@ -38927,7 +38639,7 @@
             </p:txBody>
           </p:sp>
         </mc:Choice>
-        <mc:Fallback>
+        <mc:Fallback xmlns="">
           <p:sp>
             <p:nvSpPr>
               <p:cNvPr id="3" name="TextBox 2">
@@ -38972,8 +38684,8 @@
           </p:sp>
         </mc:Fallback>
       </mc:AlternateContent>
-      <mc:AlternateContent xmlns:mc="http://schemas.openxmlformats.org/markup-compatibility/2006">
-        <mc:Choice xmlns:a14="http://schemas.microsoft.com/office/drawing/2010/main" Requires="a14">
+      <mc:AlternateContent xmlns:mc="http://schemas.openxmlformats.org/markup-compatibility/2006" xmlns:a14="http://schemas.microsoft.com/office/drawing/2010/main">
+        <mc:Choice Requires="a14">
           <p:sp>
             <p:nvSpPr>
               <p:cNvPr id="23" name="TextBox 22">
@@ -39002,6 +38714,7 @@
               </a:bodyPr>
               <a:lstStyle/>
               <a:p>
+                <a:pPr/>
                 <a14:m>
                   <m:oMathPara xmlns:m="http://schemas.openxmlformats.org/officeDocument/2006/math">
                     <m:oMathParaPr>
@@ -39059,7 +38772,7 @@
             </p:txBody>
           </p:sp>
         </mc:Choice>
-        <mc:Fallback>
+        <mc:Fallback xmlns="">
           <p:sp>
             <p:nvSpPr>
               <p:cNvPr id="23" name="TextBox 22">

--- a/Lectures/Lecture 27/Lecture 27.pptx
+++ b/Lectures/Lecture 27/Lecture 27.pptx
@@ -5,27 +5,26 @@
     <p:sldMasterId id="2147483648" r:id="rId1"/>
   </p:sldMasterIdLst>
   <p:notesMasterIdLst>
-    <p:notesMasterId r:id="rId20"/>
+    <p:notesMasterId r:id="rId19"/>
   </p:notesMasterIdLst>
   <p:sldIdLst>
     <p:sldId id="256" r:id="rId2"/>
     <p:sldId id="634" r:id="rId3"/>
     <p:sldId id="636" r:id="rId4"/>
     <p:sldId id="635" r:id="rId5"/>
-    <p:sldId id="637" r:id="rId6"/>
-    <p:sldId id="638" r:id="rId7"/>
-    <p:sldId id="639" r:id="rId8"/>
-    <p:sldId id="640" r:id="rId9"/>
-    <p:sldId id="642" r:id="rId10"/>
-    <p:sldId id="641" r:id="rId11"/>
-    <p:sldId id="643" r:id="rId12"/>
-    <p:sldId id="644" r:id="rId13"/>
-    <p:sldId id="645" r:id="rId14"/>
-    <p:sldId id="647" r:id="rId15"/>
-    <p:sldId id="646" r:id="rId16"/>
-    <p:sldId id="649" r:id="rId17"/>
-    <p:sldId id="648" r:id="rId18"/>
-    <p:sldId id="258" r:id="rId19"/>
+    <p:sldId id="638" r:id="rId6"/>
+    <p:sldId id="639" r:id="rId7"/>
+    <p:sldId id="640" r:id="rId8"/>
+    <p:sldId id="642" r:id="rId9"/>
+    <p:sldId id="641" r:id="rId10"/>
+    <p:sldId id="643" r:id="rId11"/>
+    <p:sldId id="644" r:id="rId12"/>
+    <p:sldId id="645" r:id="rId13"/>
+    <p:sldId id="647" r:id="rId14"/>
+    <p:sldId id="646" r:id="rId15"/>
+    <p:sldId id="649" r:id="rId16"/>
+    <p:sldId id="648" r:id="rId17"/>
+    <p:sldId id="258" r:id="rId18"/>
   </p:sldIdLst>
   <p:sldSz cx="12192000" cy="6858000"/>
   <p:notesSz cx="6858000" cy="9144000"/>
@@ -226,7 +225,7 @@
           <a:p>
             <a:fld id="{467FE51A-BC06-4E6F-B1DA-B477364E598F}" type="datetimeFigureOut">
               <a:rPr lang="en-US" smtClean="0"/>
-              <a:t>4/8/2020</a:t>
+              <a:t>4/20/2021</a:t>
             </a:fld>
             <a:endParaRPr lang="en-US"/>
           </a:p>
@@ -651,7 +650,7 @@
     </p:spTree>
     <p:extLst>
       <p:ext uri="{BB962C8B-B14F-4D97-AF65-F5344CB8AC3E}">
-        <p14:creationId xmlns:p14="http://schemas.microsoft.com/office/powerpoint/2010/main" val="2735997183"/>
+        <p14:creationId xmlns:p14="http://schemas.microsoft.com/office/powerpoint/2010/main" val="3428703840"/>
       </p:ext>
     </p:extLst>
   </p:cSld>
@@ -735,7 +734,7 @@
     </p:spTree>
     <p:extLst>
       <p:ext uri="{BB962C8B-B14F-4D97-AF65-F5344CB8AC3E}">
-        <p14:creationId xmlns:p14="http://schemas.microsoft.com/office/powerpoint/2010/main" val="3428703840"/>
+        <p14:creationId xmlns:p14="http://schemas.microsoft.com/office/powerpoint/2010/main" val="3362404833"/>
       </p:ext>
     </p:extLst>
   </p:cSld>
@@ -819,7 +818,7 @@
     </p:spTree>
     <p:extLst>
       <p:ext uri="{BB962C8B-B14F-4D97-AF65-F5344CB8AC3E}">
-        <p14:creationId xmlns:p14="http://schemas.microsoft.com/office/powerpoint/2010/main" val="3362404833"/>
+        <p14:creationId xmlns:p14="http://schemas.microsoft.com/office/powerpoint/2010/main" val="3889188645"/>
       </p:ext>
     </p:extLst>
   </p:cSld>
@@ -903,7 +902,7 @@
     </p:spTree>
     <p:extLst>
       <p:ext uri="{BB962C8B-B14F-4D97-AF65-F5344CB8AC3E}">
-        <p14:creationId xmlns:p14="http://schemas.microsoft.com/office/powerpoint/2010/main" val="3889188645"/>
+        <p14:creationId xmlns:p14="http://schemas.microsoft.com/office/powerpoint/2010/main" val="2902643105"/>
       </p:ext>
     </p:extLst>
   </p:cSld>
@@ -987,7 +986,7 @@
     </p:spTree>
     <p:extLst>
       <p:ext uri="{BB962C8B-B14F-4D97-AF65-F5344CB8AC3E}">
-        <p14:creationId xmlns:p14="http://schemas.microsoft.com/office/powerpoint/2010/main" val="2902643105"/>
+        <p14:creationId xmlns:p14="http://schemas.microsoft.com/office/powerpoint/2010/main" val="1592105484"/>
       </p:ext>
     </p:extLst>
   </p:cSld>
@@ -1063,90 +1062,6 @@
             <a:fld id="{D0C8C37F-A19A-4BCE-ACB3-EB59C17BCC56}" type="slidenum">
               <a:rPr lang="en-US" smtClean="0"/>
               <a:t>16</a:t>
-            </a:fld>
-            <a:endParaRPr lang="en-US"/>
-          </a:p>
-        </p:txBody>
-      </p:sp>
-    </p:spTree>
-    <p:extLst>
-      <p:ext uri="{BB962C8B-B14F-4D97-AF65-F5344CB8AC3E}">
-        <p14:creationId xmlns:p14="http://schemas.microsoft.com/office/powerpoint/2010/main" val="1592105484"/>
-      </p:ext>
-    </p:extLst>
-  </p:cSld>
-  <p:clrMapOvr>
-    <a:masterClrMapping/>
-  </p:clrMapOvr>
-</p:notes>
-</file>
-
-<file path=ppt/notesSlides/notesSlide16.xml><?xml version="1.0" encoding="utf-8"?>
-<p:notes xmlns:a="http://schemas.openxmlformats.org/drawingml/2006/main" xmlns:r="http://schemas.openxmlformats.org/officeDocument/2006/relationships" xmlns:p="http://schemas.openxmlformats.org/presentationml/2006/main">
-  <p:cSld>
-    <p:spTree>
-      <p:nvGrpSpPr>
-        <p:cNvPr id="1" name=""/>
-        <p:cNvGrpSpPr/>
-        <p:nvPr/>
-      </p:nvGrpSpPr>
-      <p:grpSpPr>
-        <a:xfrm>
-          <a:off x="0" y="0"/>
-          <a:ext cx="0" cy="0"/>
-          <a:chOff x="0" y="0"/>
-          <a:chExt cx="0" cy="0"/>
-        </a:xfrm>
-      </p:grpSpPr>
-      <p:sp>
-        <p:nvSpPr>
-          <p:cNvPr id="2" name="Slide Image Placeholder 1"/>
-          <p:cNvSpPr>
-            <a:spLocks noGrp="1" noRot="1" noChangeAspect="1"/>
-          </p:cNvSpPr>
-          <p:nvPr>
-            <p:ph type="sldImg"/>
-          </p:nvPr>
-        </p:nvSpPr>
-        <p:spPr/>
-      </p:sp>
-      <p:sp>
-        <p:nvSpPr>
-          <p:cNvPr id="3" name="Notes Placeholder 2"/>
-          <p:cNvSpPr>
-            <a:spLocks noGrp="1"/>
-          </p:cNvSpPr>
-          <p:nvPr>
-            <p:ph type="body" idx="1"/>
-          </p:nvPr>
-        </p:nvSpPr>
-        <p:spPr/>
-        <p:txBody>
-          <a:bodyPr/>
-          <a:lstStyle/>
-          <a:p>
-            <a:endParaRPr lang="en-US" dirty="0"/>
-          </a:p>
-        </p:txBody>
-      </p:sp>
-      <p:sp>
-        <p:nvSpPr>
-          <p:cNvPr id="4" name="Slide Number Placeholder 3"/>
-          <p:cNvSpPr>
-            <a:spLocks noGrp="1"/>
-          </p:cNvSpPr>
-          <p:nvPr>
-            <p:ph type="sldNum" sz="quarter" idx="5"/>
-          </p:nvPr>
-        </p:nvSpPr>
-        <p:spPr/>
-        <p:txBody>
-          <a:bodyPr/>
-          <a:lstStyle/>
-          <a:p>
-            <a:fld id="{D0C8C37F-A19A-4BCE-ACB3-EB59C17BCC56}" type="slidenum">
-              <a:rPr lang="en-US" smtClean="0"/>
-              <a:t>17</a:t>
             </a:fld>
             <a:endParaRPr lang="en-US"/>
           </a:p>
@@ -1407,7 +1322,7 @@
     </p:spTree>
     <p:extLst>
       <p:ext uri="{BB962C8B-B14F-4D97-AF65-F5344CB8AC3E}">
-        <p14:creationId xmlns:p14="http://schemas.microsoft.com/office/powerpoint/2010/main" val="3498385292"/>
+        <p14:creationId xmlns:p14="http://schemas.microsoft.com/office/powerpoint/2010/main" val="2934543081"/>
       </p:ext>
     </p:extLst>
   </p:cSld>
@@ -1491,7 +1406,7 @@
     </p:spTree>
     <p:extLst>
       <p:ext uri="{BB962C8B-B14F-4D97-AF65-F5344CB8AC3E}">
-        <p14:creationId xmlns:p14="http://schemas.microsoft.com/office/powerpoint/2010/main" val="2934543081"/>
+        <p14:creationId xmlns:p14="http://schemas.microsoft.com/office/powerpoint/2010/main" val="363356849"/>
       </p:ext>
     </p:extLst>
   </p:cSld>
@@ -1575,7 +1490,7 @@
     </p:spTree>
     <p:extLst>
       <p:ext uri="{BB962C8B-B14F-4D97-AF65-F5344CB8AC3E}">
-        <p14:creationId xmlns:p14="http://schemas.microsoft.com/office/powerpoint/2010/main" val="363356849"/>
+        <p14:creationId xmlns:p14="http://schemas.microsoft.com/office/powerpoint/2010/main" val="2492048220"/>
       </p:ext>
     </p:extLst>
   </p:cSld>
@@ -1659,7 +1574,7 @@
     </p:spTree>
     <p:extLst>
       <p:ext uri="{BB962C8B-B14F-4D97-AF65-F5344CB8AC3E}">
-        <p14:creationId xmlns:p14="http://schemas.microsoft.com/office/powerpoint/2010/main" val="2492048220"/>
+        <p14:creationId xmlns:p14="http://schemas.microsoft.com/office/powerpoint/2010/main" val="4110273610"/>
       </p:ext>
     </p:extLst>
   </p:cSld>
@@ -1743,7 +1658,7 @@
     </p:spTree>
     <p:extLst>
       <p:ext uri="{BB962C8B-B14F-4D97-AF65-F5344CB8AC3E}">
-        <p14:creationId xmlns:p14="http://schemas.microsoft.com/office/powerpoint/2010/main" val="4110273610"/>
+        <p14:creationId xmlns:p14="http://schemas.microsoft.com/office/powerpoint/2010/main" val="3930130765"/>
       </p:ext>
     </p:extLst>
   </p:cSld>
@@ -1827,7 +1742,7 @@
     </p:spTree>
     <p:extLst>
       <p:ext uri="{BB962C8B-B14F-4D97-AF65-F5344CB8AC3E}">
-        <p14:creationId xmlns:p14="http://schemas.microsoft.com/office/powerpoint/2010/main" val="3930130765"/>
+        <p14:creationId xmlns:p14="http://schemas.microsoft.com/office/powerpoint/2010/main" val="2735997183"/>
       </p:ext>
     </p:extLst>
   </p:cSld>
@@ -1984,7 +1899,7 @@
           <a:p>
             <a:fld id="{11C4ABE2-2F1A-4C31-A43A-C3E7CE49CE95}" type="datetimeFigureOut">
               <a:rPr lang="en-US" smtClean="0"/>
-              <a:t>4/8/2020</a:t>
+              <a:t>4/20/2021</a:t>
             </a:fld>
             <a:endParaRPr lang="en-US"/>
           </a:p>
@@ -2182,7 +2097,7 @@
           <a:p>
             <a:fld id="{11C4ABE2-2F1A-4C31-A43A-C3E7CE49CE95}" type="datetimeFigureOut">
               <a:rPr lang="en-US" smtClean="0"/>
-              <a:t>4/8/2020</a:t>
+              <a:t>4/20/2021</a:t>
             </a:fld>
             <a:endParaRPr lang="en-US"/>
           </a:p>
@@ -2390,7 +2305,7 @@
           <a:p>
             <a:fld id="{11C4ABE2-2F1A-4C31-A43A-C3E7CE49CE95}" type="datetimeFigureOut">
               <a:rPr lang="en-US" smtClean="0"/>
-              <a:t>4/8/2020</a:t>
+              <a:t>4/20/2021</a:t>
             </a:fld>
             <a:endParaRPr lang="en-US"/>
           </a:p>
@@ -2588,7 +2503,7 @@
           <a:p>
             <a:fld id="{11C4ABE2-2F1A-4C31-A43A-C3E7CE49CE95}" type="datetimeFigureOut">
               <a:rPr lang="en-US" smtClean="0"/>
-              <a:t>4/8/2020</a:t>
+              <a:t>4/20/2021</a:t>
             </a:fld>
             <a:endParaRPr lang="en-US"/>
           </a:p>
@@ -2863,7 +2778,7 @@
           <a:p>
             <a:fld id="{11C4ABE2-2F1A-4C31-A43A-C3E7CE49CE95}" type="datetimeFigureOut">
               <a:rPr lang="en-US" smtClean="0"/>
-              <a:t>4/8/2020</a:t>
+              <a:t>4/20/2021</a:t>
             </a:fld>
             <a:endParaRPr lang="en-US"/>
           </a:p>
@@ -3128,7 +3043,7 @@
           <a:p>
             <a:fld id="{11C4ABE2-2F1A-4C31-A43A-C3E7CE49CE95}" type="datetimeFigureOut">
               <a:rPr lang="en-US" smtClean="0"/>
-              <a:t>4/8/2020</a:t>
+              <a:t>4/20/2021</a:t>
             </a:fld>
             <a:endParaRPr lang="en-US"/>
           </a:p>
@@ -3540,7 +3455,7 @@
           <a:p>
             <a:fld id="{11C4ABE2-2F1A-4C31-A43A-C3E7CE49CE95}" type="datetimeFigureOut">
               <a:rPr lang="en-US" smtClean="0"/>
-              <a:t>4/8/2020</a:t>
+              <a:t>4/20/2021</a:t>
             </a:fld>
             <a:endParaRPr lang="en-US"/>
           </a:p>
@@ -3681,7 +3596,7 @@
           <a:p>
             <a:fld id="{11C4ABE2-2F1A-4C31-A43A-C3E7CE49CE95}" type="datetimeFigureOut">
               <a:rPr lang="en-US" smtClean="0"/>
-              <a:t>4/8/2020</a:t>
+              <a:t>4/20/2021</a:t>
             </a:fld>
             <a:endParaRPr lang="en-US"/>
           </a:p>
@@ -3794,7 +3709,7 @@
           <a:p>
             <a:fld id="{11C4ABE2-2F1A-4C31-A43A-C3E7CE49CE95}" type="datetimeFigureOut">
               <a:rPr lang="en-US" smtClean="0"/>
-              <a:t>4/8/2020</a:t>
+              <a:t>4/20/2021</a:t>
             </a:fld>
             <a:endParaRPr lang="en-US"/>
           </a:p>
@@ -4105,7 +4020,7 @@
           <a:p>
             <a:fld id="{11C4ABE2-2F1A-4C31-A43A-C3E7CE49CE95}" type="datetimeFigureOut">
               <a:rPr lang="en-US" smtClean="0"/>
-              <a:t>4/8/2020</a:t>
+              <a:t>4/20/2021</a:t>
             </a:fld>
             <a:endParaRPr lang="en-US"/>
           </a:p>
@@ -4393,7 +4308,7 @@
           <a:p>
             <a:fld id="{11C4ABE2-2F1A-4C31-A43A-C3E7CE49CE95}" type="datetimeFigureOut">
               <a:rPr lang="en-US" smtClean="0"/>
-              <a:t>4/8/2020</a:t>
+              <a:t>4/20/2021</a:t>
             </a:fld>
             <a:endParaRPr lang="en-US"/>
           </a:p>
@@ -4634,7 +4549,7 @@
           <a:p>
             <a:fld id="{11C4ABE2-2F1A-4C31-A43A-C3E7CE49CE95}" type="datetimeFigureOut">
               <a:rPr lang="en-US" smtClean="0"/>
-              <a:t>4/8/2020</a:t>
+              <a:t>4/20/2021</a:t>
             </a:fld>
             <a:endParaRPr lang="en-US"/>
           </a:p>
@@ -7067,2166 +6982,6 @@
 </file>
 
 <file path=ppt/slides/slide10.xml><?xml version="1.0" encoding="utf-8"?>
-<p:sld xmlns:a="http://schemas.openxmlformats.org/drawingml/2006/main" xmlns:r="http://schemas.openxmlformats.org/officeDocument/2006/relationships" xmlns:p="http://schemas.openxmlformats.org/presentationml/2006/main">
-  <p:cSld>
-    <p:spTree>
-      <p:nvGrpSpPr>
-        <p:cNvPr id="1" name=""/>
-        <p:cNvGrpSpPr/>
-        <p:nvPr/>
-      </p:nvGrpSpPr>
-      <p:grpSpPr>
-        <a:xfrm>
-          <a:off x="0" y="0"/>
-          <a:ext cx="0" cy="0"/>
-          <a:chOff x="0" y="0"/>
-          <a:chExt cx="0" cy="0"/>
-        </a:xfrm>
-      </p:grpSpPr>
-      <mc:AlternateContent xmlns:mc="http://schemas.openxmlformats.org/markup-compatibility/2006" xmlns:a14="http://schemas.microsoft.com/office/drawing/2010/main">
-        <mc:Choice Requires="a14">
-          <p:sp>
-            <p:nvSpPr>
-              <p:cNvPr id="36" name="TextBox 35">
-                <a:extLst>
-                  <a:ext uri="{FF2B5EF4-FFF2-40B4-BE49-F238E27FC236}">
-                    <a16:creationId xmlns:a16="http://schemas.microsoft.com/office/drawing/2014/main" id="{389720C5-6DCB-428D-8C4F-A02DEC239333}"/>
-                  </a:ext>
-                </a:extLst>
-              </p:cNvPr>
-              <p:cNvSpPr txBox="1"/>
-              <p:nvPr/>
-            </p:nvSpPr>
-            <p:spPr>
-              <a:xfrm>
-                <a:off x="773935" y="1947592"/>
-                <a:ext cx="9018070" cy="5016758"/>
-              </a:xfrm>
-              <a:prstGeom prst="rect">
-                <a:avLst/>
-              </a:prstGeom>
-              <a:noFill/>
-            </p:spPr>
-            <p:txBody>
-              <a:bodyPr wrap="square" rtlCol="0">
-                <a:spAutoFit/>
-              </a:bodyPr>
-              <a:lstStyle/>
-              <a:p>
-                <a:pPr marL="285750" indent="-285750">
-                  <a:buFont typeface="Arial" panose="020B0604020202020204" pitchFamily="34" charset="0"/>
-                  <a:buChar char="•"/>
-                </a:pPr>
-                <a:r>
-                  <a:rPr lang="en-US" sz="2000" dirty="0">
-                    <a:solidFill>
-                      <a:srgbClr val="404040"/>
-                    </a:solidFill>
-                    <a:latin typeface="Corbel" panose="020B0503020204020204" pitchFamily="34" charset="0"/>
-                  </a:rPr>
-                  <a:t>Recall the formula for conditional probability</a:t>
-                </a:r>
-              </a:p>
-              <a:p>
-                <a:pPr marL="285750" indent="-285750">
-                  <a:buFont typeface="Arial" panose="020B0604020202020204" pitchFamily="34" charset="0"/>
-                  <a:buChar char="•"/>
-                </a:pPr>
-                <a:endParaRPr lang="en-US" sz="2000" dirty="0">
-                  <a:solidFill>
-                    <a:srgbClr val="404040"/>
-                  </a:solidFill>
-                  <a:latin typeface="Corbel" panose="020B0503020204020204" pitchFamily="34" charset="0"/>
-                </a:endParaRPr>
-              </a:p>
-              <a:p>
-                <a:pPr marL="285750" indent="-285750">
-                  <a:buFont typeface="Arial" panose="020B0604020202020204" pitchFamily="34" charset="0"/>
-                  <a:buChar char="•"/>
-                </a:pPr>
-                <a:endParaRPr lang="en-US" sz="2000" dirty="0">
-                  <a:solidFill>
-                    <a:srgbClr val="404040"/>
-                  </a:solidFill>
-                  <a:latin typeface="Corbel" panose="020B0503020204020204" pitchFamily="34" charset="0"/>
-                </a:endParaRPr>
-              </a:p>
-              <a:p>
-                <a:pPr marL="285750" indent="-285750">
-                  <a:buFont typeface="Arial" panose="020B0604020202020204" pitchFamily="34" charset="0"/>
-                  <a:buChar char="•"/>
-                </a:pPr>
-                <a:endParaRPr lang="en-US" sz="2000" dirty="0">
-                  <a:solidFill>
-                    <a:srgbClr val="404040"/>
-                  </a:solidFill>
-                  <a:latin typeface="Corbel" panose="020B0503020204020204" pitchFamily="34" charset="0"/>
-                </a:endParaRPr>
-              </a:p>
-              <a:p>
-                <a:pPr marL="285750" indent="-285750">
-                  <a:buFont typeface="Arial" panose="020B0604020202020204" pitchFamily="34" charset="0"/>
-                  <a:buChar char="•"/>
-                </a:pPr>
-                <a:r>
-                  <a:rPr lang="en-US" sz="2000" dirty="0">
-                    <a:solidFill>
-                      <a:srgbClr val="404040"/>
-                    </a:solidFill>
-                    <a:latin typeface="Corbel" panose="020B0503020204020204" pitchFamily="34" charset="0"/>
-                  </a:rPr>
-                  <a:t>Based off this formula,</a:t>
-                </a:r>
-              </a:p>
-              <a:p>
-                <a:pPr marL="285750" indent="-285750">
-                  <a:buFont typeface="Arial" panose="020B0604020202020204" pitchFamily="34" charset="0"/>
-                  <a:buChar char="•"/>
-                </a:pPr>
-                <a:endParaRPr lang="en-US" sz="2000" dirty="0">
-                  <a:solidFill>
-                    <a:srgbClr val="404040"/>
-                  </a:solidFill>
-                  <a:latin typeface="Corbel" panose="020B0503020204020204" pitchFamily="34" charset="0"/>
-                </a:endParaRPr>
-              </a:p>
-              <a:p>
-                <a:pPr marL="285750" indent="-285750">
-                  <a:buFont typeface="Arial" panose="020B0604020202020204" pitchFamily="34" charset="0"/>
-                  <a:buChar char="•"/>
-                </a:pPr>
-                <a:endParaRPr lang="en-US" sz="2000" dirty="0">
-                  <a:solidFill>
-                    <a:srgbClr val="404040"/>
-                  </a:solidFill>
-                  <a:latin typeface="Corbel" panose="020B0503020204020204" pitchFamily="34" charset="0"/>
-                </a:endParaRPr>
-              </a:p>
-              <a:p>
-                <a:pPr marL="285750" indent="-285750">
-                  <a:buFont typeface="Arial" panose="020B0604020202020204" pitchFamily="34" charset="0"/>
-                  <a:buChar char="•"/>
-                </a:pPr>
-                <a:endParaRPr lang="en-US" sz="2000" dirty="0">
-                  <a:solidFill>
-                    <a:srgbClr val="404040"/>
-                  </a:solidFill>
-                  <a:latin typeface="Corbel" panose="020B0503020204020204" pitchFamily="34" charset="0"/>
-                </a:endParaRPr>
-              </a:p>
-              <a:p>
-                <a:pPr marL="285750" indent="-285750">
-                  <a:buFont typeface="Arial" panose="020B0604020202020204" pitchFamily="34" charset="0"/>
-                  <a:buChar char="•"/>
-                </a:pPr>
-                <a:r>
-                  <a:rPr lang="en-US" sz="2000" dirty="0">
-                    <a:solidFill>
-                      <a:srgbClr val="404040"/>
-                    </a:solidFill>
-                    <a:latin typeface="Corbel" panose="020B0503020204020204" pitchFamily="34" charset="0"/>
-                  </a:rPr>
-                  <a:t>With simple substitution,</a:t>
-                </a:r>
-              </a:p>
-              <a:p>
-                <a:pPr marL="285750" indent="-285750">
-                  <a:buFont typeface="Arial" panose="020B0604020202020204" pitchFamily="34" charset="0"/>
-                  <a:buChar char="•"/>
-                </a:pPr>
-                <a:endParaRPr lang="en-US" sz="2000" dirty="0">
-                  <a:solidFill>
-                    <a:srgbClr val="404040"/>
-                  </a:solidFill>
-                  <a:latin typeface="Corbel" panose="020B0503020204020204" pitchFamily="34" charset="0"/>
-                </a:endParaRPr>
-              </a:p>
-              <a:p>
-                <a:pPr marL="285750" indent="-285750">
-                  <a:buFont typeface="Arial" panose="020B0604020202020204" pitchFamily="34" charset="0"/>
-                  <a:buChar char="•"/>
-                </a:pPr>
-                <a:endParaRPr lang="en-US" sz="2000" dirty="0">
-                  <a:solidFill>
-                    <a:srgbClr val="404040"/>
-                  </a:solidFill>
-                  <a:latin typeface="Corbel" panose="020B0503020204020204" pitchFamily="34" charset="0"/>
-                </a:endParaRPr>
-              </a:p>
-              <a:p>
-                <a:pPr marL="285750" indent="-285750">
-                  <a:buFont typeface="Arial" panose="020B0604020202020204" pitchFamily="34" charset="0"/>
-                  <a:buChar char="•"/>
-                </a:pPr>
-                <a:endParaRPr lang="en-US" sz="2000" dirty="0">
-                  <a:solidFill>
-                    <a:srgbClr val="404040"/>
-                  </a:solidFill>
-                  <a:latin typeface="Corbel" panose="020B0503020204020204" pitchFamily="34" charset="0"/>
-                </a:endParaRPr>
-              </a:p>
-              <a:p>
-                <a:pPr marL="285750" indent="-285750">
-                  <a:buFont typeface="Arial" panose="020B0604020202020204" pitchFamily="34" charset="0"/>
-                  <a:buChar char="•"/>
-                </a:pPr>
-                <a:r>
-                  <a:rPr lang="en-US" sz="2000" dirty="0">
-                    <a:solidFill>
-                      <a:srgbClr val="404040"/>
-                    </a:solidFill>
-                    <a:latin typeface="Corbel" panose="020B0503020204020204" pitchFamily="34" charset="0"/>
-                  </a:rPr>
-                  <a:t>Since there are two events, </a:t>
-                </a:r>
-                <a14:m>
-                  <m:oMath xmlns:m="http://schemas.openxmlformats.org/officeDocument/2006/math">
-                    <m:r>
-                      <a:rPr lang="en-US" sz="2000" i="1">
-                        <a:latin typeface="Cambria Math" panose="02040503050406030204" pitchFamily="18" charset="0"/>
-                      </a:rPr>
-                      <m:t>𝑃</m:t>
-                    </m:r>
-                    <m:d>
-                      <m:dPr>
-                        <m:ctrlPr>
-                          <a:rPr lang="en-US" sz="2000" i="1">
-                            <a:latin typeface="Cambria Math" panose="02040503050406030204" pitchFamily="18" charset="0"/>
-                          </a:rPr>
-                        </m:ctrlPr>
-                      </m:dPr>
-                      <m:e>
-                        <m:r>
-                          <a:rPr lang="en-US" sz="2000" i="1">
-                            <a:latin typeface="Cambria Math" panose="02040503050406030204" pitchFamily="18" charset="0"/>
-                          </a:rPr>
-                          <m:t>𝑌</m:t>
-                        </m:r>
-                      </m:e>
-                    </m:d>
-                    <m:r>
-                      <a:rPr lang="en-US" sz="2000" b="0" i="0" smtClean="0">
-                        <a:latin typeface="Cambria Math" panose="02040503050406030204" pitchFamily="18" charset="0"/>
-                      </a:rPr>
-                      <m:t>=</m:t>
-                    </m:r>
-                    <m:r>
-                      <m:rPr>
-                        <m:sty m:val="p"/>
-                      </m:rPr>
-                      <a:rPr lang="en-US" sz="2000" b="0" i="0" smtClean="0">
-                        <a:latin typeface="Cambria Math" panose="02040503050406030204" pitchFamily="18" charset="0"/>
-                      </a:rPr>
-                      <m:t>P</m:t>
-                    </m:r>
-                    <m:r>
-                      <a:rPr lang="en-US" sz="2000" b="0" i="0" smtClean="0">
-                        <a:latin typeface="Cambria Math" panose="02040503050406030204" pitchFamily="18" charset="0"/>
-                      </a:rPr>
-                      <m:t>(</m:t>
-                    </m:r>
-                    <m:r>
-                      <m:rPr>
-                        <m:sty m:val="p"/>
-                      </m:rPr>
-                      <a:rPr lang="en-US" sz="2000" b="0" i="0" smtClean="0">
-                        <a:latin typeface="Cambria Math" panose="02040503050406030204" pitchFamily="18" charset="0"/>
-                      </a:rPr>
-                      <m:t>Y</m:t>
-                    </m:r>
-                    <m:r>
-                      <a:rPr lang="en-US" sz="2000" b="0" i="1" smtClean="0">
-                        <a:latin typeface="Cambria Math" panose="02040503050406030204" pitchFamily="18" charset="0"/>
-                      </a:rPr>
-                      <m:t>∩</m:t>
-                    </m:r>
-                    <m:r>
-                      <a:rPr lang="en-US" sz="2000" b="0" i="1" smtClean="0">
-                        <a:latin typeface="Cambria Math" panose="02040503050406030204" pitchFamily="18" charset="0"/>
-                      </a:rPr>
-                      <m:t>𝑋</m:t>
-                    </m:r>
-                    <m:r>
-                      <a:rPr lang="en-US" sz="2000" b="0" i="1" smtClean="0">
-                        <a:latin typeface="Cambria Math" panose="02040503050406030204" pitchFamily="18" charset="0"/>
-                      </a:rPr>
-                      <m:t>)</m:t>
-                    </m:r>
-                    <m:r>
-                      <a:rPr lang="en-US" sz="2000" b="0" i="0" smtClean="0">
-                        <a:latin typeface="Cambria Math" panose="02040503050406030204" pitchFamily="18" charset="0"/>
-                      </a:rPr>
-                      <m:t>+</m:t>
-                    </m:r>
-                    <m:r>
-                      <m:rPr>
-                        <m:sty m:val="p"/>
-                      </m:rPr>
-                      <a:rPr lang="en-US" sz="2000" b="0" i="0" smtClean="0">
-                        <a:latin typeface="Cambria Math" panose="02040503050406030204" pitchFamily="18" charset="0"/>
-                      </a:rPr>
-                      <m:t>P</m:t>
-                    </m:r>
-                    <m:r>
-                      <a:rPr lang="en-US" sz="2000" b="0" i="0" smtClean="0">
-                        <a:latin typeface="Cambria Math" panose="02040503050406030204" pitchFamily="18" charset="0"/>
-                      </a:rPr>
-                      <m:t>(</m:t>
-                    </m:r>
-                    <m:r>
-                      <m:rPr>
-                        <m:sty m:val="p"/>
-                      </m:rPr>
-                      <a:rPr lang="en-US" sz="2000" b="0" i="0" smtClean="0">
-                        <a:latin typeface="Cambria Math" panose="02040503050406030204" pitchFamily="18" charset="0"/>
-                      </a:rPr>
-                      <m:t>Y</m:t>
-                    </m:r>
-                    <m:r>
-                      <a:rPr lang="en-US" sz="2000" b="0" i="1" smtClean="0">
-                        <a:latin typeface="Cambria Math" panose="02040503050406030204" pitchFamily="18" charset="0"/>
-                      </a:rPr>
-                      <m:t>∩</m:t>
-                    </m:r>
-                    <m:sSup>
-                      <m:sSupPr>
-                        <m:ctrlPr>
-                          <a:rPr lang="en-US" sz="2000" b="0" i="1" smtClean="0">
-                            <a:latin typeface="Cambria Math" panose="02040503050406030204" pitchFamily="18" charset="0"/>
-                          </a:rPr>
-                        </m:ctrlPr>
-                      </m:sSupPr>
-                      <m:e>
-                        <m:r>
-                          <a:rPr lang="en-US" sz="2000" b="0" i="1" smtClean="0">
-                            <a:latin typeface="Cambria Math" panose="02040503050406030204" pitchFamily="18" charset="0"/>
-                          </a:rPr>
-                          <m:t>𝑋</m:t>
-                        </m:r>
-                      </m:e>
-                      <m:sup>
-                        <m:r>
-                          <a:rPr lang="en-US" sz="2000" b="0" i="1" smtClean="0">
-                            <a:latin typeface="Cambria Math" panose="02040503050406030204" pitchFamily="18" charset="0"/>
-                          </a:rPr>
-                          <m:t>𝑐</m:t>
-                        </m:r>
-                      </m:sup>
-                    </m:sSup>
-                    <m:r>
-                      <a:rPr lang="en-US" sz="2000" b="0" i="0" smtClean="0">
-                        <a:latin typeface="Cambria Math" panose="02040503050406030204" pitchFamily="18" charset="0"/>
-                      </a:rPr>
-                      <m:t>)</m:t>
-                    </m:r>
-                  </m:oMath>
-                </a14:m>
-                <a:endParaRPr lang="en-US" sz="2000" dirty="0">
-                  <a:solidFill>
-                    <a:srgbClr val="404040"/>
-                  </a:solidFill>
-                  <a:latin typeface="Corbel" panose="020B0503020204020204" pitchFamily="34" charset="0"/>
-                </a:endParaRPr>
-              </a:p>
-              <a:p>
-                <a:pPr marL="285750" indent="-285750">
-                  <a:buFont typeface="Arial" panose="020B0604020202020204" pitchFamily="34" charset="0"/>
-                  <a:buChar char="•"/>
-                </a:pPr>
-                <a:endParaRPr lang="en-US" sz="2000" dirty="0">
-                  <a:solidFill>
-                    <a:srgbClr val="404040"/>
-                  </a:solidFill>
-                  <a:latin typeface="Corbel" panose="020B0503020204020204" pitchFamily="34" charset="0"/>
-                </a:endParaRPr>
-              </a:p>
-              <a:p>
-                <a:pPr marL="285750" indent="-285750">
-                  <a:buFont typeface="Arial" panose="020B0604020202020204" pitchFamily="34" charset="0"/>
-                  <a:buChar char="•"/>
-                </a:pPr>
-                <a:r>
-                  <a:rPr lang="en-US" sz="2000" dirty="0">
-                    <a:solidFill>
-                      <a:srgbClr val="404040"/>
-                    </a:solidFill>
-                    <a:latin typeface="Corbel" panose="020B0503020204020204" pitchFamily="34" charset="0"/>
-                  </a:rPr>
-                  <a:t>This last fact comes from the two branches of a probability tree</a:t>
-                </a:r>
-              </a:p>
-              <a:p>
-                <a:pPr marL="742950" lvl="1" indent="-285750">
-                  <a:buFont typeface="Arial" panose="020B0604020202020204" pitchFamily="34" charset="0"/>
-                  <a:buChar char="•"/>
-                </a:pPr>
-                <a:endParaRPr lang="en-US" sz="2000" dirty="0">
-                  <a:solidFill>
-                    <a:srgbClr val="404040"/>
-                  </a:solidFill>
-                  <a:latin typeface="Corbel" panose="020B0503020204020204" pitchFamily="34" charset="0"/>
-                </a:endParaRPr>
-              </a:p>
-            </p:txBody>
-          </p:sp>
-        </mc:Choice>
-        <mc:Fallback xmlns="">
-          <p:sp>
-            <p:nvSpPr>
-              <p:cNvPr id="36" name="TextBox 35">
-                <a:extLst>
-                  <a:ext uri="{FF2B5EF4-FFF2-40B4-BE49-F238E27FC236}">
-                    <a16:creationId xmlns:a16="http://schemas.microsoft.com/office/drawing/2014/main" id="{389720C5-6DCB-428D-8C4F-A02DEC239333}"/>
-                  </a:ext>
-                </a:extLst>
-              </p:cNvPr>
-              <p:cNvSpPr txBox="1">
-                <a:spLocks noRot="1" noChangeAspect="1" noMove="1" noResize="1" noEditPoints="1" noAdjustHandles="1" noChangeArrowheads="1" noChangeShapeType="1" noTextEdit="1"/>
-              </p:cNvSpPr>
-              <p:nvPr/>
-            </p:nvSpPr>
-            <p:spPr>
-              <a:xfrm>
-                <a:off x="773935" y="1947592"/>
-                <a:ext cx="9018070" cy="5016758"/>
-              </a:xfrm>
-              <a:prstGeom prst="rect">
-                <a:avLst/>
-              </a:prstGeom>
-              <a:blipFill>
-                <a:blip r:embed="rId3"/>
-                <a:stretch>
-                  <a:fillRect l="-609" t="-608"/>
-                </a:stretch>
-              </a:blipFill>
-            </p:spPr>
-            <p:txBody>
-              <a:bodyPr/>
-              <a:lstStyle/>
-              <a:p>
-                <a:r>
-                  <a:rPr lang="en-US">
-                    <a:noFill/>
-                  </a:rPr>
-                  <a:t> </a:t>
-                </a:r>
-              </a:p>
-            </p:txBody>
-          </p:sp>
-        </mc:Fallback>
-      </mc:AlternateContent>
-      <p:sp>
-        <p:nvSpPr>
-          <p:cNvPr id="28" name="Rectangle 27">
-            <a:extLst>
-              <a:ext uri="{FF2B5EF4-FFF2-40B4-BE49-F238E27FC236}">
-                <a16:creationId xmlns:a16="http://schemas.microsoft.com/office/drawing/2014/main" id="{1568D3DA-67F7-464C-95FF-D7D56F4038D6}"/>
-              </a:ext>
-            </a:extLst>
-          </p:cNvPr>
-          <p:cNvSpPr/>
-          <p:nvPr/>
-        </p:nvSpPr>
-        <p:spPr>
-          <a:xfrm rot="19800000">
-            <a:off x="-597297" y="674901"/>
-            <a:ext cx="4026751" cy="269178"/>
-          </a:xfrm>
-          <a:prstGeom prst="rect">
-            <a:avLst/>
-          </a:prstGeom>
-          <a:solidFill>
-            <a:srgbClr val="A71B86"/>
-          </a:solidFill>
-          <a:ln>
-            <a:noFill/>
-          </a:ln>
-        </p:spPr>
-        <p:style>
-          <a:lnRef idx="2">
-            <a:schemeClr val="accent1">
-              <a:shade val="50000"/>
-            </a:schemeClr>
-          </a:lnRef>
-          <a:fillRef idx="1">
-            <a:schemeClr val="accent1"/>
-          </a:fillRef>
-          <a:effectRef idx="0">
-            <a:schemeClr val="accent1"/>
-          </a:effectRef>
-          <a:fontRef idx="minor">
-            <a:schemeClr val="lt1"/>
-          </a:fontRef>
-        </p:style>
-        <p:txBody>
-          <a:bodyPr rtlCol="0" anchor="ctr"/>
-          <a:lstStyle/>
-          <a:p>
-            <a:pPr algn="ctr"/>
-            <a:endParaRPr lang="en-US"/>
-          </a:p>
-        </p:txBody>
-      </p:sp>
-      <p:pic>
-        <p:nvPicPr>
-          <p:cNvPr id="11" name="Picture 10" descr="A large body of water&#10;&#10;Description automatically generated">
-            <a:extLst>
-              <a:ext uri="{FF2B5EF4-FFF2-40B4-BE49-F238E27FC236}">
-                <a16:creationId xmlns:a16="http://schemas.microsoft.com/office/drawing/2014/main" id="{B83B0471-BE25-41B4-B185-53BEB6528B89}"/>
-              </a:ext>
-            </a:extLst>
-          </p:cNvPr>
-          <p:cNvPicPr>
-            <a:picLocks noChangeAspect="1"/>
-          </p:cNvPicPr>
-          <p:nvPr/>
-        </p:nvPicPr>
-        <p:blipFill rotWithShape="1">
-          <a:blip r:embed="rId4">
-            <a:alphaModFix amt="20000"/>
-            <a:extLst>
-              <a:ext uri="{28A0092B-C50C-407E-A947-70E740481C1C}">
-                <a14:useLocalDpi xmlns:a14="http://schemas.microsoft.com/office/drawing/2010/main" val="0"/>
-              </a:ext>
-            </a:extLst>
-          </a:blip>
-          <a:srcRect t="34654" b="43573"/>
-          <a:stretch/>
-        </p:blipFill>
-        <p:spPr>
-          <a:xfrm>
-            <a:off x="766188" y="457321"/>
-            <a:ext cx="9018070" cy="1308226"/>
-          </a:xfrm>
-          <a:prstGeom prst="rect">
-            <a:avLst/>
-          </a:prstGeom>
-        </p:spPr>
-      </p:pic>
-      <p:sp>
-        <p:nvSpPr>
-          <p:cNvPr id="34" name="Rectangle 33">
-            <a:extLst>
-              <a:ext uri="{FF2B5EF4-FFF2-40B4-BE49-F238E27FC236}">
-                <a16:creationId xmlns:a16="http://schemas.microsoft.com/office/drawing/2014/main" id="{BFE7775A-1FAD-4E84-8B9E-DA4B39640B5E}"/>
-              </a:ext>
-            </a:extLst>
-          </p:cNvPr>
-          <p:cNvSpPr/>
-          <p:nvPr/>
-        </p:nvSpPr>
-        <p:spPr>
-          <a:xfrm rot="19800000">
-            <a:off x="9089102" y="5937184"/>
-            <a:ext cx="4026751" cy="269178"/>
-          </a:xfrm>
-          <a:prstGeom prst="rect">
-            <a:avLst/>
-          </a:prstGeom>
-          <a:solidFill>
-            <a:srgbClr val="A71B86"/>
-          </a:solidFill>
-          <a:ln>
-            <a:noFill/>
-          </a:ln>
-        </p:spPr>
-        <p:style>
-          <a:lnRef idx="2">
-            <a:schemeClr val="accent1">
-              <a:shade val="50000"/>
-            </a:schemeClr>
-          </a:lnRef>
-          <a:fillRef idx="1">
-            <a:schemeClr val="accent1"/>
-          </a:fillRef>
-          <a:effectRef idx="0">
-            <a:schemeClr val="accent1"/>
-          </a:effectRef>
-          <a:fontRef idx="minor">
-            <a:schemeClr val="lt1"/>
-          </a:fontRef>
-        </p:style>
-        <p:txBody>
-          <a:bodyPr rtlCol="0" anchor="ctr"/>
-          <a:lstStyle/>
-          <a:p>
-            <a:pPr algn="ctr"/>
-            <a:endParaRPr lang="en-US"/>
-          </a:p>
-        </p:txBody>
-      </p:sp>
-      <p:sp>
-        <p:nvSpPr>
-          <p:cNvPr id="2" name="Title 1">
-            <a:extLst>
-              <a:ext uri="{FF2B5EF4-FFF2-40B4-BE49-F238E27FC236}">
-                <a16:creationId xmlns:a16="http://schemas.microsoft.com/office/drawing/2014/main" id="{95D79E09-6E77-4F87-B358-F18D99FA343D}"/>
-              </a:ext>
-            </a:extLst>
-          </p:cNvPr>
-          <p:cNvSpPr>
-            <a:spLocks noGrp="1"/>
-          </p:cNvSpPr>
-          <p:nvPr>
-            <p:ph type="title"/>
-          </p:nvPr>
-        </p:nvSpPr>
-        <p:spPr>
-          <a:xfrm>
-            <a:off x="773934" y="425128"/>
-            <a:ext cx="9018070" cy="1325563"/>
-          </a:xfrm>
-          <a:noFill/>
-          <a:ln w="76200">
-            <a:solidFill>
-              <a:srgbClr val="11B29F"/>
-            </a:solidFill>
-          </a:ln>
-        </p:spPr>
-        <p:txBody>
-          <a:bodyPr/>
-          <a:lstStyle/>
-          <a:p>
-            <a:pPr algn="ctr"/>
-            <a:r>
-              <a:rPr lang="en-US" dirty="0">
-                <a:solidFill>
-                  <a:srgbClr val="404040"/>
-                </a:solidFill>
-                <a:latin typeface="Bodoni MT" panose="02070603080606020203" pitchFamily="18" charset="0"/>
-              </a:rPr>
-              <a:t>Bayesian Analysis</a:t>
-            </a:r>
-          </a:p>
-        </p:txBody>
-      </p:sp>
-      <p:pic>
-        <p:nvPicPr>
-          <p:cNvPr id="5" name="Content Placeholder 4" descr="A picture containing cage&#10;&#10;Description automatically generated">
-            <a:extLst>
-              <a:ext uri="{FF2B5EF4-FFF2-40B4-BE49-F238E27FC236}">
-                <a16:creationId xmlns:a16="http://schemas.microsoft.com/office/drawing/2014/main" id="{EF817497-4F98-4236-83EE-74FD8376B077}"/>
-              </a:ext>
-            </a:extLst>
-          </p:cNvPr>
-          <p:cNvPicPr>
-            <a:picLocks noGrp="1" noChangeAspect="1"/>
-          </p:cNvPicPr>
-          <p:nvPr>
-            <p:ph idx="1"/>
-          </p:nvPr>
-        </p:nvPicPr>
-        <p:blipFill>
-          <a:blip r:embed="rId5">
-            <a:extLst>
-              <a:ext uri="{28A0092B-C50C-407E-A947-70E740481C1C}">
-                <a14:useLocalDpi xmlns:a14="http://schemas.microsoft.com/office/drawing/2010/main" val="0"/>
-              </a:ext>
-            </a:extLst>
-          </a:blip>
-          <a:stretch>
-            <a:fillRect/>
-          </a:stretch>
-        </p:blipFill>
-        <p:spPr>
-          <a:xfrm>
-            <a:off x="9887140" y="47697"/>
-            <a:ext cx="2143125" cy="2143125"/>
-          </a:xfrm>
-        </p:spPr>
-      </p:pic>
-      <p:sp>
-        <p:nvSpPr>
-          <p:cNvPr id="17" name="Rectangle 16">
-            <a:extLst>
-              <a:ext uri="{FF2B5EF4-FFF2-40B4-BE49-F238E27FC236}">
-                <a16:creationId xmlns:a16="http://schemas.microsoft.com/office/drawing/2014/main" id="{C723ED3C-F5E6-4121-9EF2-DD9574E1A49F}"/>
-              </a:ext>
-            </a:extLst>
-          </p:cNvPr>
-          <p:cNvSpPr/>
-          <p:nvPr/>
-        </p:nvSpPr>
-        <p:spPr>
-          <a:xfrm>
-            <a:off x="10085294" y="2008116"/>
-            <a:ext cx="1776920" cy="76178"/>
-          </a:xfrm>
-          <a:prstGeom prst="rect">
-            <a:avLst/>
-          </a:prstGeom>
-          <a:solidFill>
-            <a:srgbClr val="11B29F"/>
-          </a:solidFill>
-          <a:ln>
-            <a:noFill/>
-          </a:ln>
-        </p:spPr>
-        <p:style>
-          <a:lnRef idx="2">
-            <a:schemeClr val="accent1">
-              <a:shade val="50000"/>
-            </a:schemeClr>
-          </a:lnRef>
-          <a:fillRef idx="1">
-            <a:schemeClr val="accent1"/>
-          </a:fillRef>
-          <a:effectRef idx="0">
-            <a:schemeClr val="accent1"/>
-          </a:effectRef>
-          <a:fontRef idx="minor">
-            <a:schemeClr val="lt1"/>
-          </a:fontRef>
-        </p:style>
-        <p:txBody>
-          <a:bodyPr rtlCol="0" anchor="ctr"/>
-          <a:lstStyle/>
-          <a:p>
-            <a:pPr algn="ctr"/>
-            <a:endParaRPr lang="en-US"/>
-          </a:p>
-        </p:txBody>
-      </p:sp>
-      <p:sp>
-        <p:nvSpPr>
-          <p:cNvPr id="21" name="Rectangle 20">
-            <a:extLst>
-              <a:ext uri="{FF2B5EF4-FFF2-40B4-BE49-F238E27FC236}">
-                <a16:creationId xmlns:a16="http://schemas.microsoft.com/office/drawing/2014/main" id="{F9E0EC60-66D4-4536-A867-30142339BAA7}"/>
-              </a:ext>
-            </a:extLst>
-          </p:cNvPr>
-          <p:cNvSpPr/>
-          <p:nvPr/>
-        </p:nvSpPr>
-        <p:spPr>
-          <a:xfrm>
-            <a:off x="10085294" y="2129819"/>
-            <a:ext cx="1776920" cy="76178"/>
-          </a:xfrm>
-          <a:prstGeom prst="rect">
-            <a:avLst/>
-          </a:prstGeom>
-          <a:solidFill>
-            <a:srgbClr val="A71B86"/>
-          </a:solidFill>
-          <a:ln>
-            <a:noFill/>
-          </a:ln>
-        </p:spPr>
-        <p:style>
-          <a:lnRef idx="2">
-            <a:schemeClr val="accent1">
-              <a:shade val="50000"/>
-            </a:schemeClr>
-          </a:lnRef>
-          <a:fillRef idx="1">
-            <a:schemeClr val="accent1"/>
-          </a:fillRef>
-          <a:effectRef idx="0">
-            <a:schemeClr val="accent1"/>
-          </a:effectRef>
-          <a:fontRef idx="minor">
-            <a:schemeClr val="lt1"/>
-          </a:fontRef>
-        </p:style>
-        <p:txBody>
-          <a:bodyPr rtlCol="0" anchor="ctr"/>
-          <a:lstStyle/>
-          <a:p>
-            <a:pPr algn="ctr"/>
-            <a:endParaRPr lang="en-US"/>
-          </a:p>
-        </p:txBody>
-      </p:sp>
-      <p:sp>
-        <p:nvSpPr>
-          <p:cNvPr id="22" name="Rectangle 21">
-            <a:extLst>
-              <a:ext uri="{FF2B5EF4-FFF2-40B4-BE49-F238E27FC236}">
-                <a16:creationId xmlns:a16="http://schemas.microsoft.com/office/drawing/2014/main" id="{F95AED49-24A8-4D10-9D31-F944565EC1B2}"/>
-              </a:ext>
-            </a:extLst>
-          </p:cNvPr>
-          <p:cNvSpPr/>
-          <p:nvPr/>
-        </p:nvSpPr>
-        <p:spPr>
-          <a:xfrm>
-            <a:off x="10085294" y="2251522"/>
-            <a:ext cx="1776920" cy="150200"/>
-          </a:xfrm>
-          <a:prstGeom prst="rect">
-            <a:avLst/>
-          </a:prstGeom>
-          <a:solidFill>
-            <a:srgbClr val="11B29F"/>
-          </a:solidFill>
-          <a:ln>
-            <a:noFill/>
-          </a:ln>
-        </p:spPr>
-        <p:style>
-          <a:lnRef idx="2">
-            <a:schemeClr val="accent1">
-              <a:shade val="50000"/>
-            </a:schemeClr>
-          </a:lnRef>
-          <a:fillRef idx="1">
-            <a:schemeClr val="accent1"/>
-          </a:fillRef>
-          <a:effectRef idx="0">
-            <a:schemeClr val="accent1"/>
-          </a:effectRef>
-          <a:fontRef idx="minor">
-            <a:schemeClr val="lt1"/>
-          </a:fontRef>
-        </p:style>
-        <p:txBody>
-          <a:bodyPr rtlCol="0" anchor="ctr"/>
-          <a:lstStyle/>
-          <a:p>
-            <a:pPr algn="ctr"/>
-            <a:endParaRPr lang="en-US"/>
-          </a:p>
-        </p:txBody>
-      </p:sp>
-      <p:sp>
-        <p:nvSpPr>
-          <p:cNvPr id="24" name="Rectangle 23">
-            <a:extLst>
-              <a:ext uri="{FF2B5EF4-FFF2-40B4-BE49-F238E27FC236}">
-                <a16:creationId xmlns:a16="http://schemas.microsoft.com/office/drawing/2014/main" id="{993D5826-407C-4F65-BE3A-EB593B942A36}"/>
-              </a:ext>
-            </a:extLst>
-          </p:cNvPr>
-          <p:cNvSpPr/>
-          <p:nvPr/>
-        </p:nvSpPr>
-        <p:spPr>
-          <a:xfrm>
-            <a:off x="10085294" y="2447247"/>
-            <a:ext cx="1776920" cy="150200"/>
-          </a:xfrm>
-          <a:prstGeom prst="rect">
-            <a:avLst/>
-          </a:prstGeom>
-          <a:solidFill>
-            <a:srgbClr val="A71B86"/>
-          </a:solidFill>
-          <a:ln>
-            <a:noFill/>
-          </a:ln>
-        </p:spPr>
-        <p:style>
-          <a:lnRef idx="2">
-            <a:schemeClr val="accent1">
-              <a:shade val="50000"/>
-            </a:schemeClr>
-          </a:lnRef>
-          <a:fillRef idx="1">
-            <a:schemeClr val="accent1"/>
-          </a:fillRef>
-          <a:effectRef idx="0">
-            <a:schemeClr val="accent1"/>
-          </a:effectRef>
-          <a:fontRef idx="minor">
-            <a:schemeClr val="lt1"/>
-          </a:fontRef>
-        </p:style>
-        <p:txBody>
-          <a:bodyPr rtlCol="0" anchor="ctr"/>
-          <a:lstStyle/>
-          <a:p>
-            <a:pPr algn="ctr"/>
-            <a:endParaRPr lang="en-US"/>
-          </a:p>
-        </p:txBody>
-      </p:sp>
-      <p:sp>
-        <p:nvSpPr>
-          <p:cNvPr id="25" name="Rectangle 24">
-            <a:extLst>
-              <a:ext uri="{FF2B5EF4-FFF2-40B4-BE49-F238E27FC236}">
-                <a16:creationId xmlns:a16="http://schemas.microsoft.com/office/drawing/2014/main" id="{D2785A94-4D0B-4559-9303-3C963AA0EF9A}"/>
-              </a:ext>
-            </a:extLst>
-          </p:cNvPr>
-          <p:cNvSpPr/>
-          <p:nvPr/>
-        </p:nvSpPr>
-        <p:spPr>
-          <a:xfrm>
-            <a:off x="10085294" y="2642972"/>
-            <a:ext cx="1776920" cy="362446"/>
-          </a:xfrm>
-          <a:prstGeom prst="rect">
-            <a:avLst/>
-          </a:prstGeom>
-          <a:solidFill>
-            <a:srgbClr val="11B29F"/>
-          </a:solidFill>
-          <a:ln>
-            <a:noFill/>
-          </a:ln>
-        </p:spPr>
-        <p:style>
-          <a:lnRef idx="2">
-            <a:schemeClr val="accent1">
-              <a:shade val="50000"/>
-            </a:schemeClr>
-          </a:lnRef>
-          <a:fillRef idx="1">
-            <a:schemeClr val="accent1"/>
-          </a:fillRef>
-          <a:effectRef idx="0">
-            <a:schemeClr val="accent1"/>
-          </a:effectRef>
-          <a:fontRef idx="minor">
-            <a:schemeClr val="lt1"/>
-          </a:fontRef>
-        </p:style>
-        <p:txBody>
-          <a:bodyPr rtlCol="0" anchor="ctr"/>
-          <a:lstStyle/>
-          <a:p>
-            <a:pPr algn="ctr"/>
-            <a:endParaRPr lang="en-US"/>
-          </a:p>
-        </p:txBody>
-      </p:sp>
-      <p:sp>
-        <p:nvSpPr>
-          <p:cNvPr id="26" name="Rectangle 25">
-            <a:extLst>
-              <a:ext uri="{FF2B5EF4-FFF2-40B4-BE49-F238E27FC236}">
-                <a16:creationId xmlns:a16="http://schemas.microsoft.com/office/drawing/2014/main" id="{B235F2E9-4558-433D-9527-7EFF5C5E78A8}"/>
-              </a:ext>
-            </a:extLst>
-          </p:cNvPr>
-          <p:cNvSpPr/>
-          <p:nvPr/>
-        </p:nvSpPr>
-        <p:spPr>
-          <a:xfrm>
-            <a:off x="10085294" y="3050943"/>
-            <a:ext cx="1776920" cy="362446"/>
-          </a:xfrm>
-          <a:prstGeom prst="rect">
-            <a:avLst/>
-          </a:prstGeom>
-          <a:solidFill>
-            <a:srgbClr val="A71B86"/>
-          </a:solidFill>
-          <a:ln>
-            <a:noFill/>
-          </a:ln>
-        </p:spPr>
-        <p:style>
-          <a:lnRef idx="2">
-            <a:schemeClr val="accent1">
-              <a:shade val="50000"/>
-            </a:schemeClr>
-          </a:lnRef>
-          <a:fillRef idx="1">
-            <a:schemeClr val="accent1"/>
-          </a:fillRef>
-          <a:effectRef idx="0">
-            <a:schemeClr val="accent1"/>
-          </a:effectRef>
-          <a:fontRef idx="minor">
-            <a:schemeClr val="lt1"/>
-          </a:fontRef>
-        </p:style>
-        <p:txBody>
-          <a:bodyPr rtlCol="0" anchor="ctr"/>
-          <a:lstStyle/>
-          <a:p>
-            <a:pPr algn="ctr"/>
-            <a:endParaRPr lang="en-US"/>
-          </a:p>
-        </p:txBody>
-      </p:sp>
-      <p:sp>
-        <p:nvSpPr>
-          <p:cNvPr id="27" name="Rectangle 26">
-            <a:extLst>
-              <a:ext uri="{FF2B5EF4-FFF2-40B4-BE49-F238E27FC236}">
-                <a16:creationId xmlns:a16="http://schemas.microsoft.com/office/drawing/2014/main" id="{99613B87-411B-4008-BF30-F1A3B8F247B5}"/>
-              </a:ext>
-            </a:extLst>
-          </p:cNvPr>
-          <p:cNvSpPr/>
-          <p:nvPr/>
-        </p:nvSpPr>
-        <p:spPr>
-          <a:xfrm>
-            <a:off x="10085294" y="3490136"/>
-            <a:ext cx="1776920" cy="3367864"/>
-          </a:xfrm>
-          <a:prstGeom prst="rect">
-            <a:avLst/>
-          </a:prstGeom>
-          <a:solidFill>
-            <a:srgbClr val="11B29F"/>
-          </a:solidFill>
-          <a:ln>
-            <a:noFill/>
-          </a:ln>
-        </p:spPr>
-        <p:style>
-          <a:lnRef idx="2">
-            <a:schemeClr val="accent1">
-              <a:shade val="50000"/>
-            </a:schemeClr>
-          </a:lnRef>
-          <a:fillRef idx="1">
-            <a:schemeClr val="accent1"/>
-          </a:fillRef>
-          <a:effectRef idx="0">
-            <a:schemeClr val="accent1"/>
-          </a:effectRef>
-          <a:fontRef idx="minor">
-            <a:schemeClr val="lt1"/>
-          </a:fontRef>
-        </p:style>
-        <p:txBody>
-          <a:bodyPr rtlCol="0" anchor="ctr"/>
-          <a:lstStyle/>
-          <a:p>
-            <a:pPr algn="ctr"/>
-            <a:endParaRPr lang="en-US"/>
-          </a:p>
-        </p:txBody>
-      </p:sp>
-      <p:sp>
-        <p:nvSpPr>
-          <p:cNvPr id="32" name="Rectangle 31">
-            <a:extLst>
-              <a:ext uri="{FF2B5EF4-FFF2-40B4-BE49-F238E27FC236}">
-                <a16:creationId xmlns:a16="http://schemas.microsoft.com/office/drawing/2014/main" id="{145B3BD2-B1C1-4ED2-A4E0-5E17DD3736F1}"/>
-              </a:ext>
-            </a:extLst>
-          </p:cNvPr>
-          <p:cNvSpPr/>
-          <p:nvPr/>
-        </p:nvSpPr>
-        <p:spPr>
-          <a:xfrm rot="19800000">
-            <a:off x="-765351" y="385789"/>
-            <a:ext cx="4026751" cy="269178"/>
-          </a:xfrm>
-          <a:prstGeom prst="rect">
-            <a:avLst/>
-          </a:prstGeom>
-          <a:solidFill>
-            <a:srgbClr val="A71B86"/>
-          </a:solidFill>
-          <a:ln>
-            <a:noFill/>
-          </a:ln>
-        </p:spPr>
-        <p:style>
-          <a:lnRef idx="2">
-            <a:schemeClr val="accent1">
-              <a:shade val="50000"/>
-            </a:schemeClr>
-          </a:lnRef>
-          <a:fillRef idx="1">
-            <a:schemeClr val="accent1"/>
-          </a:fillRef>
-          <a:effectRef idx="0">
-            <a:schemeClr val="accent1"/>
-          </a:effectRef>
-          <a:fontRef idx="minor">
-            <a:schemeClr val="lt1"/>
-          </a:fontRef>
-        </p:style>
-        <p:txBody>
-          <a:bodyPr rtlCol="0" anchor="ctr"/>
-          <a:lstStyle/>
-          <a:p>
-            <a:pPr algn="ctr"/>
-            <a:endParaRPr lang="en-US"/>
-          </a:p>
-        </p:txBody>
-      </p:sp>
-      <p:sp>
-        <p:nvSpPr>
-          <p:cNvPr id="33" name="Rectangle 32">
-            <a:extLst>
-              <a:ext uri="{FF2B5EF4-FFF2-40B4-BE49-F238E27FC236}">
-                <a16:creationId xmlns:a16="http://schemas.microsoft.com/office/drawing/2014/main" id="{DC3B2826-65DD-408B-8F18-8CCD6C052D8D}"/>
-              </a:ext>
-            </a:extLst>
-          </p:cNvPr>
-          <p:cNvSpPr/>
-          <p:nvPr/>
-        </p:nvSpPr>
-        <p:spPr>
-          <a:xfrm rot="19800000">
-            <a:off x="9257156" y="6226296"/>
-            <a:ext cx="4026751" cy="269178"/>
-          </a:xfrm>
-          <a:prstGeom prst="rect">
-            <a:avLst/>
-          </a:prstGeom>
-          <a:solidFill>
-            <a:srgbClr val="A71B86"/>
-          </a:solidFill>
-          <a:ln>
-            <a:noFill/>
-          </a:ln>
-        </p:spPr>
-        <p:style>
-          <a:lnRef idx="2">
-            <a:schemeClr val="accent1">
-              <a:shade val="50000"/>
-            </a:schemeClr>
-          </a:lnRef>
-          <a:fillRef idx="1">
-            <a:schemeClr val="accent1"/>
-          </a:fillRef>
-          <a:effectRef idx="0">
-            <a:schemeClr val="accent1"/>
-          </a:effectRef>
-          <a:fontRef idx="minor">
-            <a:schemeClr val="lt1"/>
-          </a:fontRef>
-        </p:style>
-        <p:txBody>
-          <a:bodyPr rtlCol="0" anchor="ctr"/>
-          <a:lstStyle/>
-          <a:p>
-            <a:pPr algn="ctr"/>
-            <a:endParaRPr lang="en-US"/>
-          </a:p>
-        </p:txBody>
-      </p:sp>
-      <p:sp>
-        <p:nvSpPr>
-          <p:cNvPr id="35" name="Rectangle 34">
-            <a:extLst>
-              <a:ext uri="{FF2B5EF4-FFF2-40B4-BE49-F238E27FC236}">
-                <a16:creationId xmlns:a16="http://schemas.microsoft.com/office/drawing/2014/main" id="{4935F901-F632-4698-8C7A-AC29B2397A6C}"/>
-              </a:ext>
-            </a:extLst>
-          </p:cNvPr>
-          <p:cNvSpPr/>
-          <p:nvPr/>
-        </p:nvSpPr>
-        <p:spPr>
-          <a:xfrm rot="19800000">
-            <a:off x="8263809" y="5824178"/>
-            <a:ext cx="4731177" cy="269178"/>
-          </a:xfrm>
-          <a:prstGeom prst="rect">
-            <a:avLst/>
-          </a:prstGeom>
-          <a:solidFill>
-            <a:srgbClr val="A71B86"/>
-          </a:solidFill>
-          <a:ln>
-            <a:noFill/>
-          </a:ln>
-        </p:spPr>
-        <p:style>
-          <a:lnRef idx="2">
-            <a:schemeClr val="accent1">
-              <a:shade val="50000"/>
-            </a:schemeClr>
-          </a:lnRef>
-          <a:fillRef idx="1">
-            <a:schemeClr val="accent1"/>
-          </a:fillRef>
-          <a:effectRef idx="0">
-            <a:schemeClr val="accent1"/>
-          </a:effectRef>
-          <a:fontRef idx="minor">
-            <a:schemeClr val="lt1"/>
-          </a:fontRef>
-        </p:style>
-        <p:txBody>
-          <a:bodyPr rtlCol="0" anchor="ctr"/>
-          <a:lstStyle/>
-          <a:p>
-            <a:pPr algn="ctr"/>
-            <a:endParaRPr lang="en-US"/>
-          </a:p>
-        </p:txBody>
-      </p:sp>
-      <p:pic>
-        <p:nvPicPr>
-          <p:cNvPr id="37" name="Graphic 36" descr="Palm tree">
-            <a:extLst>
-              <a:ext uri="{FF2B5EF4-FFF2-40B4-BE49-F238E27FC236}">
-                <a16:creationId xmlns:a16="http://schemas.microsoft.com/office/drawing/2014/main" id="{79F2EC1B-9713-4CCF-8301-82ED265F3940}"/>
-              </a:ext>
-            </a:extLst>
-          </p:cNvPr>
-          <p:cNvPicPr>
-            <a:picLocks noChangeAspect="1"/>
-          </p:cNvPicPr>
-          <p:nvPr/>
-        </p:nvPicPr>
-        <p:blipFill>
-          <a:blip r:embed="rId6">
-            <a:extLst>
-              <a:ext uri="{28A0092B-C50C-407E-A947-70E740481C1C}">
-                <a14:useLocalDpi xmlns:a14="http://schemas.microsoft.com/office/drawing/2010/main" val="0"/>
-              </a:ext>
-              <a:ext uri="{96DAC541-7B7A-43D3-8B79-37D633B846F1}">
-                <asvg:svgBlip xmlns:asvg="http://schemas.microsoft.com/office/drawing/2016/SVG/main" r:embed="rId7"/>
-              </a:ext>
-            </a:extLst>
-          </a:blip>
-          <a:stretch>
-            <a:fillRect/>
-          </a:stretch>
-        </p:blipFill>
-        <p:spPr>
-          <a:xfrm>
-            <a:off x="8964994" y="809490"/>
-            <a:ext cx="914400" cy="914400"/>
-          </a:xfrm>
-          <a:prstGeom prst="rect">
-            <a:avLst/>
-          </a:prstGeom>
-        </p:spPr>
-      </p:pic>
-      <p:pic>
-        <p:nvPicPr>
-          <p:cNvPr id="38" name="Graphic 37" descr="Palm tree">
-            <a:extLst>
-              <a:ext uri="{FF2B5EF4-FFF2-40B4-BE49-F238E27FC236}">
-                <a16:creationId xmlns:a16="http://schemas.microsoft.com/office/drawing/2014/main" id="{11C9CA6F-B5F0-4837-8E50-85C201ADA4F1}"/>
-              </a:ext>
-            </a:extLst>
-          </p:cNvPr>
-          <p:cNvPicPr>
-            <a:picLocks noChangeAspect="1"/>
-          </p:cNvPicPr>
-          <p:nvPr/>
-        </p:nvPicPr>
-        <p:blipFill>
-          <a:blip r:embed="rId6">
-            <a:extLst>
-              <a:ext uri="{28A0092B-C50C-407E-A947-70E740481C1C}">
-                <a14:useLocalDpi xmlns:a14="http://schemas.microsoft.com/office/drawing/2010/main" val="0"/>
-              </a:ext>
-              <a:ext uri="{96DAC541-7B7A-43D3-8B79-37D633B846F1}">
-                <asvg:svgBlip xmlns:asvg="http://schemas.microsoft.com/office/drawing/2016/SVG/main" r:embed="rId7"/>
-              </a:ext>
-            </a:extLst>
-          </a:blip>
-          <a:stretch>
-            <a:fillRect/>
-          </a:stretch>
-        </p:blipFill>
-        <p:spPr>
-          <a:xfrm>
-            <a:off x="8834542" y="1142112"/>
-            <a:ext cx="553133" cy="553133"/>
-          </a:xfrm>
-          <a:prstGeom prst="rect">
-            <a:avLst/>
-          </a:prstGeom>
-        </p:spPr>
-      </p:pic>
-      <p:pic>
-        <p:nvPicPr>
-          <p:cNvPr id="39" name="Graphic 38" descr="Palm tree">
-            <a:extLst>
-              <a:ext uri="{FF2B5EF4-FFF2-40B4-BE49-F238E27FC236}">
-                <a16:creationId xmlns:a16="http://schemas.microsoft.com/office/drawing/2014/main" id="{585AC1AD-01C8-4E2D-8361-4BEA62A48584}"/>
-              </a:ext>
-            </a:extLst>
-          </p:cNvPr>
-          <p:cNvPicPr>
-            <a:picLocks noChangeAspect="1"/>
-          </p:cNvPicPr>
-          <p:nvPr/>
-        </p:nvPicPr>
-        <p:blipFill>
-          <a:blip r:embed="rId6">
-            <a:extLst>
-              <a:ext uri="{28A0092B-C50C-407E-A947-70E740481C1C}">
-                <a14:useLocalDpi xmlns:a14="http://schemas.microsoft.com/office/drawing/2010/main" val="0"/>
-              </a:ext>
-              <a:ext uri="{96DAC541-7B7A-43D3-8B79-37D633B846F1}">
-                <asvg:svgBlip xmlns:asvg="http://schemas.microsoft.com/office/drawing/2016/SVG/main" r:embed="rId7"/>
-              </a:ext>
-            </a:extLst>
-          </a:blip>
-          <a:stretch>
-            <a:fillRect/>
-          </a:stretch>
-        </p:blipFill>
-        <p:spPr>
-          <a:xfrm>
-            <a:off x="9387675" y="1277468"/>
-            <a:ext cx="404329" cy="404329"/>
-          </a:xfrm>
-          <a:prstGeom prst="rect">
-            <a:avLst/>
-          </a:prstGeom>
-        </p:spPr>
-      </p:pic>
-      <mc:AlternateContent xmlns:mc="http://schemas.openxmlformats.org/markup-compatibility/2006" xmlns:a14="http://schemas.microsoft.com/office/drawing/2010/main">
-        <mc:Choice Requires="a14">
-          <p:sp>
-            <p:nvSpPr>
-              <p:cNvPr id="23" name="TextBox 22">
-                <a:extLst>
-                  <a:ext uri="{FF2B5EF4-FFF2-40B4-BE49-F238E27FC236}">
-                    <a16:creationId xmlns:a16="http://schemas.microsoft.com/office/drawing/2014/main" id="{3490F894-9244-4080-900D-F6FA9753F8E6}"/>
-                  </a:ext>
-                </a:extLst>
-              </p:cNvPr>
-              <p:cNvSpPr txBox="1"/>
-              <p:nvPr/>
-            </p:nvSpPr>
-            <p:spPr>
-              <a:xfrm>
-                <a:off x="480646" y="2320931"/>
-                <a:ext cx="3300644" cy="669094"/>
-              </a:xfrm>
-              <a:prstGeom prst="rect">
-                <a:avLst/>
-              </a:prstGeom>
-              <a:noFill/>
-            </p:spPr>
-            <p:txBody>
-              <a:bodyPr wrap="square" rtlCol="0">
-                <a:spAutoFit/>
-              </a:bodyPr>
-              <a:lstStyle/>
-              <a:p>
-                <a:pPr/>
-                <a14:m>
-                  <m:oMathPara xmlns:m="http://schemas.openxmlformats.org/officeDocument/2006/math">
-                    <m:oMathParaPr>
-                      <m:jc m:val="centerGroup"/>
-                    </m:oMathParaPr>
-                    <m:oMath xmlns:m="http://schemas.openxmlformats.org/officeDocument/2006/math">
-                      <m:r>
-                        <a:rPr lang="en-US" b="0" i="1" smtClean="0">
-                          <a:latin typeface="Cambria Math" panose="02040503050406030204" pitchFamily="18" charset="0"/>
-                        </a:rPr>
-                        <m:t>𝑃</m:t>
-                      </m:r>
-                      <m:d>
-                        <m:dPr>
-                          <m:ctrlPr>
-                            <a:rPr lang="en-US" b="0" i="1" smtClean="0">
-                              <a:latin typeface="Cambria Math" panose="02040503050406030204" pitchFamily="18" charset="0"/>
-                            </a:rPr>
-                          </m:ctrlPr>
-                        </m:dPr>
-                        <m:e>
-                          <m:r>
-                            <a:rPr lang="en-US" b="0" i="1" smtClean="0">
-                              <a:latin typeface="Cambria Math" panose="02040503050406030204" pitchFamily="18" charset="0"/>
-                            </a:rPr>
-                            <m:t>𝑋</m:t>
-                          </m:r>
-                        </m:e>
-                        <m:e>
-                          <m:r>
-                            <a:rPr lang="en-US" b="0" i="1" smtClean="0">
-                              <a:latin typeface="Cambria Math" panose="02040503050406030204" pitchFamily="18" charset="0"/>
-                            </a:rPr>
-                            <m:t>𝑌</m:t>
-                          </m:r>
-                        </m:e>
-                      </m:d>
-                      <m:r>
-                        <a:rPr lang="en-US" b="0" i="1" smtClean="0">
-                          <a:latin typeface="Cambria Math" panose="02040503050406030204" pitchFamily="18" charset="0"/>
-                        </a:rPr>
-                        <m:t>=</m:t>
-                      </m:r>
-                      <m:f>
-                        <m:fPr>
-                          <m:ctrlPr>
-                            <a:rPr lang="en-US" b="0" i="1" smtClean="0">
-                              <a:latin typeface="Cambria Math" panose="02040503050406030204" pitchFamily="18" charset="0"/>
-                            </a:rPr>
-                          </m:ctrlPr>
-                        </m:fPr>
-                        <m:num>
-                          <m:r>
-                            <a:rPr lang="en-US" b="0" i="1" smtClean="0">
-                              <a:latin typeface="Cambria Math" panose="02040503050406030204" pitchFamily="18" charset="0"/>
-                            </a:rPr>
-                            <m:t>𝑃</m:t>
-                          </m:r>
-                          <m:d>
-                            <m:dPr>
-                              <m:ctrlPr>
-                                <a:rPr lang="en-US" b="0" i="1" smtClean="0">
-                                  <a:latin typeface="Cambria Math" panose="02040503050406030204" pitchFamily="18" charset="0"/>
-                                </a:rPr>
-                              </m:ctrlPr>
-                            </m:dPr>
-                            <m:e>
-                              <m:r>
-                                <a:rPr lang="en-US" b="0" i="1" smtClean="0">
-                                  <a:latin typeface="Cambria Math" panose="02040503050406030204" pitchFamily="18" charset="0"/>
-                                </a:rPr>
-                                <m:t>𝑋</m:t>
-                              </m:r>
-                              <m:r>
-                                <a:rPr lang="en-US" b="0" i="1" smtClean="0">
-                                  <a:latin typeface="Cambria Math" panose="02040503050406030204" pitchFamily="18" charset="0"/>
-                                </a:rPr>
-                                <m:t>∩</m:t>
-                              </m:r>
-                              <m:r>
-                                <a:rPr lang="en-US" b="0" i="1" smtClean="0">
-                                  <a:latin typeface="Cambria Math" panose="02040503050406030204" pitchFamily="18" charset="0"/>
-                                </a:rPr>
-                                <m:t>𝑌</m:t>
-                              </m:r>
-                            </m:e>
-                          </m:d>
-                        </m:num>
-                        <m:den>
-                          <m:r>
-                            <a:rPr lang="en-US" b="0" i="1" smtClean="0">
-                              <a:latin typeface="Cambria Math" panose="02040503050406030204" pitchFamily="18" charset="0"/>
-                            </a:rPr>
-                            <m:t>𝑃</m:t>
-                          </m:r>
-                          <m:d>
-                            <m:dPr>
-                              <m:ctrlPr>
-                                <a:rPr lang="en-US" b="0" i="1" smtClean="0">
-                                  <a:latin typeface="Cambria Math" panose="02040503050406030204" pitchFamily="18" charset="0"/>
-                                </a:rPr>
-                              </m:ctrlPr>
-                            </m:dPr>
-                            <m:e>
-                              <m:r>
-                                <a:rPr lang="en-US" b="0" i="1" smtClean="0">
-                                  <a:latin typeface="Cambria Math" panose="02040503050406030204" pitchFamily="18" charset="0"/>
-                                </a:rPr>
-                                <m:t>𝑌</m:t>
-                              </m:r>
-                            </m:e>
-                          </m:d>
-                        </m:den>
-                      </m:f>
-                    </m:oMath>
-                  </m:oMathPara>
-                </a14:m>
-                <a:endParaRPr lang="en-US" b="0" dirty="0"/>
-              </a:p>
-            </p:txBody>
-          </p:sp>
-        </mc:Choice>
-        <mc:Fallback xmlns="">
-          <p:sp>
-            <p:nvSpPr>
-              <p:cNvPr id="23" name="TextBox 22">
-                <a:extLst>
-                  <a:ext uri="{FF2B5EF4-FFF2-40B4-BE49-F238E27FC236}">
-                    <a16:creationId xmlns:a16="http://schemas.microsoft.com/office/drawing/2014/main" id="{3490F894-9244-4080-900D-F6FA9753F8E6}"/>
-                  </a:ext>
-                </a:extLst>
-              </p:cNvPr>
-              <p:cNvSpPr txBox="1">
-                <a:spLocks noRot="1" noChangeAspect="1" noMove="1" noResize="1" noEditPoints="1" noAdjustHandles="1" noChangeArrowheads="1" noChangeShapeType="1" noTextEdit="1"/>
-              </p:cNvSpPr>
-              <p:nvPr/>
-            </p:nvSpPr>
-            <p:spPr>
-              <a:xfrm>
-                <a:off x="480646" y="2320931"/>
-                <a:ext cx="3300644" cy="669094"/>
-              </a:xfrm>
-              <a:prstGeom prst="rect">
-                <a:avLst/>
-              </a:prstGeom>
-              <a:blipFill>
-                <a:blip r:embed="rId8"/>
-                <a:stretch>
-                  <a:fillRect/>
-                </a:stretch>
-              </a:blipFill>
-            </p:spPr>
-            <p:txBody>
-              <a:bodyPr/>
-              <a:lstStyle/>
-              <a:p>
-                <a:r>
-                  <a:rPr lang="en-US">
-                    <a:noFill/>
-                  </a:rPr>
-                  <a:t> </a:t>
-                </a:r>
-              </a:p>
-            </p:txBody>
-          </p:sp>
-        </mc:Fallback>
-      </mc:AlternateContent>
-      <mc:AlternateContent xmlns:mc="http://schemas.openxmlformats.org/markup-compatibility/2006" xmlns:a14="http://schemas.microsoft.com/office/drawing/2010/main">
-        <mc:Choice Requires="a14">
-          <p:sp>
-            <p:nvSpPr>
-              <p:cNvPr id="29" name="TextBox 28">
-                <a:extLst>
-                  <a:ext uri="{FF2B5EF4-FFF2-40B4-BE49-F238E27FC236}">
-                    <a16:creationId xmlns:a16="http://schemas.microsoft.com/office/drawing/2014/main" id="{3274B2D6-948B-488B-B8F5-4BA195EF7625}"/>
-                  </a:ext>
-                </a:extLst>
-              </p:cNvPr>
-              <p:cNvSpPr txBox="1"/>
-              <p:nvPr/>
-            </p:nvSpPr>
-            <p:spPr>
-              <a:xfrm>
-                <a:off x="480646" y="3512606"/>
-                <a:ext cx="3300644" cy="669094"/>
-              </a:xfrm>
-              <a:prstGeom prst="rect">
-                <a:avLst/>
-              </a:prstGeom>
-              <a:noFill/>
-            </p:spPr>
-            <p:txBody>
-              <a:bodyPr wrap="square" rtlCol="0">
-                <a:spAutoFit/>
-              </a:bodyPr>
-              <a:lstStyle/>
-              <a:p>
-                <a:pPr/>
-                <a14:m>
-                  <m:oMathPara xmlns:m="http://schemas.openxmlformats.org/officeDocument/2006/math">
-                    <m:oMathParaPr>
-                      <m:jc m:val="centerGroup"/>
-                    </m:oMathParaPr>
-                    <m:oMath xmlns:m="http://schemas.openxmlformats.org/officeDocument/2006/math">
-                      <m:r>
-                        <a:rPr lang="en-US" b="0" i="1" smtClean="0">
-                          <a:latin typeface="Cambria Math" panose="02040503050406030204" pitchFamily="18" charset="0"/>
-                        </a:rPr>
-                        <m:t>𝑃</m:t>
-                      </m:r>
-                      <m:d>
-                        <m:dPr>
-                          <m:ctrlPr>
-                            <a:rPr lang="en-US" b="0" i="1" smtClean="0">
-                              <a:latin typeface="Cambria Math" panose="02040503050406030204" pitchFamily="18" charset="0"/>
-                            </a:rPr>
-                          </m:ctrlPr>
-                        </m:dPr>
-                        <m:e>
-                          <m:r>
-                            <a:rPr lang="en-US" b="0" i="1" smtClean="0">
-                              <a:latin typeface="Cambria Math" panose="02040503050406030204" pitchFamily="18" charset="0"/>
-                            </a:rPr>
-                            <m:t>𝑌</m:t>
-                          </m:r>
-                        </m:e>
-                        <m:e>
-                          <m:r>
-                            <a:rPr lang="en-US" b="0" i="1" smtClean="0">
-                              <a:latin typeface="Cambria Math" panose="02040503050406030204" pitchFamily="18" charset="0"/>
-                            </a:rPr>
-                            <m:t>𝑋</m:t>
-                          </m:r>
-                        </m:e>
-                      </m:d>
-                      <m:r>
-                        <a:rPr lang="en-US" b="0" i="1" smtClean="0">
-                          <a:latin typeface="Cambria Math" panose="02040503050406030204" pitchFamily="18" charset="0"/>
-                        </a:rPr>
-                        <m:t>=</m:t>
-                      </m:r>
-                      <m:f>
-                        <m:fPr>
-                          <m:ctrlPr>
-                            <a:rPr lang="en-US" b="0" i="1" smtClean="0">
-                              <a:latin typeface="Cambria Math" panose="02040503050406030204" pitchFamily="18" charset="0"/>
-                            </a:rPr>
-                          </m:ctrlPr>
-                        </m:fPr>
-                        <m:num>
-                          <m:r>
-                            <a:rPr lang="en-US" b="0" i="1" smtClean="0">
-                              <a:latin typeface="Cambria Math" panose="02040503050406030204" pitchFamily="18" charset="0"/>
-                            </a:rPr>
-                            <m:t>𝑃</m:t>
-                          </m:r>
-                          <m:d>
-                            <m:dPr>
-                              <m:ctrlPr>
-                                <a:rPr lang="en-US" b="0" i="1" smtClean="0">
-                                  <a:latin typeface="Cambria Math" panose="02040503050406030204" pitchFamily="18" charset="0"/>
-                                </a:rPr>
-                              </m:ctrlPr>
-                            </m:dPr>
-                            <m:e>
-                              <m:r>
-                                <a:rPr lang="en-US" b="0" i="1" smtClean="0">
-                                  <a:latin typeface="Cambria Math" panose="02040503050406030204" pitchFamily="18" charset="0"/>
-                                </a:rPr>
-                                <m:t>𝑋</m:t>
-                              </m:r>
-                              <m:r>
-                                <a:rPr lang="en-US" b="0" i="1" smtClean="0">
-                                  <a:latin typeface="Cambria Math" panose="02040503050406030204" pitchFamily="18" charset="0"/>
-                                </a:rPr>
-                                <m:t>∩</m:t>
-                              </m:r>
-                              <m:r>
-                                <a:rPr lang="en-US" b="0" i="1" smtClean="0">
-                                  <a:latin typeface="Cambria Math" panose="02040503050406030204" pitchFamily="18" charset="0"/>
-                                </a:rPr>
-                                <m:t>𝑌</m:t>
-                              </m:r>
-                            </m:e>
-                          </m:d>
-                        </m:num>
-                        <m:den>
-                          <m:r>
-                            <a:rPr lang="en-US" b="0" i="1" smtClean="0">
-                              <a:latin typeface="Cambria Math" panose="02040503050406030204" pitchFamily="18" charset="0"/>
-                            </a:rPr>
-                            <m:t>𝑃</m:t>
-                          </m:r>
-                          <m:d>
-                            <m:dPr>
-                              <m:ctrlPr>
-                                <a:rPr lang="en-US" b="0" i="1" smtClean="0">
-                                  <a:latin typeface="Cambria Math" panose="02040503050406030204" pitchFamily="18" charset="0"/>
-                                </a:rPr>
-                              </m:ctrlPr>
-                            </m:dPr>
-                            <m:e>
-                              <m:r>
-                                <a:rPr lang="en-US" b="0" i="1" smtClean="0">
-                                  <a:latin typeface="Cambria Math" panose="02040503050406030204" pitchFamily="18" charset="0"/>
-                                </a:rPr>
-                                <m:t>𝑋</m:t>
-                              </m:r>
-                            </m:e>
-                          </m:d>
-                        </m:den>
-                      </m:f>
-                    </m:oMath>
-                  </m:oMathPara>
-                </a14:m>
-                <a:endParaRPr lang="en-US" b="0" dirty="0"/>
-              </a:p>
-            </p:txBody>
-          </p:sp>
-        </mc:Choice>
-        <mc:Fallback xmlns="">
-          <p:sp>
-            <p:nvSpPr>
-              <p:cNvPr id="29" name="TextBox 28">
-                <a:extLst>
-                  <a:ext uri="{FF2B5EF4-FFF2-40B4-BE49-F238E27FC236}">
-                    <a16:creationId xmlns:a16="http://schemas.microsoft.com/office/drawing/2014/main" id="{3274B2D6-948B-488B-B8F5-4BA195EF7625}"/>
-                  </a:ext>
-                </a:extLst>
-              </p:cNvPr>
-              <p:cNvSpPr txBox="1">
-                <a:spLocks noRot="1" noChangeAspect="1" noMove="1" noResize="1" noEditPoints="1" noAdjustHandles="1" noChangeArrowheads="1" noChangeShapeType="1" noTextEdit="1"/>
-              </p:cNvSpPr>
-              <p:nvPr/>
-            </p:nvSpPr>
-            <p:spPr>
-              <a:xfrm>
-                <a:off x="480646" y="3512606"/>
-                <a:ext cx="3300644" cy="669094"/>
-              </a:xfrm>
-              <a:prstGeom prst="rect">
-                <a:avLst/>
-              </a:prstGeom>
-              <a:blipFill>
-                <a:blip r:embed="rId9"/>
-                <a:stretch>
-                  <a:fillRect/>
-                </a:stretch>
-              </a:blipFill>
-            </p:spPr>
-            <p:txBody>
-              <a:bodyPr/>
-              <a:lstStyle/>
-              <a:p>
-                <a:r>
-                  <a:rPr lang="en-US">
-                    <a:noFill/>
-                  </a:rPr>
-                  <a:t> </a:t>
-                </a:r>
-              </a:p>
-            </p:txBody>
-          </p:sp>
-        </mc:Fallback>
-      </mc:AlternateContent>
-      <mc:AlternateContent xmlns:mc="http://schemas.openxmlformats.org/markup-compatibility/2006" xmlns:a14="http://schemas.microsoft.com/office/drawing/2010/main">
-        <mc:Choice Requires="a14">
-          <p:sp>
-            <p:nvSpPr>
-              <p:cNvPr id="30" name="TextBox 29">
-                <a:extLst>
-                  <a:ext uri="{FF2B5EF4-FFF2-40B4-BE49-F238E27FC236}">
-                    <a16:creationId xmlns:a16="http://schemas.microsoft.com/office/drawing/2014/main" id="{628B3544-03DF-49DB-A1E2-41B1CBED4BE7}"/>
-                  </a:ext>
-                </a:extLst>
-              </p:cNvPr>
-              <p:cNvSpPr txBox="1"/>
-              <p:nvPr/>
-            </p:nvSpPr>
-            <p:spPr>
-              <a:xfrm>
-                <a:off x="3558756" y="3662487"/>
-                <a:ext cx="3300644" cy="369332"/>
-              </a:xfrm>
-              <a:prstGeom prst="rect">
-                <a:avLst/>
-              </a:prstGeom>
-              <a:noFill/>
-            </p:spPr>
-            <p:txBody>
-              <a:bodyPr wrap="square" rtlCol="0">
-                <a:spAutoFit/>
-              </a:bodyPr>
-              <a:lstStyle/>
-              <a:p>
-                <a:pPr/>
-                <a14:m>
-                  <m:oMathPara xmlns:m="http://schemas.openxmlformats.org/officeDocument/2006/math">
-                    <m:oMathParaPr>
-                      <m:jc m:val="centerGroup"/>
-                    </m:oMathParaPr>
-                    <m:oMath xmlns:m="http://schemas.openxmlformats.org/officeDocument/2006/math">
-                      <m:r>
-                        <a:rPr lang="en-US" b="0" i="1" smtClean="0">
-                          <a:latin typeface="Cambria Math" panose="02040503050406030204" pitchFamily="18" charset="0"/>
-                        </a:rPr>
-                        <m:t>𝑃</m:t>
-                      </m:r>
-                      <m:d>
-                        <m:dPr>
-                          <m:ctrlPr>
-                            <a:rPr lang="en-US" b="0" i="1" smtClean="0">
-                              <a:latin typeface="Cambria Math" panose="02040503050406030204" pitchFamily="18" charset="0"/>
-                            </a:rPr>
-                          </m:ctrlPr>
-                        </m:dPr>
-                        <m:e>
-                          <m:r>
-                            <a:rPr lang="en-US" b="0" i="1" smtClean="0">
-                              <a:latin typeface="Cambria Math" panose="02040503050406030204" pitchFamily="18" charset="0"/>
-                            </a:rPr>
-                            <m:t>𝑌</m:t>
-                          </m:r>
-                        </m:e>
-                        <m:e>
-                          <m:r>
-                            <a:rPr lang="en-US" b="0" i="1" smtClean="0">
-                              <a:latin typeface="Cambria Math" panose="02040503050406030204" pitchFamily="18" charset="0"/>
-                            </a:rPr>
-                            <m:t>𝑋</m:t>
-                          </m:r>
-                        </m:e>
-                      </m:d>
-                      <m:r>
-                        <a:rPr lang="en-US" b="0" i="1" smtClean="0">
-                          <a:latin typeface="Cambria Math" panose="02040503050406030204" pitchFamily="18" charset="0"/>
-                        </a:rPr>
-                        <m:t>𝑃</m:t>
-                      </m:r>
-                      <m:r>
-                        <a:rPr lang="en-US" b="0" i="1" smtClean="0">
-                          <a:latin typeface="Cambria Math" panose="02040503050406030204" pitchFamily="18" charset="0"/>
-                        </a:rPr>
-                        <m:t>(</m:t>
-                      </m:r>
-                      <m:r>
-                        <a:rPr lang="en-US" b="0" i="1" smtClean="0">
-                          <a:latin typeface="Cambria Math" panose="02040503050406030204" pitchFamily="18" charset="0"/>
-                        </a:rPr>
-                        <m:t>𝑋</m:t>
-                      </m:r>
-                      <m:r>
-                        <a:rPr lang="en-US" b="0" i="1" smtClean="0">
-                          <a:latin typeface="Cambria Math" panose="02040503050406030204" pitchFamily="18" charset="0"/>
-                        </a:rPr>
-                        <m:t>)=</m:t>
-                      </m:r>
-                      <m:r>
-                        <a:rPr lang="en-US" b="0" i="1" smtClean="0">
-                          <a:latin typeface="Cambria Math" panose="02040503050406030204" pitchFamily="18" charset="0"/>
-                        </a:rPr>
-                        <m:t>𝑃</m:t>
-                      </m:r>
-                      <m:r>
-                        <a:rPr lang="en-US" b="0" i="1" smtClean="0">
-                          <a:latin typeface="Cambria Math" panose="02040503050406030204" pitchFamily="18" charset="0"/>
-                        </a:rPr>
-                        <m:t>(</m:t>
-                      </m:r>
-                      <m:r>
-                        <a:rPr lang="en-US" b="0" i="1" smtClean="0">
-                          <a:latin typeface="Cambria Math" panose="02040503050406030204" pitchFamily="18" charset="0"/>
-                        </a:rPr>
-                        <m:t>𝑋</m:t>
-                      </m:r>
-                      <m:r>
-                        <a:rPr lang="en-US" b="0" i="1" smtClean="0">
-                          <a:latin typeface="Cambria Math" panose="02040503050406030204" pitchFamily="18" charset="0"/>
-                        </a:rPr>
-                        <m:t>∩</m:t>
-                      </m:r>
-                      <m:r>
-                        <a:rPr lang="en-US" b="0" i="1" smtClean="0">
-                          <a:latin typeface="Cambria Math" panose="02040503050406030204" pitchFamily="18" charset="0"/>
-                        </a:rPr>
-                        <m:t>𝑌</m:t>
-                      </m:r>
-                      <m:r>
-                        <a:rPr lang="en-US" b="0" i="1" smtClean="0">
-                          <a:latin typeface="Cambria Math" panose="02040503050406030204" pitchFamily="18" charset="0"/>
-                        </a:rPr>
-                        <m:t>)</m:t>
-                      </m:r>
-                    </m:oMath>
-                  </m:oMathPara>
-                </a14:m>
-                <a:endParaRPr lang="en-US" b="0" dirty="0"/>
-              </a:p>
-            </p:txBody>
-          </p:sp>
-        </mc:Choice>
-        <mc:Fallback xmlns="">
-          <p:sp>
-            <p:nvSpPr>
-              <p:cNvPr id="30" name="TextBox 29">
-                <a:extLst>
-                  <a:ext uri="{FF2B5EF4-FFF2-40B4-BE49-F238E27FC236}">
-                    <a16:creationId xmlns:a16="http://schemas.microsoft.com/office/drawing/2014/main" id="{628B3544-03DF-49DB-A1E2-41B1CBED4BE7}"/>
-                  </a:ext>
-                </a:extLst>
-              </p:cNvPr>
-              <p:cNvSpPr txBox="1">
-                <a:spLocks noRot="1" noChangeAspect="1" noMove="1" noResize="1" noEditPoints="1" noAdjustHandles="1" noChangeArrowheads="1" noChangeShapeType="1" noTextEdit="1"/>
-              </p:cNvSpPr>
-              <p:nvPr/>
-            </p:nvSpPr>
-            <p:spPr>
-              <a:xfrm>
-                <a:off x="3558756" y="3662487"/>
-                <a:ext cx="3300644" cy="369332"/>
-              </a:xfrm>
-              <a:prstGeom prst="rect">
-                <a:avLst/>
-              </a:prstGeom>
-              <a:blipFill>
-                <a:blip r:embed="rId10"/>
-                <a:stretch>
-                  <a:fillRect b="-13333"/>
-                </a:stretch>
-              </a:blipFill>
-            </p:spPr>
-            <p:txBody>
-              <a:bodyPr/>
-              <a:lstStyle/>
-              <a:p>
-                <a:r>
-                  <a:rPr lang="en-US">
-                    <a:noFill/>
-                  </a:rPr>
-                  <a:t> </a:t>
-                </a:r>
-              </a:p>
-            </p:txBody>
-          </p:sp>
-        </mc:Fallback>
-      </mc:AlternateContent>
-      <p:cxnSp>
-        <p:nvCxnSpPr>
-          <p:cNvPr id="4" name="Straight Arrow Connector 3">
-            <a:extLst>
-              <a:ext uri="{FF2B5EF4-FFF2-40B4-BE49-F238E27FC236}">
-                <a16:creationId xmlns:a16="http://schemas.microsoft.com/office/drawing/2014/main" id="{85E10C9E-E3CC-46E0-89CD-C8F8EAC9B3D6}"/>
-              </a:ext>
-            </a:extLst>
-          </p:cNvPr>
-          <p:cNvCxnSpPr/>
-          <p:nvPr/>
-        </p:nvCxnSpPr>
-        <p:spPr>
-          <a:xfrm>
-            <a:off x="3290230" y="3847153"/>
-            <a:ext cx="537052" cy="0"/>
-          </a:xfrm>
-          <a:prstGeom prst="straightConnector1">
-            <a:avLst/>
-          </a:prstGeom>
-          <a:ln w="76200">
-            <a:solidFill>
-              <a:srgbClr val="A71B86"/>
-            </a:solidFill>
-            <a:tailEnd type="triangle"/>
-          </a:ln>
-        </p:spPr>
-        <p:style>
-          <a:lnRef idx="1">
-            <a:schemeClr val="accent1"/>
-          </a:lnRef>
-          <a:fillRef idx="0">
-            <a:schemeClr val="accent1"/>
-          </a:fillRef>
-          <a:effectRef idx="0">
-            <a:schemeClr val="accent1"/>
-          </a:effectRef>
-          <a:fontRef idx="minor">
-            <a:schemeClr val="tx1"/>
-          </a:fontRef>
-        </p:style>
-      </p:cxnSp>
-      <mc:AlternateContent xmlns:mc="http://schemas.openxmlformats.org/markup-compatibility/2006" xmlns:a14="http://schemas.microsoft.com/office/drawing/2010/main">
-        <mc:Choice Requires="a14">
-          <p:sp>
-            <p:nvSpPr>
-              <p:cNvPr id="31" name="TextBox 30">
-                <a:extLst>
-                  <a:ext uri="{FF2B5EF4-FFF2-40B4-BE49-F238E27FC236}">
-                    <a16:creationId xmlns:a16="http://schemas.microsoft.com/office/drawing/2014/main" id="{D83768DA-25AA-4384-87FE-2C05FC850B66}"/>
-                  </a:ext>
-                </a:extLst>
-              </p:cNvPr>
-              <p:cNvSpPr txBox="1"/>
-              <p:nvPr/>
-            </p:nvSpPr>
-            <p:spPr>
-              <a:xfrm>
-                <a:off x="678800" y="4801716"/>
-                <a:ext cx="3300644" cy="669094"/>
-              </a:xfrm>
-              <a:prstGeom prst="rect">
-                <a:avLst/>
-              </a:prstGeom>
-              <a:noFill/>
-            </p:spPr>
-            <p:txBody>
-              <a:bodyPr wrap="square" rtlCol="0">
-                <a:spAutoFit/>
-              </a:bodyPr>
-              <a:lstStyle/>
-              <a:p>
-                <a:pPr/>
-                <a14:m>
-                  <m:oMathPara xmlns:m="http://schemas.openxmlformats.org/officeDocument/2006/math">
-                    <m:oMathParaPr>
-                      <m:jc m:val="centerGroup"/>
-                    </m:oMathParaPr>
-                    <m:oMath xmlns:m="http://schemas.openxmlformats.org/officeDocument/2006/math">
-                      <m:r>
-                        <a:rPr lang="en-US" b="0" i="1" smtClean="0">
-                          <a:latin typeface="Cambria Math" panose="02040503050406030204" pitchFamily="18" charset="0"/>
-                        </a:rPr>
-                        <m:t>𝑃</m:t>
-                      </m:r>
-                      <m:d>
-                        <m:dPr>
-                          <m:ctrlPr>
-                            <a:rPr lang="en-US" b="0" i="1" smtClean="0">
-                              <a:latin typeface="Cambria Math" panose="02040503050406030204" pitchFamily="18" charset="0"/>
-                            </a:rPr>
-                          </m:ctrlPr>
-                        </m:dPr>
-                        <m:e>
-                          <m:r>
-                            <a:rPr lang="en-US" b="0" i="1" smtClean="0">
-                              <a:latin typeface="Cambria Math" panose="02040503050406030204" pitchFamily="18" charset="0"/>
-                            </a:rPr>
-                            <m:t>𝑋</m:t>
-                          </m:r>
-                        </m:e>
-                        <m:e>
-                          <m:r>
-                            <a:rPr lang="en-US" b="0" i="1" smtClean="0">
-                              <a:latin typeface="Cambria Math" panose="02040503050406030204" pitchFamily="18" charset="0"/>
-                            </a:rPr>
-                            <m:t>𝑌</m:t>
-                          </m:r>
-                        </m:e>
-                      </m:d>
-                      <m:r>
-                        <a:rPr lang="en-US" b="0" i="1" smtClean="0">
-                          <a:latin typeface="Cambria Math" panose="02040503050406030204" pitchFamily="18" charset="0"/>
-                        </a:rPr>
-                        <m:t>=</m:t>
-                      </m:r>
-                      <m:f>
-                        <m:fPr>
-                          <m:ctrlPr>
-                            <a:rPr lang="en-US" b="0" i="1" smtClean="0">
-                              <a:latin typeface="Cambria Math" panose="02040503050406030204" pitchFamily="18" charset="0"/>
-                            </a:rPr>
-                          </m:ctrlPr>
-                        </m:fPr>
-                        <m:num>
-                          <m:r>
-                            <a:rPr lang="en-US" b="0" i="1" smtClean="0">
-                              <a:latin typeface="Cambria Math" panose="02040503050406030204" pitchFamily="18" charset="0"/>
-                            </a:rPr>
-                            <m:t>𝑃</m:t>
-                          </m:r>
-                          <m:d>
-                            <m:dPr>
-                              <m:ctrlPr>
-                                <a:rPr lang="en-US" b="0" i="1" smtClean="0">
-                                  <a:latin typeface="Cambria Math" panose="02040503050406030204" pitchFamily="18" charset="0"/>
-                                </a:rPr>
-                              </m:ctrlPr>
-                            </m:dPr>
-                            <m:e>
-                              <m:r>
-                                <a:rPr lang="en-US" b="0" i="1" smtClean="0">
-                                  <a:latin typeface="Cambria Math" panose="02040503050406030204" pitchFamily="18" charset="0"/>
-                                </a:rPr>
-                                <m:t>𝑌</m:t>
-                              </m:r>
-                              <m:r>
-                                <a:rPr lang="en-US" b="0" i="1" smtClean="0">
-                                  <a:latin typeface="Cambria Math" panose="02040503050406030204" pitchFamily="18" charset="0"/>
-                                </a:rPr>
-                                <m:t>|</m:t>
-                              </m:r>
-                              <m:r>
-                                <a:rPr lang="en-US" b="0" i="1" smtClean="0">
-                                  <a:latin typeface="Cambria Math" panose="02040503050406030204" pitchFamily="18" charset="0"/>
-                                </a:rPr>
-                                <m:t>𝑋</m:t>
-                              </m:r>
-                            </m:e>
-                          </m:d>
-                          <m:r>
-                            <a:rPr lang="en-US" b="0" i="1" smtClean="0">
-                              <a:latin typeface="Cambria Math" panose="02040503050406030204" pitchFamily="18" charset="0"/>
-                            </a:rPr>
-                            <m:t>𝑃</m:t>
-                          </m:r>
-                          <m:r>
-                            <a:rPr lang="en-US" b="0" i="1" smtClean="0">
-                              <a:latin typeface="Cambria Math" panose="02040503050406030204" pitchFamily="18" charset="0"/>
-                            </a:rPr>
-                            <m:t>(</m:t>
-                          </m:r>
-                          <m:r>
-                            <a:rPr lang="en-US" b="0" i="1" smtClean="0">
-                              <a:latin typeface="Cambria Math" panose="02040503050406030204" pitchFamily="18" charset="0"/>
-                            </a:rPr>
-                            <m:t>𝑋</m:t>
-                          </m:r>
-                          <m:r>
-                            <a:rPr lang="en-US" b="0" i="1" smtClean="0">
-                              <a:latin typeface="Cambria Math" panose="02040503050406030204" pitchFamily="18" charset="0"/>
-                            </a:rPr>
-                            <m:t>)</m:t>
-                          </m:r>
-                        </m:num>
-                        <m:den>
-                          <m:r>
-                            <a:rPr lang="en-US" b="0" i="1" smtClean="0">
-                              <a:latin typeface="Cambria Math" panose="02040503050406030204" pitchFamily="18" charset="0"/>
-                            </a:rPr>
-                            <m:t>𝑃</m:t>
-                          </m:r>
-                          <m:d>
-                            <m:dPr>
-                              <m:ctrlPr>
-                                <a:rPr lang="en-US" b="0" i="1" smtClean="0">
-                                  <a:latin typeface="Cambria Math" panose="02040503050406030204" pitchFamily="18" charset="0"/>
-                                </a:rPr>
-                              </m:ctrlPr>
-                            </m:dPr>
-                            <m:e>
-                              <m:r>
-                                <a:rPr lang="en-US" b="0" i="1" smtClean="0">
-                                  <a:latin typeface="Cambria Math" panose="02040503050406030204" pitchFamily="18" charset="0"/>
-                                </a:rPr>
-                                <m:t>𝑌</m:t>
-                              </m:r>
-                            </m:e>
-                          </m:d>
-                        </m:den>
-                      </m:f>
-                    </m:oMath>
-                  </m:oMathPara>
-                </a14:m>
-                <a:endParaRPr lang="en-US" b="0" dirty="0"/>
-              </a:p>
-            </p:txBody>
-          </p:sp>
-        </mc:Choice>
-        <mc:Fallback xmlns="">
-          <p:sp>
-            <p:nvSpPr>
-              <p:cNvPr id="31" name="TextBox 30">
-                <a:extLst>
-                  <a:ext uri="{FF2B5EF4-FFF2-40B4-BE49-F238E27FC236}">
-                    <a16:creationId xmlns:a16="http://schemas.microsoft.com/office/drawing/2014/main" id="{D83768DA-25AA-4384-87FE-2C05FC850B66}"/>
-                  </a:ext>
-                </a:extLst>
-              </p:cNvPr>
-              <p:cNvSpPr txBox="1">
-                <a:spLocks noRot="1" noChangeAspect="1" noMove="1" noResize="1" noEditPoints="1" noAdjustHandles="1" noChangeArrowheads="1" noChangeShapeType="1" noTextEdit="1"/>
-              </p:cNvSpPr>
-              <p:nvPr/>
-            </p:nvSpPr>
-            <p:spPr>
-              <a:xfrm>
-                <a:off x="678800" y="4801716"/>
-                <a:ext cx="3300644" cy="669094"/>
-              </a:xfrm>
-              <a:prstGeom prst="rect">
-                <a:avLst/>
-              </a:prstGeom>
-              <a:blipFill>
-                <a:blip r:embed="rId11"/>
-                <a:stretch>
-                  <a:fillRect/>
-                </a:stretch>
-              </a:blipFill>
-            </p:spPr>
-            <p:txBody>
-              <a:bodyPr/>
-              <a:lstStyle/>
-              <a:p>
-                <a:r>
-                  <a:rPr lang="en-US">
-                    <a:noFill/>
-                  </a:rPr>
-                  <a:t> </a:t>
-                </a:r>
-              </a:p>
-            </p:txBody>
-          </p:sp>
-        </mc:Fallback>
-      </mc:AlternateContent>
-    </p:spTree>
-    <p:extLst>
-      <p:ext uri="{BB962C8B-B14F-4D97-AF65-F5344CB8AC3E}">
-        <p14:creationId xmlns:p14="http://schemas.microsoft.com/office/powerpoint/2010/main" val="3550580529"/>
-      </p:ext>
-    </p:extLst>
-  </p:cSld>
-  <p:clrMapOvr>
-    <a:masterClrMapping/>
-  </p:clrMapOvr>
-</p:sld>
-</file>
-
-<file path=ppt/slides/slide11.xml><?xml version="1.0" encoding="utf-8"?>
 <p:sld xmlns:a="http://schemas.openxmlformats.org/drawingml/2006/main" xmlns:r="http://schemas.openxmlformats.org/officeDocument/2006/relationships" xmlns:p="http://schemas.openxmlformats.org/presentationml/2006/main">
   <p:cSld>
     <p:spTree>
@@ -11279,7 +9034,7 @@
 </p:sld>
 </file>
 
-<file path=ppt/slides/slide12.xml><?xml version="1.0" encoding="utf-8"?>
+<file path=ppt/slides/slide11.xml><?xml version="1.0" encoding="utf-8"?>
 <p:sld xmlns:a="http://schemas.openxmlformats.org/drawingml/2006/main" xmlns:r="http://schemas.openxmlformats.org/officeDocument/2006/relationships" xmlns:p="http://schemas.openxmlformats.org/presentationml/2006/main">
   <p:cSld>
     <p:spTree>
@@ -13603,7 +11358,7 @@
 </p:sld>
 </file>
 
-<file path=ppt/slides/slide13.xml><?xml version="1.0" encoding="utf-8"?>
+<file path=ppt/slides/slide12.xml><?xml version="1.0" encoding="utf-8"?>
 <p:sld xmlns:a="http://schemas.openxmlformats.org/drawingml/2006/main" xmlns:r="http://schemas.openxmlformats.org/officeDocument/2006/relationships" xmlns:p="http://schemas.openxmlformats.org/presentationml/2006/main">
   <p:cSld>
     <p:spTree>
@@ -15591,7 +13346,7 @@
 </p:sld>
 </file>
 
-<file path=ppt/slides/slide14.xml><?xml version="1.0" encoding="utf-8"?>
+<file path=ppt/slides/slide13.xml><?xml version="1.0" encoding="utf-8"?>
 <p:sld xmlns:a="http://schemas.openxmlformats.org/drawingml/2006/main" xmlns:r="http://schemas.openxmlformats.org/officeDocument/2006/relationships" xmlns:p="http://schemas.openxmlformats.org/presentationml/2006/main">
   <p:cSld>
     <p:spTree>
@@ -16807,7 +14562,7 @@
 </p:sld>
 </file>
 
-<file path=ppt/slides/slide15.xml><?xml version="1.0" encoding="utf-8"?>
+<file path=ppt/slides/slide14.xml><?xml version="1.0" encoding="utf-8"?>
 <p:sld xmlns:a="http://schemas.openxmlformats.org/drawingml/2006/main" xmlns:r="http://schemas.openxmlformats.org/officeDocument/2006/relationships" xmlns:p="http://schemas.openxmlformats.org/presentationml/2006/main">
   <p:cSld>
     <p:spTree>
@@ -19201,7 +16956,7 @@
 </p:sld>
 </file>
 
-<file path=ppt/slides/slide16.xml><?xml version="1.0" encoding="utf-8"?>
+<file path=ppt/slides/slide15.xml><?xml version="1.0" encoding="utf-8"?>
 <p:sld xmlns:a="http://schemas.openxmlformats.org/drawingml/2006/main" xmlns:r="http://schemas.openxmlformats.org/officeDocument/2006/relationships" xmlns:p="http://schemas.openxmlformats.org/presentationml/2006/main">
   <p:cSld>
     <p:spTree>
@@ -21693,7 +19448,7 @@
 </p:sld>
 </file>
 
-<file path=ppt/slides/slide17.xml><?xml version="1.0" encoding="utf-8"?>
+<file path=ppt/slides/slide16.xml><?xml version="1.0" encoding="utf-8"?>
 <p:sld xmlns:a="http://schemas.openxmlformats.org/drawingml/2006/main" xmlns:r="http://schemas.openxmlformats.org/officeDocument/2006/relationships" xmlns:p="http://schemas.openxmlformats.org/presentationml/2006/main">
   <p:cSld>
     <p:spTree>
@@ -23881,7 +21636,7 @@
 </p:sld>
 </file>
 
-<file path=ppt/slides/slide18.xml><?xml version="1.0" encoding="utf-8"?>
+<file path=ppt/slides/slide17.xml><?xml version="1.0" encoding="utf-8"?>
 <p:sld xmlns:a="http://schemas.openxmlformats.org/drawingml/2006/main" xmlns:r="http://schemas.openxmlformats.org/officeDocument/2006/relationships" xmlns:p="http://schemas.openxmlformats.org/presentationml/2006/main">
   <p:cSld>
     <p:spTree>
@@ -24522,8 +22277,8 @@
           <a:chExt cx="0" cy="0"/>
         </a:xfrm>
       </p:grpSpPr>
-      <mc:AlternateContent xmlns:mc="http://schemas.openxmlformats.org/markup-compatibility/2006">
-        <mc:Choice xmlns:a14="http://schemas.microsoft.com/office/drawing/2010/main" Requires="a14">
+      <mc:AlternateContent xmlns:mc="http://schemas.openxmlformats.org/markup-compatibility/2006" xmlns:a14="http://schemas.microsoft.com/office/drawing/2010/main">
+        <mc:Choice Requires="a14">
           <p:sp>
             <p:nvSpPr>
               <p:cNvPr id="36" name="TextBox 35">
@@ -25058,7 +22813,7 @@
             </p:txBody>
           </p:sp>
         </mc:Choice>
-        <mc:Fallback>
+        <mc:Fallback xmlns="">
           <p:sp>
             <p:nvSpPr>
               <p:cNvPr id="36" name="TextBox 35">
@@ -25990,8 +23745,8 @@
           <a:chExt cx="0" cy="0"/>
         </a:xfrm>
       </p:grpSpPr>
-      <mc:AlternateContent xmlns:mc="http://schemas.openxmlformats.org/markup-compatibility/2006">
-        <mc:Choice xmlns:a14="http://schemas.microsoft.com/office/drawing/2010/main" Requires="a14">
+      <mc:AlternateContent xmlns:mc="http://schemas.openxmlformats.org/markup-compatibility/2006" xmlns:a14="http://schemas.microsoft.com/office/drawing/2010/main">
+        <mc:Choice Requires="a14">
           <p:sp>
             <p:nvSpPr>
               <p:cNvPr id="36" name="TextBox 35">
@@ -26771,7 +24526,7 @@
             </p:txBody>
           </p:sp>
         </mc:Choice>
-        <mc:Fallback>
+        <mc:Fallback xmlns="">
           <p:sp>
             <p:nvSpPr>
               <p:cNvPr id="36" name="TextBox 35">
@@ -28723,7 +26478,7 @@
                         </a:solidFill>
                         <a:latin typeface="Cambria Math" panose="02040503050406030204" pitchFamily="18" charset="0"/>
                       </a:rPr>
-                      <m:t>𝑛</m:t>
+                      <m:t>𝑘</m:t>
                     </m:r>
                     <m:r>
                       <a:rPr lang="en-US" sz="2000" b="0" i="1" smtClean="0">
@@ -28741,7 +26496,7 @@
                         </a:solidFill>
                         <a:latin typeface="Cambria Math" panose="02040503050406030204" pitchFamily="18" charset="0"/>
                       </a:rPr>
-                      <m:t>𝑘</m:t>
+                      <m:t>𝑛</m:t>
                     </m:r>
                     <m:r>
                       <a:rPr lang="en-US" sz="2000" b="0" i="1" smtClean="0">
@@ -30335,2020 +28090,6 @@
           <a:chExt cx="0" cy="0"/>
         </a:xfrm>
       </p:grpSpPr>
-      <mc:AlternateContent xmlns:mc="http://schemas.openxmlformats.org/markup-compatibility/2006" xmlns:a14="http://schemas.microsoft.com/office/drawing/2010/main">
-        <mc:Choice Requires="a14">
-          <p:sp>
-            <p:nvSpPr>
-              <p:cNvPr id="36" name="TextBox 35">
-                <a:extLst>
-                  <a:ext uri="{FF2B5EF4-FFF2-40B4-BE49-F238E27FC236}">
-                    <a16:creationId xmlns:a16="http://schemas.microsoft.com/office/drawing/2014/main" id="{389720C5-6DCB-428D-8C4F-A02DEC239333}"/>
-                  </a:ext>
-                </a:extLst>
-              </p:cNvPr>
-              <p:cNvSpPr txBox="1"/>
-              <p:nvPr/>
-            </p:nvSpPr>
-            <p:spPr>
-              <a:xfrm>
-                <a:off x="773935" y="1947592"/>
-                <a:ext cx="8945154" cy="5016758"/>
-              </a:xfrm>
-              <a:prstGeom prst="rect">
-                <a:avLst/>
-              </a:prstGeom>
-              <a:noFill/>
-            </p:spPr>
-            <p:txBody>
-              <a:bodyPr wrap="square" rtlCol="0">
-                <a:spAutoFit/>
-              </a:bodyPr>
-              <a:lstStyle/>
-              <a:p>
-                <a:pPr marL="285750" indent="-285750">
-                  <a:buFont typeface="Arial" panose="020B0604020202020204" pitchFamily="34" charset="0"/>
-                  <a:buChar char="•"/>
-                </a:pPr>
-                <a:r>
-                  <a:rPr lang="en-US" sz="2000" dirty="0">
-                    <a:solidFill>
-                      <a:srgbClr val="404040"/>
-                    </a:solidFill>
-                    <a:latin typeface="Corbel" panose="020B0503020204020204" pitchFamily="34" charset="0"/>
-                  </a:rPr>
-                  <a:t>From coin example,</a:t>
-                </a:r>
-              </a:p>
-              <a:p>
-                <a:pPr marL="285750" indent="-285750">
-                  <a:buFont typeface="Arial" panose="020B0604020202020204" pitchFamily="34" charset="0"/>
-                  <a:buChar char="•"/>
-                </a:pPr>
-                <a:endParaRPr lang="en-US" sz="2000" dirty="0">
-                  <a:solidFill>
-                    <a:srgbClr val="404040"/>
-                  </a:solidFill>
-                  <a:latin typeface="Corbel" panose="020B0503020204020204" pitchFamily="34" charset="0"/>
-                </a:endParaRPr>
-              </a:p>
-              <a:p>
-                <a:pPr marL="285750" indent="-285750">
-                  <a:buFont typeface="Arial" panose="020B0604020202020204" pitchFamily="34" charset="0"/>
-                  <a:buChar char="•"/>
-                </a:pPr>
-                <a:endParaRPr lang="en-US" sz="2000" dirty="0">
-                  <a:solidFill>
-                    <a:srgbClr val="404040"/>
-                  </a:solidFill>
-                  <a:latin typeface="Corbel" panose="020B0503020204020204" pitchFamily="34" charset="0"/>
-                </a:endParaRPr>
-              </a:p>
-              <a:p>
-                <a:endParaRPr lang="en-US" sz="1600" dirty="0">
-                  <a:solidFill>
-                    <a:srgbClr val="C00000"/>
-                  </a:solidFill>
-                  <a:latin typeface="Corbel" panose="020B0503020204020204" pitchFamily="34" charset="0"/>
-                </a:endParaRPr>
-              </a:p>
-              <a:p>
-                <a:pPr marL="285750" indent="-285750">
-                  <a:buFont typeface="Arial" panose="020B0604020202020204" pitchFamily="34" charset="0"/>
-                  <a:buChar char="•"/>
-                </a:pPr>
-                <a:r>
-                  <a:rPr lang="en-US" sz="2000" dirty="0" err="1">
-                    <a:solidFill>
-                      <a:srgbClr val="A71B86"/>
-                    </a:solidFill>
-                    <a:latin typeface="Corbel" panose="020B0503020204020204" pitchFamily="34" charset="0"/>
-                  </a:rPr>
-                  <a:t>Bernouilli</a:t>
-                </a:r>
-                <a:r>
-                  <a:rPr lang="en-US" sz="2000" dirty="0">
-                    <a:solidFill>
-                      <a:srgbClr val="A71B86"/>
-                    </a:solidFill>
-                    <a:latin typeface="Corbel" panose="020B0503020204020204" pitchFamily="34" charset="0"/>
-                  </a:rPr>
-                  <a:t> process </a:t>
-                </a:r>
-                <a:r>
-                  <a:rPr lang="en-US" sz="2000" dirty="0">
-                    <a:solidFill>
-                      <a:srgbClr val="404040"/>
-                    </a:solidFill>
-                    <a:latin typeface="Corbel" panose="020B0503020204020204" pitchFamily="34" charset="0"/>
-                  </a:rPr>
-                  <a:t>is a repetition of </a:t>
-                </a:r>
-                <a:r>
-                  <a:rPr lang="en-US" sz="2000" dirty="0">
-                    <a:solidFill>
-                      <a:srgbClr val="A71B86"/>
-                    </a:solidFill>
-                    <a:latin typeface="Corbel" panose="020B0503020204020204" pitchFamily="34" charset="0"/>
-                  </a:rPr>
-                  <a:t>fixed number </a:t>
-                </a:r>
-                <a:r>
-                  <a:rPr lang="en-US" sz="2000" dirty="0">
-                    <a:solidFill>
-                      <a:srgbClr val="404040"/>
-                    </a:solidFill>
-                    <a:latin typeface="Corbel" panose="020B0503020204020204" pitchFamily="34" charset="0"/>
-                  </a:rPr>
-                  <a:t>of </a:t>
-                </a:r>
-                <a:r>
-                  <a:rPr lang="en-US" sz="2000" dirty="0">
-                    <a:solidFill>
-                      <a:srgbClr val="A71B86"/>
-                    </a:solidFill>
-                    <a:latin typeface="Corbel" panose="020B0503020204020204" pitchFamily="34" charset="0"/>
-                  </a:rPr>
-                  <a:t>independent</a:t>
-                </a:r>
-                <a:r>
-                  <a:rPr lang="en-US" sz="2000" dirty="0">
-                    <a:solidFill>
-                      <a:srgbClr val="404040"/>
-                    </a:solidFill>
-                    <a:latin typeface="Corbel" panose="020B0503020204020204" pitchFamily="34" charset="0"/>
-                  </a:rPr>
-                  <a:t> trials with a </a:t>
-                </a:r>
-                <a:r>
-                  <a:rPr lang="en-US" sz="2000" dirty="0">
-                    <a:solidFill>
-                      <a:srgbClr val="A71B86"/>
-                    </a:solidFill>
-                    <a:latin typeface="Corbel" panose="020B0503020204020204" pitchFamily="34" charset="0"/>
-                  </a:rPr>
-                  <a:t>binary</a:t>
-                </a:r>
-                <a:r>
-                  <a:rPr lang="en-US" sz="2000" dirty="0">
-                    <a:solidFill>
-                      <a:srgbClr val="404040"/>
-                    </a:solidFill>
-                    <a:latin typeface="Corbel" panose="020B0503020204020204" pitchFamily="34" charset="0"/>
-                  </a:rPr>
-                  <a:t> outcome where the probability of each outcome remains </a:t>
-                </a:r>
-                <a:r>
-                  <a:rPr lang="en-US" sz="2000" dirty="0">
-                    <a:solidFill>
-                      <a:srgbClr val="A71B86"/>
-                    </a:solidFill>
-                    <a:latin typeface="Corbel" panose="020B0503020204020204" pitchFamily="34" charset="0"/>
-                  </a:rPr>
-                  <a:t>constant</a:t>
-                </a:r>
-              </a:p>
-              <a:p>
-                <a:pPr marL="285750" indent="-285750">
-                  <a:buFont typeface="Arial" panose="020B0604020202020204" pitchFamily="34" charset="0"/>
-                  <a:buChar char="•"/>
-                </a:pPr>
-                <a:endParaRPr lang="en-US" sz="2000" dirty="0">
-                  <a:solidFill>
-                    <a:srgbClr val="A71B86"/>
-                  </a:solidFill>
-                  <a:latin typeface="Corbel" panose="020B0503020204020204" pitchFamily="34" charset="0"/>
-                </a:endParaRPr>
-              </a:p>
-              <a:p>
-                <a:pPr marL="285750" indent="-285750">
-                  <a:buFont typeface="Arial" panose="020B0604020202020204" pitchFamily="34" charset="0"/>
-                  <a:buChar char="•"/>
-                </a:pPr>
-                <a:r>
-                  <a:rPr lang="en-US" sz="2000" dirty="0">
-                    <a:solidFill>
-                      <a:srgbClr val="404040"/>
-                    </a:solidFill>
-                    <a:latin typeface="Corbel" panose="020B0503020204020204" pitchFamily="34" charset="0"/>
-                  </a:rPr>
-                  <a:t>Each trial/experiment is called a </a:t>
-                </a:r>
-                <a:r>
-                  <a:rPr lang="en-US" sz="2000" dirty="0" err="1">
-                    <a:solidFill>
-                      <a:srgbClr val="A71B86"/>
-                    </a:solidFill>
-                    <a:latin typeface="Corbel" panose="020B0503020204020204" pitchFamily="34" charset="0"/>
-                  </a:rPr>
-                  <a:t>Bernouilli</a:t>
-                </a:r>
-                <a:r>
-                  <a:rPr lang="en-US" sz="2000" dirty="0">
-                    <a:solidFill>
-                      <a:srgbClr val="A71B86"/>
-                    </a:solidFill>
-                    <a:latin typeface="Corbel" panose="020B0503020204020204" pitchFamily="34" charset="0"/>
-                  </a:rPr>
-                  <a:t> trial</a:t>
-                </a:r>
-              </a:p>
-              <a:p>
-                <a:pPr marL="285750" indent="-285750">
-                  <a:buFont typeface="Arial" panose="020B0604020202020204" pitchFamily="34" charset="0"/>
-                  <a:buChar char="•"/>
-                </a:pPr>
-                <a:endParaRPr lang="en-US" sz="2000" dirty="0">
-                  <a:solidFill>
-                    <a:srgbClr val="A71B86"/>
-                  </a:solidFill>
-                  <a:latin typeface="Corbel" panose="020B0503020204020204" pitchFamily="34" charset="0"/>
-                </a:endParaRPr>
-              </a:p>
-              <a:p>
-                <a:pPr marL="285750" indent="-285750">
-                  <a:buFont typeface="Arial" panose="020B0604020202020204" pitchFamily="34" charset="0"/>
-                  <a:buChar char="•"/>
-                </a:pPr>
-                <a:r>
-                  <a:rPr lang="en-US" sz="2000" dirty="0">
-                    <a:solidFill>
-                      <a:srgbClr val="404040"/>
-                    </a:solidFill>
-                    <a:latin typeface="Corbel" panose="020B0503020204020204" pitchFamily="34" charset="0"/>
-                  </a:rPr>
-                  <a:t>For a </a:t>
-                </a:r>
-                <a:r>
-                  <a:rPr lang="en-US" sz="2000" dirty="0" err="1">
-                    <a:solidFill>
-                      <a:srgbClr val="404040"/>
-                    </a:solidFill>
-                    <a:latin typeface="Corbel" panose="020B0503020204020204" pitchFamily="34" charset="0"/>
-                  </a:rPr>
-                  <a:t>Bernouilli</a:t>
-                </a:r>
-                <a:r>
-                  <a:rPr lang="en-US" sz="2000" dirty="0">
-                    <a:solidFill>
-                      <a:srgbClr val="404040"/>
-                    </a:solidFill>
-                    <a:latin typeface="Corbel" panose="020B0503020204020204" pitchFamily="34" charset="0"/>
-                  </a:rPr>
-                  <a:t> process, the probability of k successes in n trials is</a:t>
-                </a:r>
-              </a:p>
-              <a:p>
-                <a:pPr marL="285750" indent="-285750">
-                  <a:buFont typeface="Arial" panose="020B0604020202020204" pitchFamily="34" charset="0"/>
-                  <a:buChar char="•"/>
-                </a:pPr>
-                <a:endParaRPr lang="en-US" sz="2000" dirty="0">
-                  <a:solidFill>
-                    <a:srgbClr val="A71B86"/>
-                  </a:solidFill>
-                  <a:latin typeface="Corbel" panose="020B0503020204020204" pitchFamily="34" charset="0"/>
-                </a:endParaRPr>
-              </a:p>
-              <a:p>
-                <a:pPr marL="285750" indent="-285750">
-                  <a:buFont typeface="Arial" panose="020B0604020202020204" pitchFamily="34" charset="0"/>
-                  <a:buChar char="•"/>
-                </a:pPr>
-                <a:endParaRPr lang="en-US" sz="2000" dirty="0">
-                  <a:solidFill>
-                    <a:srgbClr val="A71B86"/>
-                  </a:solidFill>
-                  <a:latin typeface="Corbel" panose="020B0503020204020204" pitchFamily="34" charset="0"/>
-                </a:endParaRPr>
-              </a:p>
-              <a:p>
-                <a:pPr marL="285750" indent="-285750">
-                  <a:buFont typeface="Arial" panose="020B0604020202020204" pitchFamily="34" charset="0"/>
-                  <a:buChar char="•"/>
-                </a:pPr>
-                <a:endParaRPr lang="en-US" sz="2000" dirty="0">
-                  <a:solidFill>
-                    <a:srgbClr val="A71B86"/>
-                  </a:solidFill>
-                  <a:latin typeface="Corbel" panose="020B0503020204020204" pitchFamily="34" charset="0"/>
-                </a:endParaRPr>
-              </a:p>
-              <a:p>
-                <a:pPr marL="285750" indent="-285750">
-                  <a:buFont typeface="Arial" panose="020B0604020202020204" pitchFamily="34" charset="0"/>
-                  <a:buChar char="•"/>
-                </a:pPr>
-                <a:r>
-                  <a:rPr lang="en-US" sz="2000" dirty="0">
-                    <a:solidFill>
-                      <a:srgbClr val="404040"/>
-                    </a:solidFill>
-                    <a:latin typeface="Corbel" panose="020B0503020204020204" pitchFamily="34" charset="0"/>
-                  </a:rPr>
-                  <a:t>These probabilities build the </a:t>
-                </a:r>
-                <a:r>
-                  <a:rPr lang="en-US" sz="2000" dirty="0">
-                    <a:solidFill>
-                      <a:srgbClr val="A71B86"/>
-                    </a:solidFill>
-                    <a:latin typeface="Corbel" panose="020B0503020204020204" pitchFamily="34" charset="0"/>
-                  </a:rPr>
-                  <a:t>binomial distribution</a:t>
-                </a:r>
-              </a:p>
-              <a:p>
-                <a:pPr marL="285750" indent="-285750">
-                  <a:buFont typeface="Arial" panose="020B0604020202020204" pitchFamily="34" charset="0"/>
-                  <a:buChar char="•"/>
-                </a:pPr>
-                <a:endParaRPr lang="en-US" sz="2000" dirty="0">
-                  <a:solidFill>
-                    <a:srgbClr val="A71B86"/>
-                  </a:solidFill>
-                  <a:latin typeface="Corbel" panose="020B0503020204020204" pitchFamily="34" charset="0"/>
-                </a:endParaRPr>
-              </a:p>
-              <a:p>
-                <a:pPr marL="285750" indent="-285750">
-                  <a:buFont typeface="Arial" panose="020B0604020202020204" pitchFamily="34" charset="0"/>
-                  <a:buChar char="•"/>
-                </a:pPr>
-                <a:r>
-                  <a:rPr lang="en-US" sz="2000" dirty="0">
-                    <a:solidFill>
-                      <a:srgbClr val="404040"/>
-                    </a:solidFill>
-                    <a:latin typeface="Corbel" panose="020B0503020204020204" pitchFamily="34" charset="0"/>
-                  </a:rPr>
-                  <a:t>Excel formula is  </a:t>
-                </a:r>
-                <a14:m>
-                  <m:oMath xmlns:m="http://schemas.openxmlformats.org/officeDocument/2006/math">
-                    <m:r>
-                      <a:rPr lang="en-US" sz="2000" b="0" i="1" smtClean="0">
-                        <a:solidFill>
-                          <a:srgbClr val="404040"/>
-                        </a:solidFill>
-                        <a:latin typeface="Cambria Math" panose="02040503050406030204" pitchFamily="18" charset="0"/>
-                      </a:rPr>
-                      <m:t>=</m:t>
-                    </m:r>
-                    <m:r>
-                      <a:rPr lang="en-US" sz="2000" b="0" i="1" smtClean="0">
-                        <a:solidFill>
-                          <a:srgbClr val="404040"/>
-                        </a:solidFill>
-                        <a:latin typeface="Cambria Math" panose="02040503050406030204" pitchFamily="18" charset="0"/>
-                      </a:rPr>
-                      <m:t>𝐵𝐼𝑁𝑂𝑀</m:t>
-                    </m:r>
-                    <m:r>
-                      <a:rPr lang="en-US" sz="2000" b="0" i="1" smtClean="0">
-                        <a:solidFill>
-                          <a:srgbClr val="404040"/>
-                        </a:solidFill>
-                        <a:latin typeface="Cambria Math" panose="02040503050406030204" pitchFamily="18" charset="0"/>
-                      </a:rPr>
-                      <m:t>.</m:t>
-                    </m:r>
-                    <m:r>
-                      <a:rPr lang="en-US" sz="2000" b="0" i="1" smtClean="0">
-                        <a:solidFill>
-                          <a:srgbClr val="404040"/>
-                        </a:solidFill>
-                        <a:latin typeface="Cambria Math" panose="02040503050406030204" pitchFamily="18" charset="0"/>
-                      </a:rPr>
-                      <m:t>𝐷𝐼𝑆𝑇</m:t>
-                    </m:r>
-                    <m:r>
-                      <a:rPr lang="en-US" sz="2000" b="0" i="1" smtClean="0">
-                        <a:solidFill>
-                          <a:srgbClr val="404040"/>
-                        </a:solidFill>
-                        <a:latin typeface="Cambria Math" panose="02040503050406030204" pitchFamily="18" charset="0"/>
-                      </a:rPr>
-                      <m:t>(</m:t>
-                    </m:r>
-                    <m:r>
-                      <a:rPr lang="en-US" sz="2000" b="0" i="1" smtClean="0">
-                        <a:solidFill>
-                          <a:srgbClr val="404040"/>
-                        </a:solidFill>
-                        <a:latin typeface="Cambria Math" panose="02040503050406030204" pitchFamily="18" charset="0"/>
-                      </a:rPr>
-                      <m:t>𝑛</m:t>
-                    </m:r>
-                    <m:r>
-                      <a:rPr lang="en-US" sz="2000" b="0" i="1" smtClean="0">
-                        <a:solidFill>
-                          <a:srgbClr val="404040"/>
-                        </a:solidFill>
-                        <a:latin typeface="Cambria Math" panose="02040503050406030204" pitchFamily="18" charset="0"/>
-                      </a:rPr>
-                      <m:t>,</m:t>
-                    </m:r>
-                    <m:r>
-                      <a:rPr lang="en-US" sz="2000" b="0" i="1" smtClean="0">
-                        <a:solidFill>
-                          <a:srgbClr val="404040"/>
-                        </a:solidFill>
-                        <a:latin typeface="Cambria Math" panose="02040503050406030204" pitchFamily="18" charset="0"/>
-                      </a:rPr>
-                      <m:t>𝑘</m:t>
-                    </m:r>
-                    <m:r>
-                      <a:rPr lang="en-US" sz="2000" b="0" i="1" smtClean="0">
-                        <a:solidFill>
-                          <a:srgbClr val="404040"/>
-                        </a:solidFill>
-                        <a:latin typeface="Cambria Math" panose="02040503050406030204" pitchFamily="18" charset="0"/>
-                      </a:rPr>
-                      <m:t>,</m:t>
-                    </m:r>
-                    <m:r>
-                      <a:rPr lang="en-US" sz="2000" b="0" i="1" smtClean="0">
-                        <a:solidFill>
-                          <a:srgbClr val="404040"/>
-                        </a:solidFill>
-                        <a:latin typeface="Cambria Math" panose="02040503050406030204" pitchFamily="18" charset="0"/>
-                      </a:rPr>
-                      <m:t>𝑝</m:t>
-                    </m:r>
-                    <m:r>
-                      <a:rPr lang="en-US" sz="2000" b="0" i="1" smtClean="0">
-                        <a:solidFill>
-                          <a:srgbClr val="404040"/>
-                        </a:solidFill>
-                        <a:latin typeface="Cambria Math" panose="02040503050406030204" pitchFamily="18" charset="0"/>
-                      </a:rPr>
-                      <m:t>,</m:t>
-                    </m:r>
-                    <m:r>
-                      <a:rPr lang="en-US" sz="2000" b="0" i="1" smtClean="0">
-                        <a:solidFill>
-                          <a:srgbClr val="404040"/>
-                        </a:solidFill>
-                        <a:latin typeface="Cambria Math" panose="02040503050406030204" pitchFamily="18" charset="0"/>
-                      </a:rPr>
-                      <m:t>𝐹𝐴𝐿𝑆𝐸</m:t>
-                    </m:r>
-                    <m:r>
-                      <a:rPr lang="en-US" sz="2000" b="0" i="1" smtClean="0">
-                        <a:solidFill>
-                          <a:srgbClr val="404040"/>
-                        </a:solidFill>
-                        <a:latin typeface="Cambria Math" panose="02040503050406030204" pitchFamily="18" charset="0"/>
-                      </a:rPr>
-                      <m:t>)</m:t>
-                    </m:r>
-                  </m:oMath>
-                </a14:m>
-                <a:endParaRPr lang="en-US" sz="2000" dirty="0">
-                  <a:solidFill>
-                    <a:srgbClr val="A71B86"/>
-                  </a:solidFill>
-                  <a:latin typeface="Corbel" panose="020B0503020204020204" pitchFamily="34" charset="0"/>
-                </a:endParaRPr>
-              </a:p>
-            </p:txBody>
-          </p:sp>
-        </mc:Choice>
-        <mc:Fallback xmlns="">
-          <p:sp>
-            <p:nvSpPr>
-              <p:cNvPr id="36" name="TextBox 35">
-                <a:extLst>
-                  <a:ext uri="{FF2B5EF4-FFF2-40B4-BE49-F238E27FC236}">
-                    <a16:creationId xmlns:a16="http://schemas.microsoft.com/office/drawing/2014/main" id="{389720C5-6DCB-428D-8C4F-A02DEC239333}"/>
-                  </a:ext>
-                </a:extLst>
-              </p:cNvPr>
-              <p:cNvSpPr txBox="1">
-                <a:spLocks noRot="1" noChangeAspect="1" noMove="1" noResize="1" noEditPoints="1" noAdjustHandles="1" noChangeArrowheads="1" noChangeShapeType="1" noTextEdit="1"/>
-              </p:cNvSpPr>
-              <p:nvPr/>
-            </p:nvSpPr>
-            <p:spPr>
-              <a:xfrm>
-                <a:off x="773935" y="1947592"/>
-                <a:ext cx="8945154" cy="5016758"/>
-              </a:xfrm>
-              <a:prstGeom prst="rect">
-                <a:avLst/>
-              </a:prstGeom>
-              <a:blipFill>
-                <a:blip r:embed="rId3"/>
-                <a:stretch>
-                  <a:fillRect l="-613" t="-608"/>
-                </a:stretch>
-              </a:blipFill>
-            </p:spPr>
-            <p:txBody>
-              <a:bodyPr/>
-              <a:lstStyle/>
-              <a:p>
-                <a:r>
-                  <a:rPr lang="en-US">
-                    <a:noFill/>
-                  </a:rPr>
-                  <a:t> </a:t>
-                </a:r>
-              </a:p>
-            </p:txBody>
-          </p:sp>
-        </mc:Fallback>
-      </mc:AlternateContent>
-      <p:sp>
-        <p:nvSpPr>
-          <p:cNvPr id="28" name="Rectangle 27">
-            <a:extLst>
-              <a:ext uri="{FF2B5EF4-FFF2-40B4-BE49-F238E27FC236}">
-                <a16:creationId xmlns:a16="http://schemas.microsoft.com/office/drawing/2014/main" id="{1568D3DA-67F7-464C-95FF-D7D56F4038D6}"/>
-              </a:ext>
-            </a:extLst>
-          </p:cNvPr>
-          <p:cNvSpPr/>
-          <p:nvPr/>
-        </p:nvSpPr>
-        <p:spPr>
-          <a:xfrm rot="19800000">
-            <a:off x="-597297" y="674901"/>
-            <a:ext cx="4026751" cy="269178"/>
-          </a:xfrm>
-          <a:prstGeom prst="rect">
-            <a:avLst/>
-          </a:prstGeom>
-          <a:solidFill>
-            <a:srgbClr val="A71B86"/>
-          </a:solidFill>
-          <a:ln>
-            <a:noFill/>
-          </a:ln>
-        </p:spPr>
-        <p:style>
-          <a:lnRef idx="2">
-            <a:schemeClr val="accent1">
-              <a:shade val="50000"/>
-            </a:schemeClr>
-          </a:lnRef>
-          <a:fillRef idx="1">
-            <a:schemeClr val="accent1"/>
-          </a:fillRef>
-          <a:effectRef idx="0">
-            <a:schemeClr val="accent1"/>
-          </a:effectRef>
-          <a:fontRef idx="minor">
-            <a:schemeClr val="lt1"/>
-          </a:fontRef>
-        </p:style>
-        <p:txBody>
-          <a:bodyPr rtlCol="0" anchor="ctr"/>
-          <a:lstStyle/>
-          <a:p>
-            <a:pPr algn="ctr"/>
-            <a:endParaRPr lang="en-US"/>
-          </a:p>
-        </p:txBody>
-      </p:sp>
-      <p:pic>
-        <p:nvPicPr>
-          <p:cNvPr id="11" name="Picture 10" descr="A large body of water&#10;&#10;Description automatically generated">
-            <a:extLst>
-              <a:ext uri="{FF2B5EF4-FFF2-40B4-BE49-F238E27FC236}">
-                <a16:creationId xmlns:a16="http://schemas.microsoft.com/office/drawing/2014/main" id="{B83B0471-BE25-41B4-B185-53BEB6528B89}"/>
-              </a:ext>
-            </a:extLst>
-          </p:cNvPr>
-          <p:cNvPicPr>
-            <a:picLocks noChangeAspect="1"/>
-          </p:cNvPicPr>
-          <p:nvPr/>
-        </p:nvPicPr>
-        <p:blipFill rotWithShape="1">
-          <a:blip r:embed="rId4">
-            <a:alphaModFix amt="20000"/>
-            <a:extLst>
-              <a:ext uri="{28A0092B-C50C-407E-A947-70E740481C1C}">
-                <a14:useLocalDpi xmlns:a14="http://schemas.microsoft.com/office/drawing/2010/main" val="0"/>
-              </a:ext>
-            </a:extLst>
-          </a:blip>
-          <a:srcRect t="34654" b="43573"/>
-          <a:stretch/>
-        </p:blipFill>
-        <p:spPr>
-          <a:xfrm>
-            <a:off x="766188" y="457321"/>
-            <a:ext cx="9018070" cy="1308226"/>
-          </a:xfrm>
-          <a:prstGeom prst="rect">
-            <a:avLst/>
-          </a:prstGeom>
-        </p:spPr>
-      </p:pic>
-      <p:sp>
-        <p:nvSpPr>
-          <p:cNvPr id="34" name="Rectangle 33">
-            <a:extLst>
-              <a:ext uri="{FF2B5EF4-FFF2-40B4-BE49-F238E27FC236}">
-                <a16:creationId xmlns:a16="http://schemas.microsoft.com/office/drawing/2014/main" id="{BFE7775A-1FAD-4E84-8B9E-DA4B39640B5E}"/>
-              </a:ext>
-            </a:extLst>
-          </p:cNvPr>
-          <p:cNvSpPr/>
-          <p:nvPr/>
-        </p:nvSpPr>
-        <p:spPr>
-          <a:xfrm rot="19800000">
-            <a:off x="9089102" y="5937184"/>
-            <a:ext cx="4026751" cy="269178"/>
-          </a:xfrm>
-          <a:prstGeom prst="rect">
-            <a:avLst/>
-          </a:prstGeom>
-          <a:solidFill>
-            <a:srgbClr val="A71B86"/>
-          </a:solidFill>
-          <a:ln>
-            <a:noFill/>
-          </a:ln>
-        </p:spPr>
-        <p:style>
-          <a:lnRef idx="2">
-            <a:schemeClr val="accent1">
-              <a:shade val="50000"/>
-            </a:schemeClr>
-          </a:lnRef>
-          <a:fillRef idx="1">
-            <a:schemeClr val="accent1"/>
-          </a:fillRef>
-          <a:effectRef idx="0">
-            <a:schemeClr val="accent1"/>
-          </a:effectRef>
-          <a:fontRef idx="minor">
-            <a:schemeClr val="lt1"/>
-          </a:fontRef>
-        </p:style>
-        <p:txBody>
-          <a:bodyPr rtlCol="0" anchor="ctr"/>
-          <a:lstStyle/>
-          <a:p>
-            <a:pPr algn="ctr"/>
-            <a:endParaRPr lang="en-US"/>
-          </a:p>
-        </p:txBody>
-      </p:sp>
-      <p:sp>
-        <p:nvSpPr>
-          <p:cNvPr id="2" name="Title 1">
-            <a:extLst>
-              <a:ext uri="{FF2B5EF4-FFF2-40B4-BE49-F238E27FC236}">
-                <a16:creationId xmlns:a16="http://schemas.microsoft.com/office/drawing/2014/main" id="{95D79E09-6E77-4F87-B358-F18D99FA343D}"/>
-              </a:ext>
-            </a:extLst>
-          </p:cNvPr>
-          <p:cNvSpPr>
-            <a:spLocks noGrp="1"/>
-          </p:cNvSpPr>
-          <p:nvPr>
-            <p:ph type="title"/>
-          </p:nvPr>
-        </p:nvSpPr>
-        <p:spPr>
-          <a:xfrm>
-            <a:off x="773934" y="425128"/>
-            <a:ext cx="9018070" cy="1325563"/>
-          </a:xfrm>
-          <a:noFill/>
-          <a:ln w="76200">
-            <a:solidFill>
-              <a:srgbClr val="11B29F"/>
-            </a:solidFill>
-          </a:ln>
-        </p:spPr>
-        <p:txBody>
-          <a:bodyPr/>
-          <a:lstStyle/>
-          <a:p>
-            <a:pPr algn="ctr"/>
-            <a:r>
-              <a:rPr lang="en-US" dirty="0">
-                <a:solidFill>
-                  <a:srgbClr val="404040"/>
-                </a:solidFill>
-                <a:latin typeface="Bodoni MT" panose="02070603080606020203" pitchFamily="18" charset="0"/>
-              </a:rPr>
-              <a:t>Binomial Probability</a:t>
-            </a:r>
-          </a:p>
-        </p:txBody>
-      </p:sp>
-      <p:pic>
-        <p:nvPicPr>
-          <p:cNvPr id="5" name="Content Placeholder 4" descr="A picture containing cage&#10;&#10;Description automatically generated">
-            <a:extLst>
-              <a:ext uri="{FF2B5EF4-FFF2-40B4-BE49-F238E27FC236}">
-                <a16:creationId xmlns:a16="http://schemas.microsoft.com/office/drawing/2014/main" id="{EF817497-4F98-4236-83EE-74FD8376B077}"/>
-              </a:ext>
-            </a:extLst>
-          </p:cNvPr>
-          <p:cNvPicPr>
-            <a:picLocks noGrp="1" noChangeAspect="1"/>
-          </p:cNvPicPr>
-          <p:nvPr>
-            <p:ph idx="1"/>
-          </p:nvPr>
-        </p:nvPicPr>
-        <p:blipFill>
-          <a:blip r:embed="rId5">
-            <a:extLst>
-              <a:ext uri="{28A0092B-C50C-407E-A947-70E740481C1C}">
-                <a14:useLocalDpi xmlns:a14="http://schemas.microsoft.com/office/drawing/2010/main" val="0"/>
-              </a:ext>
-            </a:extLst>
-          </a:blip>
-          <a:stretch>
-            <a:fillRect/>
-          </a:stretch>
-        </p:blipFill>
-        <p:spPr>
-          <a:xfrm>
-            <a:off x="9887140" y="47697"/>
-            <a:ext cx="2143125" cy="2143125"/>
-          </a:xfrm>
-        </p:spPr>
-      </p:pic>
-      <p:sp>
-        <p:nvSpPr>
-          <p:cNvPr id="17" name="Rectangle 16">
-            <a:extLst>
-              <a:ext uri="{FF2B5EF4-FFF2-40B4-BE49-F238E27FC236}">
-                <a16:creationId xmlns:a16="http://schemas.microsoft.com/office/drawing/2014/main" id="{C723ED3C-F5E6-4121-9EF2-DD9574E1A49F}"/>
-              </a:ext>
-            </a:extLst>
-          </p:cNvPr>
-          <p:cNvSpPr/>
-          <p:nvPr/>
-        </p:nvSpPr>
-        <p:spPr>
-          <a:xfrm>
-            <a:off x="10085294" y="2008116"/>
-            <a:ext cx="1776920" cy="76178"/>
-          </a:xfrm>
-          <a:prstGeom prst="rect">
-            <a:avLst/>
-          </a:prstGeom>
-          <a:solidFill>
-            <a:srgbClr val="11B29F"/>
-          </a:solidFill>
-          <a:ln>
-            <a:noFill/>
-          </a:ln>
-        </p:spPr>
-        <p:style>
-          <a:lnRef idx="2">
-            <a:schemeClr val="accent1">
-              <a:shade val="50000"/>
-            </a:schemeClr>
-          </a:lnRef>
-          <a:fillRef idx="1">
-            <a:schemeClr val="accent1"/>
-          </a:fillRef>
-          <a:effectRef idx="0">
-            <a:schemeClr val="accent1"/>
-          </a:effectRef>
-          <a:fontRef idx="minor">
-            <a:schemeClr val="lt1"/>
-          </a:fontRef>
-        </p:style>
-        <p:txBody>
-          <a:bodyPr rtlCol="0" anchor="ctr"/>
-          <a:lstStyle/>
-          <a:p>
-            <a:pPr algn="ctr"/>
-            <a:endParaRPr lang="en-US"/>
-          </a:p>
-        </p:txBody>
-      </p:sp>
-      <p:sp>
-        <p:nvSpPr>
-          <p:cNvPr id="21" name="Rectangle 20">
-            <a:extLst>
-              <a:ext uri="{FF2B5EF4-FFF2-40B4-BE49-F238E27FC236}">
-                <a16:creationId xmlns:a16="http://schemas.microsoft.com/office/drawing/2014/main" id="{F9E0EC60-66D4-4536-A867-30142339BAA7}"/>
-              </a:ext>
-            </a:extLst>
-          </p:cNvPr>
-          <p:cNvSpPr/>
-          <p:nvPr/>
-        </p:nvSpPr>
-        <p:spPr>
-          <a:xfrm>
-            <a:off x="10085294" y="2129819"/>
-            <a:ext cx="1776920" cy="76178"/>
-          </a:xfrm>
-          <a:prstGeom prst="rect">
-            <a:avLst/>
-          </a:prstGeom>
-          <a:solidFill>
-            <a:srgbClr val="A71B86"/>
-          </a:solidFill>
-          <a:ln>
-            <a:noFill/>
-          </a:ln>
-        </p:spPr>
-        <p:style>
-          <a:lnRef idx="2">
-            <a:schemeClr val="accent1">
-              <a:shade val="50000"/>
-            </a:schemeClr>
-          </a:lnRef>
-          <a:fillRef idx="1">
-            <a:schemeClr val="accent1"/>
-          </a:fillRef>
-          <a:effectRef idx="0">
-            <a:schemeClr val="accent1"/>
-          </a:effectRef>
-          <a:fontRef idx="minor">
-            <a:schemeClr val="lt1"/>
-          </a:fontRef>
-        </p:style>
-        <p:txBody>
-          <a:bodyPr rtlCol="0" anchor="ctr"/>
-          <a:lstStyle/>
-          <a:p>
-            <a:pPr algn="ctr"/>
-            <a:endParaRPr lang="en-US"/>
-          </a:p>
-        </p:txBody>
-      </p:sp>
-      <p:sp>
-        <p:nvSpPr>
-          <p:cNvPr id="22" name="Rectangle 21">
-            <a:extLst>
-              <a:ext uri="{FF2B5EF4-FFF2-40B4-BE49-F238E27FC236}">
-                <a16:creationId xmlns:a16="http://schemas.microsoft.com/office/drawing/2014/main" id="{F95AED49-24A8-4D10-9D31-F944565EC1B2}"/>
-              </a:ext>
-            </a:extLst>
-          </p:cNvPr>
-          <p:cNvSpPr/>
-          <p:nvPr/>
-        </p:nvSpPr>
-        <p:spPr>
-          <a:xfrm>
-            <a:off x="10085294" y="2251522"/>
-            <a:ext cx="1776920" cy="150200"/>
-          </a:xfrm>
-          <a:prstGeom prst="rect">
-            <a:avLst/>
-          </a:prstGeom>
-          <a:solidFill>
-            <a:srgbClr val="11B29F"/>
-          </a:solidFill>
-          <a:ln>
-            <a:noFill/>
-          </a:ln>
-        </p:spPr>
-        <p:style>
-          <a:lnRef idx="2">
-            <a:schemeClr val="accent1">
-              <a:shade val="50000"/>
-            </a:schemeClr>
-          </a:lnRef>
-          <a:fillRef idx="1">
-            <a:schemeClr val="accent1"/>
-          </a:fillRef>
-          <a:effectRef idx="0">
-            <a:schemeClr val="accent1"/>
-          </a:effectRef>
-          <a:fontRef idx="minor">
-            <a:schemeClr val="lt1"/>
-          </a:fontRef>
-        </p:style>
-        <p:txBody>
-          <a:bodyPr rtlCol="0" anchor="ctr"/>
-          <a:lstStyle/>
-          <a:p>
-            <a:pPr algn="ctr"/>
-            <a:endParaRPr lang="en-US"/>
-          </a:p>
-        </p:txBody>
-      </p:sp>
-      <p:sp>
-        <p:nvSpPr>
-          <p:cNvPr id="24" name="Rectangle 23">
-            <a:extLst>
-              <a:ext uri="{FF2B5EF4-FFF2-40B4-BE49-F238E27FC236}">
-                <a16:creationId xmlns:a16="http://schemas.microsoft.com/office/drawing/2014/main" id="{993D5826-407C-4F65-BE3A-EB593B942A36}"/>
-              </a:ext>
-            </a:extLst>
-          </p:cNvPr>
-          <p:cNvSpPr/>
-          <p:nvPr/>
-        </p:nvSpPr>
-        <p:spPr>
-          <a:xfrm>
-            <a:off x="10085294" y="2447247"/>
-            <a:ext cx="1776920" cy="150200"/>
-          </a:xfrm>
-          <a:prstGeom prst="rect">
-            <a:avLst/>
-          </a:prstGeom>
-          <a:solidFill>
-            <a:srgbClr val="A71B86"/>
-          </a:solidFill>
-          <a:ln>
-            <a:noFill/>
-          </a:ln>
-        </p:spPr>
-        <p:style>
-          <a:lnRef idx="2">
-            <a:schemeClr val="accent1">
-              <a:shade val="50000"/>
-            </a:schemeClr>
-          </a:lnRef>
-          <a:fillRef idx="1">
-            <a:schemeClr val="accent1"/>
-          </a:fillRef>
-          <a:effectRef idx="0">
-            <a:schemeClr val="accent1"/>
-          </a:effectRef>
-          <a:fontRef idx="minor">
-            <a:schemeClr val="lt1"/>
-          </a:fontRef>
-        </p:style>
-        <p:txBody>
-          <a:bodyPr rtlCol="0" anchor="ctr"/>
-          <a:lstStyle/>
-          <a:p>
-            <a:pPr algn="ctr"/>
-            <a:endParaRPr lang="en-US"/>
-          </a:p>
-        </p:txBody>
-      </p:sp>
-      <p:sp>
-        <p:nvSpPr>
-          <p:cNvPr id="25" name="Rectangle 24">
-            <a:extLst>
-              <a:ext uri="{FF2B5EF4-FFF2-40B4-BE49-F238E27FC236}">
-                <a16:creationId xmlns:a16="http://schemas.microsoft.com/office/drawing/2014/main" id="{D2785A94-4D0B-4559-9303-3C963AA0EF9A}"/>
-              </a:ext>
-            </a:extLst>
-          </p:cNvPr>
-          <p:cNvSpPr/>
-          <p:nvPr/>
-        </p:nvSpPr>
-        <p:spPr>
-          <a:xfrm>
-            <a:off x="10085294" y="2642972"/>
-            <a:ext cx="1776920" cy="362446"/>
-          </a:xfrm>
-          <a:prstGeom prst="rect">
-            <a:avLst/>
-          </a:prstGeom>
-          <a:solidFill>
-            <a:srgbClr val="11B29F"/>
-          </a:solidFill>
-          <a:ln>
-            <a:noFill/>
-          </a:ln>
-        </p:spPr>
-        <p:style>
-          <a:lnRef idx="2">
-            <a:schemeClr val="accent1">
-              <a:shade val="50000"/>
-            </a:schemeClr>
-          </a:lnRef>
-          <a:fillRef idx="1">
-            <a:schemeClr val="accent1"/>
-          </a:fillRef>
-          <a:effectRef idx="0">
-            <a:schemeClr val="accent1"/>
-          </a:effectRef>
-          <a:fontRef idx="minor">
-            <a:schemeClr val="lt1"/>
-          </a:fontRef>
-        </p:style>
-        <p:txBody>
-          <a:bodyPr rtlCol="0" anchor="ctr"/>
-          <a:lstStyle/>
-          <a:p>
-            <a:pPr algn="ctr"/>
-            <a:endParaRPr lang="en-US"/>
-          </a:p>
-        </p:txBody>
-      </p:sp>
-      <p:sp>
-        <p:nvSpPr>
-          <p:cNvPr id="26" name="Rectangle 25">
-            <a:extLst>
-              <a:ext uri="{FF2B5EF4-FFF2-40B4-BE49-F238E27FC236}">
-                <a16:creationId xmlns:a16="http://schemas.microsoft.com/office/drawing/2014/main" id="{B235F2E9-4558-433D-9527-7EFF5C5E78A8}"/>
-              </a:ext>
-            </a:extLst>
-          </p:cNvPr>
-          <p:cNvSpPr/>
-          <p:nvPr/>
-        </p:nvSpPr>
-        <p:spPr>
-          <a:xfrm>
-            <a:off x="10085294" y="3050943"/>
-            <a:ext cx="1776920" cy="362446"/>
-          </a:xfrm>
-          <a:prstGeom prst="rect">
-            <a:avLst/>
-          </a:prstGeom>
-          <a:solidFill>
-            <a:srgbClr val="A71B86"/>
-          </a:solidFill>
-          <a:ln>
-            <a:noFill/>
-          </a:ln>
-        </p:spPr>
-        <p:style>
-          <a:lnRef idx="2">
-            <a:schemeClr val="accent1">
-              <a:shade val="50000"/>
-            </a:schemeClr>
-          </a:lnRef>
-          <a:fillRef idx="1">
-            <a:schemeClr val="accent1"/>
-          </a:fillRef>
-          <a:effectRef idx="0">
-            <a:schemeClr val="accent1"/>
-          </a:effectRef>
-          <a:fontRef idx="minor">
-            <a:schemeClr val="lt1"/>
-          </a:fontRef>
-        </p:style>
-        <p:txBody>
-          <a:bodyPr rtlCol="0" anchor="ctr"/>
-          <a:lstStyle/>
-          <a:p>
-            <a:pPr algn="ctr"/>
-            <a:endParaRPr lang="en-US"/>
-          </a:p>
-        </p:txBody>
-      </p:sp>
-      <p:sp>
-        <p:nvSpPr>
-          <p:cNvPr id="27" name="Rectangle 26">
-            <a:extLst>
-              <a:ext uri="{FF2B5EF4-FFF2-40B4-BE49-F238E27FC236}">
-                <a16:creationId xmlns:a16="http://schemas.microsoft.com/office/drawing/2014/main" id="{99613B87-411B-4008-BF30-F1A3B8F247B5}"/>
-              </a:ext>
-            </a:extLst>
-          </p:cNvPr>
-          <p:cNvSpPr/>
-          <p:nvPr/>
-        </p:nvSpPr>
-        <p:spPr>
-          <a:xfrm>
-            <a:off x="10085294" y="3490136"/>
-            <a:ext cx="1776920" cy="3367864"/>
-          </a:xfrm>
-          <a:prstGeom prst="rect">
-            <a:avLst/>
-          </a:prstGeom>
-          <a:solidFill>
-            <a:srgbClr val="11B29F"/>
-          </a:solidFill>
-          <a:ln>
-            <a:noFill/>
-          </a:ln>
-        </p:spPr>
-        <p:style>
-          <a:lnRef idx="2">
-            <a:schemeClr val="accent1">
-              <a:shade val="50000"/>
-            </a:schemeClr>
-          </a:lnRef>
-          <a:fillRef idx="1">
-            <a:schemeClr val="accent1"/>
-          </a:fillRef>
-          <a:effectRef idx="0">
-            <a:schemeClr val="accent1"/>
-          </a:effectRef>
-          <a:fontRef idx="minor">
-            <a:schemeClr val="lt1"/>
-          </a:fontRef>
-        </p:style>
-        <p:txBody>
-          <a:bodyPr rtlCol="0" anchor="ctr"/>
-          <a:lstStyle/>
-          <a:p>
-            <a:pPr algn="ctr"/>
-            <a:endParaRPr lang="en-US"/>
-          </a:p>
-        </p:txBody>
-      </p:sp>
-      <p:sp>
-        <p:nvSpPr>
-          <p:cNvPr id="32" name="Rectangle 31">
-            <a:extLst>
-              <a:ext uri="{FF2B5EF4-FFF2-40B4-BE49-F238E27FC236}">
-                <a16:creationId xmlns:a16="http://schemas.microsoft.com/office/drawing/2014/main" id="{145B3BD2-B1C1-4ED2-A4E0-5E17DD3736F1}"/>
-              </a:ext>
-            </a:extLst>
-          </p:cNvPr>
-          <p:cNvSpPr/>
-          <p:nvPr/>
-        </p:nvSpPr>
-        <p:spPr>
-          <a:xfrm rot="19800000">
-            <a:off x="-765351" y="385789"/>
-            <a:ext cx="4026751" cy="269178"/>
-          </a:xfrm>
-          <a:prstGeom prst="rect">
-            <a:avLst/>
-          </a:prstGeom>
-          <a:solidFill>
-            <a:srgbClr val="A71B86"/>
-          </a:solidFill>
-          <a:ln>
-            <a:noFill/>
-          </a:ln>
-        </p:spPr>
-        <p:style>
-          <a:lnRef idx="2">
-            <a:schemeClr val="accent1">
-              <a:shade val="50000"/>
-            </a:schemeClr>
-          </a:lnRef>
-          <a:fillRef idx="1">
-            <a:schemeClr val="accent1"/>
-          </a:fillRef>
-          <a:effectRef idx="0">
-            <a:schemeClr val="accent1"/>
-          </a:effectRef>
-          <a:fontRef idx="minor">
-            <a:schemeClr val="lt1"/>
-          </a:fontRef>
-        </p:style>
-        <p:txBody>
-          <a:bodyPr rtlCol="0" anchor="ctr"/>
-          <a:lstStyle/>
-          <a:p>
-            <a:pPr algn="ctr"/>
-            <a:endParaRPr lang="en-US"/>
-          </a:p>
-        </p:txBody>
-      </p:sp>
-      <p:sp>
-        <p:nvSpPr>
-          <p:cNvPr id="33" name="Rectangle 32">
-            <a:extLst>
-              <a:ext uri="{FF2B5EF4-FFF2-40B4-BE49-F238E27FC236}">
-                <a16:creationId xmlns:a16="http://schemas.microsoft.com/office/drawing/2014/main" id="{DC3B2826-65DD-408B-8F18-8CCD6C052D8D}"/>
-              </a:ext>
-            </a:extLst>
-          </p:cNvPr>
-          <p:cNvSpPr/>
-          <p:nvPr/>
-        </p:nvSpPr>
-        <p:spPr>
-          <a:xfrm rot="19800000">
-            <a:off x="9257156" y="6226296"/>
-            <a:ext cx="4026751" cy="269178"/>
-          </a:xfrm>
-          <a:prstGeom prst="rect">
-            <a:avLst/>
-          </a:prstGeom>
-          <a:solidFill>
-            <a:srgbClr val="A71B86"/>
-          </a:solidFill>
-          <a:ln>
-            <a:noFill/>
-          </a:ln>
-        </p:spPr>
-        <p:style>
-          <a:lnRef idx="2">
-            <a:schemeClr val="accent1">
-              <a:shade val="50000"/>
-            </a:schemeClr>
-          </a:lnRef>
-          <a:fillRef idx="1">
-            <a:schemeClr val="accent1"/>
-          </a:fillRef>
-          <a:effectRef idx="0">
-            <a:schemeClr val="accent1"/>
-          </a:effectRef>
-          <a:fontRef idx="minor">
-            <a:schemeClr val="lt1"/>
-          </a:fontRef>
-        </p:style>
-        <p:txBody>
-          <a:bodyPr rtlCol="0" anchor="ctr"/>
-          <a:lstStyle/>
-          <a:p>
-            <a:pPr algn="ctr"/>
-            <a:endParaRPr lang="en-US"/>
-          </a:p>
-        </p:txBody>
-      </p:sp>
-      <p:sp>
-        <p:nvSpPr>
-          <p:cNvPr id="35" name="Rectangle 34">
-            <a:extLst>
-              <a:ext uri="{FF2B5EF4-FFF2-40B4-BE49-F238E27FC236}">
-                <a16:creationId xmlns:a16="http://schemas.microsoft.com/office/drawing/2014/main" id="{4935F901-F632-4698-8C7A-AC29B2397A6C}"/>
-              </a:ext>
-            </a:extLst>
-          </p:cNvPr>
-          <p:cNvSpPr/>
-          <p:nvPr/>
-        </p:nvSpPr>
-        <p:spPr>
-          <a:xfrm rot="19800000">
-            <a:off x="8263809" y="5824178"/>
-            <a:ext cx="4731177" cy="269178"/>
-          </a:xfrm>
-          <a:prstGeom prst="rect">
-            <a:avLst/>
-          </a:prstGeom>
-          <a:solidFill>
-            <a:srgbClr val="A71B86"/>
-          </a:solidFill>
-          <a:ln>
-            <a:noFill/>
-          </a:ln>
-        </p:spPr>
-        <p:style>
-          <a:lnRef idx="2">
-            <a:schemeClr val="accent1">
-              <a:shade val="50000"/>
-            </a:schemeClr>
-          </a:lnRef>
-          <a:fillRef idx="1">
-            <a:schemeClr val="accent1"/>
-          </a:fillRef>
-          <a:effectRef idx="0">
-            <a:schemeClr val="accent1"/>
-          </a:effectRef>
-          <a:fontRef idx="minor">
-            <a:schemeClr val="lt1"/>
-          </a:fontRef>
-        </p:style>
-        <p:txBody>
-          <a:bodyPr rtlCol="0" anchor="ctr"/>
-          <a:lstStyle/>
-          <a:p>
-            <a:pPr algn="ctr"/>
-            <a:endParaRPr lang="en-US"/>
-          </a:p>
-        </p:txBody>
-      </p:sp>
-      <p:pic>
-        <p:nvPicPr>
-          <p:cNvPr id="37" name="Graphic 36" descr="Palm tree">
-            <a:extLst>
-              <a:ext uri="{FF2B5EF4-FFF2-40B4-BE49-F238E27FC236}">
-                <a16:creationId xmlns:a16="http://schemas.microsoft.com/office/drawing/2014/main" id="{79F2EC1B-9713-4CCF-8301-82ED265F3940}"/>
-              </a:ext>
-            </a:extLst>
-          </p:cNvPr>
-          <p:cNvPicPr>
-            <a:picLocks noChangeAspect="1"/>
-          </p:cNvPicPr>
-          <p:nvPr/>
-        </p:nvPicPr>
-        <p:blipFill>
-          <a:blip r:embed="rId6">
-            <a:extLst>
-              <a:ext uri="{28A0092B-C50C-407E-A947-70E740481C1C}">
-                <a14:useLocalDpi xmlns:a14="http://schemas.microsoft.com/office/drawing/2010/main" val="0"/>
-              </a:ext>
-              <a:ext uri="{96DAC541-7B7A-43D3-8B79-37D633B846F1}">
-                <asvg:svgBlip xmlns:asvg="http://schemas.microsoft.com/office/drawing/2016/SVG/main" r:embed="rId7"/>
-              </a:ext>
-            </a:extLst>
-          </a:blip>
-          <a:stretch>
-            <a:fillRect/>
-          </a:stretch>
-        </p:blipFill>
-        <p:spPr>
-          <a:xfrm>
-            <a:off x="8964994" y="809490"/>
-            <a:ext cx="914400" cy="914400"/>
-          </a:xfrm>
-          <a:prstGeom prst="rect">
-            <a:avLst/>
-          </a:prstGeom>
-        </p:spPr>
-      </p:pic>
-      <p:pic>
-        <p:nvPicPr>
-          <p:cNvPr id="38" name="Graphic 37" descr="Palm tree">
-            <a:extLst>
-              <a:ext uri="{FF2B5EF4-FFF2-40B4-BE49-F238E27FC236}">
-                <a16:creationId xmlns:a16="http://schemas.microsoft.com/office/drawing/2014/main" id="{11C9CA6F-B5F0-4837-8E50-85C201ADA4F1}"/>
-              </a:ext>
-            </a:extLst>
-          </p:cNvPr>
-          <p:cNvPicPr>
-            <a:picLocks noChangeAspect="1"/>
-          </p:cNvPicPr>
-          <p:nvPr/>
-        </p:nvPicPr>
-        <p:blipFill>
-          <a:blip r:embed="rId6">
-            <a:extLst>
-              <a:ext uri="{28A0092B-C50C-407E-A947-70E740481C1C}">
-                <a14:useLocalDpi xmlns:a14="http://schemas.microsoft.com/office/drawing/2010/main" val="0"/>
-              </a:ext>
-              <a:ext uri="{96DAC541-7B7A-43D3-8B79-37D633B846F1}">
-                <asvg:svgBlip xmlns:asvg="http://schemas.microsoft.com/office/drawing/2016/SVG/main" r:embed="rId7"/>
-              </a:ext>
-            </a:extLst>
-          </a:blip>
-          <a:stretch>
-            <a:fillRect/>
-          </a:stretch>
-        </p:blipFill>
-        <p:spPr>
-          <a:xfrm>
-            <a:off x="8834542" y="1142112"/>
-            <a:ext cx="553133" cy="553133"/>
-          </a:xfrm>
-          <a:prstGeom prst="rect">
-            <a:avLst/>
-          </a:prstGeom>
-        </p:spPr>
-      </p:pic>
-      <p:pic>
-        <p:nvPicPr>
-          <p:cNvPr id="39" name="Graphic 38" descr="Palm tree">
-            <a:extLst>
-              <a:ext uri="{FF2B5EF4-FFF2-40B4-BE49-F238E27FC236}">
-                <a16:creationId xmlns:a16="http://schemas.microsoft.com/office/drawing/2014/main" id="{585AC1AD-01C8-4E2D-8361-4BEA62A48584}"/>
-              </a:ext>
-            </a:extLst>
-          </p:cNvPr>
-          <p:cNvPicPr>
-            <a:picLocks noChangeAspect="1"/>
-          </p:cNvPicPr>
-          <p:nvPr/>
-        </p:nvPicPr>
-        <p:blipFill>
-          <a:blip r:embed="rId6">
-            <a:extLst>
-              <a:ext uri="{28A0092B-C50C-407E-A947-70E740481C1C}">
-                <a14:useLocalDpi xmlns:a14="http://schemas.microsoft.com/office/drawing/2010/main" val="0"/>
-              </a:ext>
-              <a:ext uri="{96DAC541-7B7A-43D3-8B79-37D633B846F1}">
-                <asvg:svgBlip xmlns:asvg="http://schemas.microsoft.com/office/drawing/2016/SVG/main" r:embed="rId7"/>
-              </a:ext>
-            </a:extLst>
-          </a:blip>
-          <a:stretch>
-            <a:fillRect/>
-          </a:stretch>
-        </p:blipFill>
-        <p:spPr>
-          <a:xfrm>
-            <a:off x="9387675" y="1277468"/>
-            <a:ext cx="404329" cy="404329"/>
-          </a:xfrm>
-          <a:prstGeom prst="rect">
-            <a:avLst/>
-          </a:prstGeom>
-        </p:spPr>
-      </p:pic>
-      <mc:AlternateContent xmlns:mc="http://schemas.openxmlformats.org/markup-compatibility/2006" xmlns:a14="http://schemas.microsoft.com/office/drawing/2010/main">
-        <mc:Choice Requires="a14">
-          <p:sp>
-            <p:nvSpPr>
-              <p:cNvPr id="23" name="TextBox 22">
-                <a:extLst>
-                  <a:ext uri="{FF2B5EF4-FFF2-40B4-BE49-F238E27FC236}">
-                    <a16:creationId xmlns:a16="http://schemas.microsoft.com/office/drawing/2014/main" id="{0BBE8E57-441A-4EB3-A4EE-EB55F0A0CCB7}"/>
-                  </a:ext>
-                </a:extLst>
-              </p:cNvPr>
-              <p:cNvSpPr txBox="1"/>
-              <p:nvPr/>
-            </p:nvSpPr>
-            <p:spPr>
-              <a:xfrm>
-                <a:off x="161735" y="2203866"/>
-                <a:ext cx="6897206" cy="783869"/>
-              </a:xfrm>
-              <a:prstGeom prst="rect">
-                <a:avLst/>
-              </a:prstGeom>
-              <a:noFill/>
-            </p:spPr>
-            <p:txBody>
-              <a:bodyPr wrap="square" rtlCol="0">
-                <a:spAutoFit/>
-              </a:bodyPr>
-              <a:lstStyle/>
-              <a:p>
-                <a:pPr/>
-                <a14:m>
-                  <m:oMathPara xmlns:m="http://schemas.openxmlformats.org/officeDocument/2006/math">
-                    <m:oMathParaPr>
-                      <m:jc m:val="centerGroup"/>
-                    </m:oMathParaPr>
-                    <m:oMath xmlns:m="http://schemas.openxmlformats.org/officeDocument/2006/math">
-                      <m:r>
-                        <m:rPr>
-                          <m:sty m:val="p"/>
-                        </m:rPr>
-                        <a:rPr lang="en-US" sz="2000">
-                          <a:solidFill>
-                            <a:srgbClr val="404040"/>
-                          </a:solidFill>
-                          <a:latin typeface="Cambria Math" panose="02040503050406030204" pitchFamily="18" charset="0"/>
-                        </a:rPr>
-                        <m:t>P</m:t>
-                      </m:r>
-                      <m:d>
-                        <m:dPr>
-                          <m:ctrlPr>
-                            <a:rPr lang="en-US" sz="2000" i="1">
-                              <a:solidFill>
-                                <a:srgbClr val="404040"/>
-                              </a:solidFill>
-                              <a:latin typeface="Cambria Math" panose="02040503050406030204" pitchFamily="18" charset="0"/>
-                            </a:rPr>
-                          </m:ctrlPr>
-                        </m:dPr>
-                        <m:e>
-                          <m:r>
-                            <m:rPr>
-                              <m:sty m:val="p"/>
-                            </m:rPr>
-                            <a:rPr lang="en-US" sz="2000">
-                              <a:solidFill>
-                                <a:srgbClr val="404040"/>
-                              </a:solidFill>
-                              <a:latin typeface="Cambria Math" panose="02040503050406030204" pitchFamily="18" charset="0"/>
-                            </a:rPr>
-                            <m:t>Exactly</m:t>
-                          </m:r>
-                          <m:r>
-                            <a:rPr lang="en-US" sz="2000">
-                              <a:solidFill>
-                                <a:srgbClr val="404040"/>
-                              </a:solidFill>
-                              <a:latin typeface="Cambria Math" panose="02040503050406030204" pitchFamily="18" charset="0"/>
-                            </a:rPr>
-                            <m:t> 3 </m:t>
-                          </m:r>
-                          <m:r>
-                            <m:rPr>
-                              <m:sty m:val="p"/>
-                            </m:rPr>
-                            <a:rPr lang="en-US" sz="2000">
-                              <a:solidFill>
-                                <a:srgbClr val="404040"/>
-                              </a:solidFill>
-                              <a:latin typeface="Cambria Math" panose="02040503050406030204" pitchFamily="18" charset="0"/>
-                            </a:rPr>
-                            <m:t>Heads</m:t>
-                          </m:r>
-                        </m:e>
-                      </m:d>
-                      <m:r>
-                        <a:rPr lang="en-US" sz="2000">
-                          <a:solidFill>
-                            <a:srgbClr val="404040"/>
-                          </a:solidFill>
-                          <a:latin typeface="Cambria Math" panose="02040503050406030204" pitchFamily="18" charset="0"/>
-                        </a:rPr>
-                        <m:t>=</m:t>
-                      </m:r>
-                      <m:r>
-                        <m:rPr>
-                          <m:sty m:val="p"/>
-                        </m:rPr>
-                        <a:rPr lang="en-US" sz="2000">
-                          <a:solidFill>
-                            <a:srgbClr val="404040"/>
-                          </a:solidFill>
-                          <a:latin typeface="Cambria Math" panose="02040503050406030204" pitchFamily="18" charset="0"/>
-                        </a:rPr>
-                        <m:t>P</m:t>
-                      </m:r>
-                      <m:d>
-                        <m:dPr>
-                          <m:ctrlPr>
-                            <a:rPr lang="en-US" sz="2000" i="1">
-                              <a:solidFill>
-                                <a:srgbClr val="404040"/>
-                              </a:solidFill>
-                              <a:latin typeface="Cambria Math" panose="02040503050406030204" pitchFamily="18" charset="0"/>
-                            </a:rPr>
-                          </m:ctrlPr>
-                        </m:dPr>
-                        <m:e>
-                          <m:r>
-                            <m:rPr>
-                              <m:sty m:val="p"/>
-                            </m:rPr>
-                            <a:rPr lang="en-US" sz="2000">
-                              <a:solidFill>
-                                <a:srgbClr val="404040"/>
-                              </a:solidFill>
-                              <a:latin typeface="Cambria Math" panose="02040503050406030204" pitchFamily="18" charset="0"/>
-                            </a:rPr>
-                            <m:t>A</m:t>
-                          </m:r>
-                        </m:e>
-                      </m:d>
-                      <m:r>
-                        <a:rPr lang="en-US" sz="2000">
-                          <a:solidFill>
-                            <a:srgbClr val="404040"/>
-                          </a:solidFill>
-                          <a:latin typeface="Cambria Math" panose="02040503050406030204" pitchFamily="18" charset="0"/>
-                        </a:rPr>
-                        <m:t>=</m:t>
-                      </m:r>
-                      <m:d>
-                        <m:dPr>
-                          <m:ctrlPr>
-                            <a:rPr lang="en-US" sz="2000" i="1">
-                              <a:solidFill>
-                                <a:srgbClr val="404040"/>
-                              </a:solidFill>
-                              <a:latin typeface="Cambria Math" panose="02040503050406030204" pitchFamily="18" charset="0"/>
-                            </a:rPr>
-                          </m:ctrlPr>
-                        </m:dPr>
-                        <m:e>
-                          <m:f>
-                            <m:fPr>
-                              <m:type m:val="noBar"/>
-                              <m:ctrlPr>
-                                <a:rPr lang="en-US" sz="2000" i="1">
-                                  <a:solidFill>
-                                    <a:srgbClr val="404040"/>
-                                  </a:solidFill>
-                                  <a:latin typeface="Cambria Math" panose="02040503050406030204" pitchFamily="18" charset="0"/>
-                                </a:rPr>
-                              </m:ctrlPr>
-                            </m:fPr>
-                            <m:num>
-                              <m:r>
-                                <a:rPr lang="en-US" sz="2000" i="1">
-                                  <a:solidFill>
-                                    <a:srgbClr val="404040"/>
-                                  </a:solidFill>
-                                  <a:latin typeface="Cambria Math" panose="02040503050406030204" pitchFamily="18" charset="0"/>
-                                </a:rPr>
-                                <m:t>6</m:t>
-                              </m:r>
-                            </m:num>
-                            <m:den>
-                              <m:r>
-                                <a:rPr lang="en-US" sz="2000" i="1">
-                                  <a:solidFill>
-                                    <a:srgbClr val="404040"/>
-                                  </a:solidFill>
-                                  <a:latin typeface="Cambria Math" panose="02040503050406030204" pitchFamily="18" charset="0"/>
-                                </a:rPr>
-                                <m:t>3</m:t>
-                              </m:r>
-                            </m:den>
-                          </m:f>
-                        </m:e>
-                      </m:d>
-                      <m:sSup>
-                        <m:sSupPr>
-                          <m:ctrlPr>
-                            <a:rPr lang="en-US" sz="2000" i="1">
-                              <a:solidFill>
-                                <a:srgbClr val="404040"/>
-                              </a:solidFill>
-                              <a:latin typeface="Cambria Math" panose="02040503050406030204" pitchFamily="18" charset="0"/>
-                            </a:rPr>
-                          </m:ctrlPr>
-                        </m:sSupPr>
-                        <m:e>
-                          <m:r>
-                            <a:rPr lang="en-US" sz="2000" i="1">
-                              <a:solidFill>
-                                <a:srgbClr val="404040"/>
-                              </a:solidFill>
-                              <a:latin typeface="Cambria Math" panose="02040503050406030204" pitchFamily="18" charset="0"/>
-                            </a:rPr>
-                            <m:t>𝑝</m:t>
-                          </m:r>
-                        </m:e>
-                        <m:sup>
-                          <m:r>
-                            <a:rPr lang="en-US" sz="2000" i="1">
-                              <a:solidFill>
-                                <a:srgbClr val="404040"/>
-                              </a:solidFill>
-                              <a:latin typeface="Cambria Math" panose="02040503050406030204" pitchFamily="18" charset="0"/>
-                            </a:rPr>
-                            <m:t>3</m:t>
-                          </m:r>
-                        </m:sup>
-                      </m:sSup>
-                      <m:sSup>
-                        <m:sSupPr>
-                          <m:ctrlPr>
-                            <a:rPr lang="en-US" sz="2000" i="1">
-                              <a:solidFill>
-                                <a:srgbClr val="404040"/>
-                              </a:solidFill>
-                              <a:latin typeface="Cambria Math" panose="02040503050406030204" pitchFamily="18" charset="0"/>
-                            </a:rPr>
-                          </m:ctrlPr>
-                        </m:sSupPr>
-                        <m:e>
-                          <m:d>
-                            <m:dPr>
-                              <m:ctrlPr>
-                                <a:rPr lang="en-US" sz="2000" i="1">
-                                  <a:solidFill>
-                                    <a:srgbClr val="404040"/>
-                                  </a:solidFill>
-                                  <a:latin typeface="Cambria Math" panose="02040503050406030204" pitchFamily="18" charset="0"/>
-                                </a:rPr>
-                              </m:ctrlPr>
-                            </m:dPr>
-                            <m:e>
-                              <m:r>
-                                <a:rPr lang="en-US" sz="2000" i="1">
-                                  <a:solidFill>
-                                    <a:srgbClr val="404040"/>
-                                  </a:solidFill>
-                                  <a:latin typeface="Cambria Math" panose="02040503050406030204" pitchFamily="18" charset="0"/>
-                                </a:rPr>
-                                <m:t>1−</m:t>
-                              </m:r>
-                              <m:r>
-                                <a:rPr lang="en-US" sz="2000" i="1">
-                                  <a:solidFill>
-                                    <a:srgbClr val="404040"/>
-                                  </a:solidFill>
-                                  <a:latin typeface="Cambria Math" panose="02040503050406030204" pitchFamily="18" charset="0"/>
-                                </a:rPr>
-                                <m:t>𝑝</m:t>
-                              </m:r>
-                            </m:e>
-                          </m:d>
-                        </m:e>
-                        <m:sup>
-                          <m:r>
-                            <a:rPr lang="en-US" sz="2000" i="1">
-                              <a:solidFill>
-                                <a:srgbClr val="404040"/>
-                              </a:solidFill>
-                              <a:latin typeface="Cambria Math" panose="02040503050406030204" pitchFamily="18" charset="0"/>
-                            </a:rPr>
-                            <m:t>3</m:t>
-                          </m:r>
-                        </m:sup>
-                      </m:sSup>
-                    </m:oMath>
-                  </m:oMathPara>
-                </a14:m>
-                <a:endParaRPr lang="en-US" sz="2000" dirty="0">
-                  <a:solidFill>
-                    <a:srgbClr val="404040"/>
-                  </a:solidFill>
-                  <a:latin typeface="Corbel" panose="020B0503020204020204" pitchFamily="34" charset="0"/>
-                </a:endParaRPr>
-              </a:p>
-            </p:txBody>
-          </p:sp>
-        </mc:Choice>
-        <mc:Fallback xmlns="">
-          <p:sp>
-            <p:nvSpPr>
-              <p:cNvPr id="23" name="TextBox 22">
-                <a:extLst>
-                  <a:ext uri="{FF2B5EF4-FFF2-40B4-BE49-F238E27FC236}">
-                    <a16:creationId xmlns:a16="http://schemas.microsoft.com/office/drawing/2014/main" id="{0BBE8E57-441A-4EB3-A4EE-EB55F0A0CCB7}"/>
-                  </a:ext>
-                </a:extLst>
-              </p:cNvPr>
-              <p:cNvSpPr txBox="1">
-                <a:spLocks noRot="1" noChangeAspect="1" noMove="1" noResize="1" noEditPoints="1" noAdjustHandles="1" noChangeArrowheads="1" noChangeShapeType="1" noTextEdit="1"/>
-              </p:cNvSpPr>
-              <p:nvPr/>
-            </p:nvSpPr>
-            <p:spPr>
-              <a:xfrm>
-                <a:off x="161735" y="2203866"/>
-                <a:ext cx="6897206" cy="783869"/>
-              </a:xfrm>
-              <a:prstGeom prst="rect">
-                <a:avLst/>
-              </a:prstGeom>
-              <a:blipFill>
-                <a:blip r:embed="rId8"/>
-                <a:stretch>
-                  <a:fillRect/>
-                </a:stretch>
-              </a:blipFill>
-            </p:spPr>
-            <p:txBody>
-              <a:bodyPr/>
-              <a:lstStyle/>
-              <a:p>
-                <a:r>
-                  <a:rPr lang="en-US">
-                    <a:noFill/>
-                  </a:rPr>
-                  <a:t> </a:t>
-                </a:r>
-              </a:p>
-            </p:txBody>
-          </p:sp>
-        </mc:Fallback>
-      </mc:AlternateContent>
-      <mc:AlternateContent xmlns:mc="http://schemas.openxmlformats.org/markup-compatibility/2006" xmlns:a14="http://schemas.microsoft.com/office/drawing/2010/main">
-        <mc:Choice Requires="a14">
-          <p:sp>
-            <p:nvSpPr>
-              <p:cNvPr id="31" name="TextBox 30">
-                <a:extLst>
-                  <a:ext uri="{FF2B5EF4-FFF2-40B4-BE49-F238E27FC236}">
-                    <a16:creationId xmlns:a16="http://schemas.microsoft.com/office/drawing/2014/main" id="{E9F02F8F-F0D2-4BBA-8BE6-11346D29A869}"/>
-                  </a:ext>
-                </a:extLst>
-              </p:cNvPr>
-              <p:cNvSpPr txBox="1"/>
-              <p:nvPr/>
-            </p:nvSpPr>
-            <p:spPr>
-              <a:xfrm>
-                <a:off x="-1360361" y="4986924"/>
-                <a:ext cx="6897206" cy="636585"/>
-              </a:xfrm>
-              <a:prstGeom prst="rect">
-                <a:avLst/>
-              </a:prstGeom>
-              <a:noFill/>
-            </p:spPr>
-            <p:txBody>
-              <a:bodyPr wrap="square" rtlCol="0">
-                <a:spAutoFit/>
-              </a:bodyPr>
-              <a:lstStyle/>
-              <a:p>
-                <a:pPr/>
-                <a14:m>
-                  <m:oMathPara xmlns:m="http://schemas.openxmlformats.org/officeDocument/2006/math">
-                    <m:oMathParaPr>
-                      <m:jc m:val="centerGroup"/>
-                    </m:oMathParaPr>
-                    <m:oMath xmlns:m="http://schemas.openxmlformats.org/officeDocument/2006/math">
-                      <m:d>
-                        <m:dPr>
-                          <m:ctrlPr>
-                            <a:rPr lang="en-US" sz="2000" i="1" smtClean="0">
-                              <a:solidFill>
-                                <a:srgbClr val="404040"/>
-                              </a:solidFill>
-                              <a:latin typeface="Cambria Math" panose="02040503050406030204" pitchFamily="18" charset="0"/>
-                            </a:rPr>
-                          </m:ctrlPr>
-                        </m:dPr>
-                        <m:e>
-                          <m:f>
-                            <m:fPr>
-                              <m:type m:val="noBar"/>
-                              <m:ctrlPr>
-                                <a:rPr lang="en-US" sz="2000" i="1">
-                                  <a:solidFill>
-                                    <a:srgbClr val="404040"/>
-                                  </a:solidFill>
-                                  <a:latin typeface="Cambria Math" panose="02040503050406030204" pitchFamily="18" charset="0"/>
-                                </a:rPr>
-                              </m:ctrlPr>
-                            </m:fPr>
-                            <m:num>
-                              <m:r>
-                                <a:rPr lang="en-US" sz="2000" b="0" i="1" smtClean="0">
-                                  <a:solidFill>
-                                    <a:srgbClr val="404040"/>
-                                  </a:solidFill>
-                                  <a:latin typeface="Cambria Math" panose="02040503050406030204" pitchFamily="18" charset="0"/>
-                                </a:rPr>
-                                <m:t>𝑛</m:t>
-                              </m:r>
-                            </m:num>
-                            <m:den>
-                              <m:r>
-                                <a:rPr lang="en-US" sz="2000" b="0" i="1" smtClean="0">
-                                  <a:solidFill>
-                                    <a:srgbClr val="404040"/>
-                                  </a:solidFill>
-                                  <a:latin typeface="Cambria Math" panose="02040503050406030204" pitchFamily="18" charset="0"/>
-                                </a:rPr>
-                                <m:t>𝑘</m:t>
-                              </m:r>
-                            </m:den>
-                          </m:f>
-                        </m:e>
-                      </m:d>
-                      <m:sSup>
-                        <m:sSupPr>
-                          <m:ctrlPr>
-                            <a:rPr lang="en-US" sz="2000" i="1">
-                              <a:solidFill>
-                                <a:srgbClr val="404040"/>
-                              </a:solidFill>
-                              <a:latin typeface="Cambria Math" panose="02040503050406030204" pitchFamily="18" charset="0"/>
-                            </a:rPr>
-                          </m:ctrlPr>
-                        </m:sSupPr>
-                        <m:e>
-                          <m:r>
-                            <a:rPr lang="en-US" sz="2000" i="1">
-                              <a:solidFill>
-                                <a:srgbClr val="404040"/>
-                              </a:solidFill>
-                              <a:latin typeface="Cambria Math" panose="02040503050406030204" pitchFamily="18" charset="0"/>
-                            </a:rPr>
-                            <m:t>𝑝</m:t>
-                          </m:r>
-                        </m:e>
-                        <m:sup>
-                          <m:r>
-                            <a:rPr lang="en-US" sz="2000" b="0" i="1" smtClean="0">
-                              <a:solidFill>
-                                <a:srgbClr val="404040"/>
-                              </a:solidFill>
-                              <a:latin typeface="Cambria Math" panose="02040503050406030204" pitchFamily="18" charset="0"/>
-                            </a:rPr>
-                            <m:t>𝑛</m:t>
-                          </m:r>
-                        </m:sup>
-                      </m:sSup>
-                      <m:sSup>
-                        <m:sSupPr>
-                          <m:ctrlPr>
-                            <a:rPr lang="en-US" sz="2000" i="1">
-                              <a:solidFill>
-                                <a:srgbClr val="404040"/>
-                              </a:solidFill>
-                              <a:latin typeface="Cambria Math" panose="02040503050406030204" pitchFamily="18" charset="0"/>
-                            </a:rPr>
-                          </m:ctrlPr>
-                        </m:sSupPr>
-                        <m:e>
-                          <m:d>
-                            <m:dPr>
-                              <m:ctrlPr>
-                                <a:rPr lang="en-US" sz="2000" i="1">
-                                  <a:solidFill>
-                                    <a:srgbClr val="404040"/>
-                                  </a:solidFill>
-                                  <a:latin typeface="Cambria Math" panose="02040503050406030204" pitchFamily="18" charset="0"/>
-                                </a:rPr>
-                              </m:ctrlPr>
-                            </m:dPr>
-                            <m:e>
-                              <m:r>
-                                <a:rPr lang="en-US" sz="2000" i="1">
-                                  <a:solidFill>
-                                    <a:srgbClr val="404040"/>
-                                  </a:solidFill>
-                                  <a:latin typeface="Cambria Math" panose="02040503050406030204" pitchFamily="18" charset="0"/>
-                                </a:rPr>
-                                <m:t>1−</m:t>
-                              </m:r>
-                              <m:r>
-                                <a:rPr lang="en-US" sz="2000" i="1">
-                                  <a:solidFill>
-                                    <a:srgbClr val="404040"/>
-                                  </a:solidFill>
-                                  <a:latin typeface="Cambria Math" panose="02040503050406030204" pitchFamily="18" charset="0"/>
-                                </a:rPr>
-                                <m:t>𝑝</m:t>
-                              </m:r>
-                            </m:e>
-                          </m:d>
-                        </m:e>
-                        <m:sup>
-                          <m:r>
-                            <a:rPr lang="en-US" sz="2000" b="0" i="1" smtClean="0">
-                              <a:solidFill>
-                                <a:srgbClr val="404040"/>
-                              </a:solidFill>
-                              <a:latin typeface="Cambria Math" panose="02040503050406030204" pitchFamily="18" charset="0"/>
-                            </a:rPr>
-                            <m:t>𝑛</m:t>
-                          </m:r>
-                          <m:r>
-                            <a:rPr lang="en-US" sz="2000" b="0" i="1" smtClean="0">
-                              <a:solidFill>
-                                <a:srgbClr val="404040"/>
-                              </a:solidFill>
-                              <a:latin typeface="Cambria Math" panose="02040503050406030204" pitchFamily="18" charset="0"/>
-                            </a:rPr>
-                            <m:t>−</m:t>
-                          </m:r>
-                          <m:r>
-                            <a:rPr lang="en-US" sz="2000" b="0" i="1" smtClean="0">
-                              <a:solidFill>
-                                <a:srgbClr val="404040"/>
-                              </a:solidFill>
-                              <a:latin typeface="Cambria Math" panose="02040503050406030204" pitchFamily="18" charset="0"/>
-                            </a:rPr>
-                            <m:t>𝑘</m:t>
-                          </m:r>
-                        </m:sup>
-                      </m:sSup>
-                    </m:oMath>
-                  </m:oMathPara>
-                </a14:m>
-                <a:endParaRPr lang="en-US" sz="2000" dirty="0">
-                  <a:solidFill>
-                    <a:srgbClr val="404040"/>
-                  </a:solidFill>
-                  <a:latin typeface="Corbel" panose="020B0503020204020204" pitchFamily="34" charset="0"/>
-                </a:endParaRPr>
-              </a:p>
-            </p:txBody>
-          </p:sp>
-        </mc:Choice>
-        <mc:Fallback xmlns="">
-          <p:sp>
-            <p:nvSpPr>
-              <p:cNvPr id="31" name="TextBox 30">
-                <a:extLst>
-                  <a:ext uri="{FF2B5EF4-FFF2-40B4-BE49-F238E27FC236}">
-                    <a16:creationId xmlns:a16="http://schemas.microsoft.com/office/drawing/2014/main" id="{E9F02F8F-F0D2-4BBA-8BE6-11346D29A869}"/>
-                  </a:ext>
-                </a:extLst>
-              </p:cNvPr>
-              <p:cNvSpPr txBox="1">
-                <a:spLocks noRot="1" noChangeAspect="1" noMove="1" noResize="1" noEditPoints="1" noAdjustHandles="1" noChangeArrowheads="1" noChangeShapeType="1" noTextEdit="1"/>
-              </p:cNvSpPr>
-              <p:nvPr/>
-            </p:nvSpPr>
-            <p:spPr>
-              <a:xfrm>
-                <a:off x="-1360361" y="4986924"/>
-                <a:ext cx="6897206" cy="636585"/>
-              </a:xfrm>
-              <a:prstGeom prst="rect">
-                <a:avLst/>
-              </a:prstGeom>
-              <a:blipFill>
-                <a:blip r:embed="rId9"/>
-                <a:stretch>
-                  <a:fillRect/>
-                </a:stretch>
-              </a:blipFill>
-            </p:spPr>
-            <p:txBody>
-              <a:bodyPr/>
-              <a:lstStyle/>
-              <a:p>
-                <a:r>
-                  <a:rPr lang="en-US">
-                    <a:noFill/>
-                  </a:rPr>
-                  <a:t> </a:t>
-                </a:r>
-              </a:p>
-            </p:txBody>
-          </p:sp>
-        </mc:Fallback>
-      </mc:AlternateContent>
-    </p:spTree>
-    <p:extLst>
-      <p:ext uri="{BB962C8B-B14F-4D97-AF65-F5344CB8AC3E}">
-        <p14:creationId xmlns:p14="http://schemas.microsoft.com/office/powerpoint/2010/main" val="3777454891"/>
-      </p:ext>
-    </p:extLst>
-  </p:cSld>
-  <p:clrMapOvr>
-    <a:masterClrMapping/>
-  </p:clrMapOvr>
-</p:sld>
-</file>
-
-<file path=ppt/slides/slide6.xml><?xml version="1.0" encoding="utf-8"?>
-<p:sld xmlns:a="http://schemas.openxmlformats.org/drawingml/2006/main" xmlns:r="http://schemas.openxmlformats.org/officeDocument/2006/relationships" xmlns:p="http://schemas.openxmlformats.org/presentationml/2006/main">
-  <p:cSld>
-    <p:spTree>
-      <p:nvGrpSpPr>
-        <p:cNvPr id="1" name=""/>
-        <p:cNvGrpSpPr/>
-        <p:nvPr/>
-      </p:nvGrpSpPr>
-      <p:grpSpPr>
-        <a:xfrm>
-          <a:off x="0" y="0"/>
-          <a:ext cx="0" cy="0"/>
-          <a:chOff x="0" y="0"/>
-          <a:chExt cx="0" cy="0"/>
-        </a:xfrm>
-      </p:grpSpPr>
       <p:sp>
         <p:nvSpPr>
           <p:cNvPr id="36" name="TextBox 35">
@@ -33494,7 +29235,7 @@
 </p:sld>
 </file>
 
-<file path=ppt/slides/slide7.xml><?xml version="1.0" encoding="utf-8"?>
+<file path=ppt/slides/slide6.xml><?xml version="1.0" encoding="utf-8"?>
 <p:sld xmlns:a="http://schemas.openxmlformats.org/drawingml/2006/main" xmlns:r="http://schemas.openxmlformats.org/officeDocument/2006/relationships" xmlns:p="http://schemas.openxmlformats.org/presentationml/2006/main">
   <p:cSld>
     <p:spTree>
@@ -34860,7 +30601,7 @@
 </p:sld>
 </file>
 
-<file path=ppt/slides/slide8.xml><?xml version="1.0" encoding="utf-8"?>
+<file path=ppt/slides/slide7.xml><?xml version="1.0" encoding="utf-8"?>
 <p:sld xmlns:a="http://schemas.openxmlformats.org/drawingml/2006/main" xmlns:r="http://schemas.openxmlformats.org/officeDocument/2006/relationships" xmlns:p="http://schemas.openxmlformats.org/presentationml/2006/main">
   <p:cSld>
     <p:spTree>
@@ -37457,7 +33198,7 @@
 </p:sld>
 </file>
 
-<file path=ppt/slides/slide9.xml><?xml version="1.0" encoding="utf-8"?>
+<file path=ppt/slides/slide8.xml><?xml version="1.0" encoding="utf-8"?>
 <p:sld xmlns:a="http://schemas.openxmlformats.org/drawingml/2006/main" xmlns:r="http://schemas.openxmlformats.org/officeDocument/2006/relationships" xmlns:p="http://schemas.openxmlformats.org/presentationml/2006/main">
   <p:cSld>
     <p:spTree>
@@ -38821,6 +34562,2166 @@
     <p:extLst>
       <p:ext uri="{BB962C8B-B14F-4D97-AF65-F5344CB8AC3E}">
         <p14:creationId xmlns:p14="http://schemas.microsoft.com/office/powerpoint/2010/main" val="3349173743"/>
+      </p:ext>
+    </p:extLst>
+  </p:cSld>
+  <p:clrMapOvr>
+    <a:masterClrMapping/>
+  </p:clrMapOvr>
+</p:sld>
+</file>
+
+<file path=ppt/slides/slide9.xml><?xml version="1.0" encoding="utf-8"?>
+<p:sld xmlns:a="http://schemas.openxmlformats.org/drawingml/2006/main" xmlns:r="http://schemas.openxmlformats.org/officeDocument/2006/relationships" xmlns:p="http://schemas.openxmlformats.org/presentationml/2006/main">
+  <p:cSld>
+    <p:spTree>
+      <p:nvGrpSpPr>
+        <p:cNvPr id="1" name=""/>
+        <p:cNvGrpSpPr/>
+        <p:nvPr/>
+      </p:nvGrpSpPr>
+      <p:grpSpPr>
+        <a:xfrm>
+          <a:off x="0" y="0"/>
+          <a:ext cx="0" cy="0"/>
+          <a:chOff x="0" y="0"/>
+          <a:chExt cx="0" cy="0"/>
+        </a:xfrm>
+      </p:grpSpPr>
+      <mc:AlternateContent xmlns:mc="http://schemas.openxmlformats.org/markup-compatibility/2006" xmlns:a14="http://schemas.microsoft.com/office/drawing/2010/main">
+        <mc:Choice Requires="a14">
+          <p:sp>
+            <p:nvSpPr>
+              <p:cNvPr id="36" name="TextBox 35">
+                <a:extLst>
+                  <a:ext uri="{FF2B5EF4-FFF2-40B4-BE49-F238E27FC236}">
+                    <a16:creationId xmlns:a16="http://schemas.microsoft.com/office/drawing/2014/main" id="{389720C5-6DCB-428D-8C4F-A02DEC239333}"/>
+                  </a:ext>
+                </a:extLst>
+              </p:cNvPr>
+              <p:cNvSpPr txBox="1"/>
+              <p:nvPr/>
+            </p:nvSpPr>
+            <p:spPr>
+              <a:xfrm>
+                <a:off x="773935" y="1947592"/>
+                <a:ext cx="9018070" cy="5016758"/>
+              </a:xfrm>
+              <a:prstGeom prst="rect">
+                <a:avLst/>
+              </a:prstGeom>
+              <a:noFill/>
+            </p:spPr>
+            <p:txBody>
+              <a:bodyPr wrap="square" rtlCol="0">
+                <a:spAutoFit/>
+              </a:bodyPr>
+              <a:lstStyle/>
+              <a:p>
+                <a:pPr marL="285750" indent="-285750">
+                  <a:buFont typeface="Arial" panose="020B0604020202020204" pitchFamily="34" charset="0"/>
+                  <a:buChar char="•"/>
+                </a:pPr>
+                <a:r>
+                  <a:rPr lang="en-US" sz="2000" dirty="0">
+                    <a:solidFill>
+                      <a:srgbClr val="404040"/>
+                    </a:solidFill>
+                    <a:latin typeface="Corbel" panose="020B0503020204020204" pitchFamily="34" charset="0"/>
+                  </a:rPr>
+                  <a:t>Recall the formula for conditional probability</a:t>
+                </a:r>
+              </a:p>
+              <a:p>
+                <a:pPr marL="285750" indent="-285750">
+                  <a:buFont typeface="Arial" panose="020B0604020202020204" pitchFamily="34" charset="0"/>
+                  <a:buChar char="•"/>
+                </a:pPr>
+                <a:endParaRPr lang="en-US" sz="2000" dirty="0">
+                  <a:solidFill>
+                    <a:srgbClr val="404040"/>
+                  </a:solidFill>
+                  <a:latin typeface="Corbel" panose="020B0503020204020204" pitchFamily="34" charset="0"/>
+                </a:endParaRPr>
+              </a:p>
+              <a:p>
+                <a:pPr marL="285750" indent="-285750">
+                  <a:buFont typeface="Arial" panose="020B0604020202020204" pitchFamily="34" charset="0"/>
+                  <a:buChar char="•"/>
+                </a:pPr>
+                <a:endParaRPr lang="en-US" sz="2000" dirty="0">
+                  <a:solidFill>
+                    <a:srgbClr val="404040"/>
+                  </a:solidFill>
+                  <a:latin typeface="Corbel" panose="020B0503020204020204" pitchFamily="34" charset="0"/>
+                </a:endParaRPr>
+              </a:p>
+              <a:p>
+                <a:pPr marL="285750" indent="-285750">
+                  <a:buFont typeface="Arial" panose="020B0604020202020204" pitchFamily="34" charset="0"/>
+                  <a:buChar char="•"/>
+                </a:pPr>
+                <a:endParaRPr lang="en-US" sz="2000" dirty="0">
+                  <a:solidFill>
+                    <a:srgbClr val="404040"/>
+                  </a:solidFill>
+                  <a:latin typeface="Corbel" panose="020B0503020204020204" pitchFamily="34" charset="0"/>
+                </a:endParaRPr>
+              </a:p>
+              <a:p>
+                <a:pPr marL="285750" indent="-285750">
+                  <a:buFont typeface="Arial" panose="020B0604020202020204" pitchFamily="34" charset="0"/>
+                  <a:buChar char="•"/>
+                </a:pPr>
+                <a:r>
+                  <a:rPr lang="en-US" sz="2000" dirty="0">
+                    <a:solidFill>
+                      <a:srgbClr val="404040"/>
+                    </a:solidFill>
+                    <a:latin typeface="Corbel" panose="020B0503020204020204" pitchFamily="34" charset="0"/>
+                  </a:rPr>
+                  <a:t>Based off this formula,</a:t>
+                </a:r>
+              </a:p>
+              <a:p>
+                <a:pPr marL="285750" indent="-285750">
+                  <a:buFont typeface="Arial" panose="020B0604020202020204" pitchFamily="34" charset="0"/>
+                  <a:buChar char="•"/>
+                </a:pPr>
+                <a:endParaRPr lang="en-US" sz="2000" dirty="0">
+                  <a:solidFill>
+                    <a:srgbClr val="404040"/>
+                  </a:solidFill>
+                  <a:latin typeface="Corbel" panose="020B0503020204020204" pitchFamily="34" charset="0"/>
+                </a:endParaRPr>
+              </a:p>
+              <a:p>
+                <a:pPr marL="285750" indent="-285750">
+                  <a:buFont typeface="Arial" panose="020B0604020202020204" pitchFamily="34" charset="0"/>
+                  <a:buChar char="•"/>
+                </a:pPr>
+                <a:endParaRPr lang="en-US" sz="2000" dirty="0">
+                  <a:solidFill>
+                    <a:srgbClr val="404040"/>
+                  </a:solidFill>
+                  <a:latin typeface="Corbel" panose="020B0503020204020204" pitchFamily="34" charset="0"/>
+                </a:endParaRPr>
+              </a:p>
+              <a:p>
+                <a:pPr marL="285750" indent="-285750">
+                  <a:buFont typeface="Arial" panose="020B0604020202020204" pitchFamily="34" charset="0"/>
+                  <a:buChar char="•"/>
+                </a:pPr>
+                <a:endParaRPr lang="en-US" sz="2000" dirty="0">
+                  <a:solidFill>
+                    <a:srgbClr val="404040"/>
+                  </a:solidFill>
+                  <a:latin typeface="Corbel" panose="020B0503020204020204" pitchFamily="34" charset="0"/>
+                </a:endParaRPr>
+              </a:p>
+              <a:p>
+                <a:pPr marL="285750" indent="-285750">
+                  <a:buFont typeface="Arial" panose="020B0604020202020204" pitchFamily="34" charset="0"/>
+                  <a:buChar char="•"/>
+                </a:pPr>
+                <a:r>
+                  <a:rPr lang="en-US" sz="2000" dirty="0">
+                    <a:solidFill>
+                      <a:srgbClr val="404040"/>
+                    </a:solidFill>
+                    <a:latin typeface="Corbel" panose="020B0503020204020204" pitchFamily="34" charset="0"/>
+                  </a:rPr>
+                  <a:t>With simple substitution,</a:t>
+                </a:r>
+              </a:p>
+              <a:p>
+                <a:pPr marL="285750" indent="-285750">
+                  <a:buFont typeface="Arial" panose="020B0604020202020204" pitchFamily="34" charset="0"/>
+                  <a:buChar char="•"/>
+                </a:pPr>
+                <a:endParaRPr lang="en-US" sz="2000" dirty="0">
+                  <a:solidFill>
+                    <a:srgbClr val="404040"/>
+                  </a:solidFill>
+                  <a:latin typeface="Corbel" panose="020B0503020204020204" pitchFamily="34" charset="0"/>
+                </a:endParaRPr>
+              </a:p>
+              <a:p>
+                <a:pPr marL="285750" indent="-285750">
+                  <a:buFont typeface="Arial" panose="020B0604020202020204" pitchFamily="34" charset="0"/>
+                  <a:buChar char="•"/>
+                </a:pPr>
+                <a:endParaRPr lang="en-US" sz="2000" dirty="0">
+                  <a:solidFill>
+                    <a:srgbClr val="404040"/>
+                  </a:solidFill>
+                  <a:latin typeface="Corbel" panose="020B0503020204020204" pitchFamily="34" charset="0"/>
+                </a:endParaRPr>
+              </a:p>
+              <a:p>
+                <a:pPr marL="285750" indent="-285750">
+                  <a:buFont typeface="Arial" panose="020B0604020202020204" pitchFamily="34" charset="0"/>
+                  <a:buChar char="•"/>
+                </a:pPr>
+                <a:endParaRPr lang="en-US" sz="2000" dirty="0">
+                  <a:solidFill>
+                    <a:srgbClr val="404040"/>
+                  </a:solidFill>
+                  <a:latin typeface="Corbel" panose="020B0503020204020204" pitchFamily="34" charset="0"/>
+                </a:endParaRPr>
+              </a:p>
+              <a:p>
+                <a:pPr marL="285750" indent="-285750">
+                  <a:buFont typeface="Arial" panose="020B0604020202020204" pitchFamily="34" charset="0"/>
+                  <a:buChar char="•"/>
+                </a:pPr>
+                <a:r>
+                  <a:rPr lang="en-US" sz="2000" dirty="0">
+                    <a:solidFill>
+                      <a:srgbClr val="404040"/>
+                    </a:solidFill>
+                    <a:latin typeface="Corbel" panose="020B0503020204020204" pitchFamily="34" charset="0"/>
+                  </a:rPr>
+                  <a:t>Since there are two events, </a:t>
+                </a:r>
+                <a14:m>
+                  <m:oMath xmlns:m="http://schemas.openxmlformats.org/officeDocument/2006/math">
+                    <m:r>
+                      <a:rPr lang="en-US" sz="2000" i="1">
+                        <a:latin typeface="Cambria Math" panose="02040503050406030204" pitchFamily="18" charset="0"/>
+                      </a:rPr>
+                      <m:t>𝑃</m:t>
+                    </m:r>
+                    <m:d>
+                      <m:dPr>
+                        <m:ctrlPr>
+                          <a:rPr lang="en-US" sz="2000" i="1">
+                            <a:latin typeface="Cambria Math" panose="02040503050406030204" pitchFamily="18" charset="0"/>
+                          </a:rPr>
+                        </m:ctrlPr>
+                      </m:dPr>
+                      <m:e>
+                        <m:r>
+                          <a:rPr lang="en-US" sz="2000" i="1">
+                            <a:latin typeface="Cambria Math" panose="02040503050406030204" pitchFamily="18" charset="0"/>
+                          </a:rPr>
+                          <m:t>𝑌</m:t>
+                        </m:r>
+                      </m:e>
+                    </m:d>
+                    <m:r>
+                      <a:rPr lang="en-US" sz="2000" b="0" i="0" smtClean="0">
+                        <a:latin typeface="Cambria Math" panose="02040503050406030204" pitchFamily="18" charset="0"/>
+                      </a:rPr>
+                      <m:t>=</m:t>
+                    </m:r>
+                    <m:r>
+                      <m:rPr>
+                        <m:sty m:val="p"/>
+                      </m:rPr>
+                      <a:rPr lang="en-US" sz="2000" b="0" i="0" smtClean="0">
+                        <a:latin typeface="Cambria Math" panose="02040503050406030204" pitchFamily="18" charset="0"/>
+                      </a:rPr>
+                      <m:t>P</m:t>
+                    </m:r>
+                    <m:r>
+                      <a:rPr lang="en-US" sz="2000" b="0" i="0" smtClean="0">
+                        <a:latin typeface="Cambria Math" panose="02040503050406030204" pitchFamily="18" charset="0"/>
+                      </a:rPr>
+                      <m:t>(</m:t>
+                    </m:r>
+                    <m:r>
+                      <m:rPr>
+                        <m:sty m:val="p"/>
+                      </m:rPr>
+                      <a:rPr lang="en-US" sz="2000" b="0" i="0" smtClean="0">
+                        <a:latin typeface="Cambria Math" panose="02040503050406030204" pitchFamily="18" charset="0"/>
+                      </a:rPr>
+                      <m:t>Y</m:t>
+                    </m:r>
+                    <m:r>
+                      <a:rPr lang="en-US" sz="2000" b="0" i="1" smtClean="0">
+                        <a:latin typeface="Cambria Math" panose="02040503050406030204" pitchFamily="18" charset="0"/>
+                      </a:rPr>
+                      <m:t>∩</m:t>
+                    </m:r>
+                    <m:r>
+                      <a:rPr lang="en-US" sz="2000" b="0" i="1" smtClean="0">
+                        <a:latin typeface="Cambria Math" panose="02040503050406030204" pitchFamily="18" charset="0"/>
+                      </a:rPr>
+                      <m:t>𝑋</m:t>
+                    </m:r>
+                    <m:r>
+                      <a:rPr lang="en-US" sz="2000" b="0" i="1" smtClean="0">
+                        <a:latin typeface="Cambria Math" panose="02040503050406030204" pitchFamily="18" charset="0"/>
+                      </a:rPr>
+                      <m:t>)</m:t>
+                    </m:r>
+                    <m:r>
+                      <a:rPr lang="en-US" sz="2000" b="0" i="0" smtClean="0">
+                        <a:latin typeface="Cambria Math" panose="02040503050406030204" pitchFamily="18" charset="0"/>
+                      </a:rPr>
+                      <m:t>+</m:t>
+                    </m:r>
+                    <m:r>
+                      <m:rPr>
+                        <m:sty m:val="p"/>
+                      </m:rPr>
+                      <a:rPr lang="en-US" sz="2000" b="0" i="0" smtClean="0">
+                        <a:latin typeface="Cambria Math" panose="02040503050406030204" pitchFamily="18" charset="0"/>
+                      </a:rPr>
+                      <m:t>P</m:t>
+                    </m:r>
+                    <m:r>
+                      <a:rPr lang="en-US" sz="2000" b="0" i="0" smtClean="0">
+                        <a:latin typeface="Cambria Math" panose="02040503050406030204" pitchFamily="18" charset="0"/>
+                      </a:rPr>
+                      <m:t>(</m:t>
+                    </m:r>
+                    <m:r>
+                      <m:rPr>
+                        <m:sty m:val="p"/>
+                      </m:rPr>
+                      <a:rPr lang="en-US" sz="2000" b="0" i="0" smtClean="0">
+                        <a:latin typeface="Cambria Math" panose="02040503050406030204" pitchFamily="18" charset="0"/>
+                      </a:rPr>
+                      <m:t>Y</m:t>
+                    </m:r>
+                    <m:r>
+                      <a:rPr lang="en-US" sz="2000" b="0" i="1" smtClean="0">
+                        <a:latin typeface="Cambria Math" panose="02040503050406030204" pitchFamily="18" charset="0"/>
+                      </a:rPr>
+                      <m:t>∩</m:t>
+                    </m:r>
+                    <m:sSup>
+                      <m:sSupPr>
+                        <m:ctrlPr>
+                          <a:rPr lang="en-US" sz="2000" b="0" i="1" smtClean="0">
+                            <a:latin typeface="Cambria Math" panose="02040503050406030204" pitchFamily="18" charset="0"/>
+                          </a:rPr>
+                        </m:ctrlPr>
+                      </m:sSupPr>
+                      <m:e>
+                        <m:r>
+                          <a:rPr lang="en-US" sz="2000" b="0" i="1" smtClean="0">
+                            <a:latin typeface="Cambria Math" panose="02040503050406030204" pitchFamily="18" charset="0"/>
+                          </a:rPr>
+                          <m:t>𝑋</m:t>
+                        </m:r>
+                      </m:e>
+                      <m:sup>
+                        <m:r>
+                          <a:rPr lang="en-US" sz="2000" b="0" i="1" smtClean="0">
+                            <a:latin typeface="Cambria Math" panose="02040503050406030204" pitchFamily="18" charset="0"/>
+                          </a:rPr>
+                          <m:t>𝑐</m:t>
+                        </m:r>
+                      </m:sup>
+                    </m:sSup>
+                    <m:r>
+                      <a:rPr lang="en-US" sz="2000" b="0" i="0" smtClean="0">
+                        <a:latin typeface="Cambria Math" panose="02040503050406030204" pitchFamily="18" charset="0"/>
+                      </a:rPr>
+                      <m:t>)</m:t>
+                    </m:r>
+                  </m:oMath>
+                </a14:m>
+                <a:endParaRPr lang="en-US" sz="2000" dirty="0">
+                  <a:solidFill>
+                    <a:srgbClr val="404040"/>
+                  </a:solidFill>
+                  <a:latin typeface="Corbel" panose="020B0503020204020204" pitchFamily="34" charset="0"/>
+                </a:endParaRPr>
+              </a:p>
+              <a:p>
+                <a:pPr marL="285750" indent="-285750">
+                  <a:buFont typeface="Arial" panose="020B0604020202020204" pitchFamily="34" charset="0"/>
+                  <a:buChar char="•"/>
+                </a:pPr>
+                <a:endParaRPr lang="en-US" sz="2000" dirty="0">
+                  <a:solidFill>
+                    <a:srgbClr val="404040"/>
+                  </a:solidFill>
+                  <a:latin typeface="Corbel" panose="020B0503020204020204" pitchFamily="34" charset="0"/>
+                </a:endParaRPr>
+              </a:p>
+              <a:p>
+                <a:pPr marL="285750" indent="-285750">
+                  <a:buFont typeface="Arial" panose="020B0604020202020204" pitchFamily="34" charset="0"/>
+                  <a:buChar char="•"/>
+                </a:pPr>
+                <a:r>
+                  <a:rPr lang="en-US" sz="2000" dirty="0">
+                    <a:solidFill>
+                      <a:srgbClr val="404040"/>
+                    </a:solidFill>
+                    <a:latin typeface="Corbel" panose="020B0503020204020204" pitchFamily="34" charset="0"/>
+                  </a:rPr>
+                  <a:t>This last fact comes from the two branches of a probability tree</a:t>
+                </a:r>
+              </a:p>
+              <a:p>
+                <a:pPr marL="742950" lvl="1" indent="-285750">
+                  <a:buFont typeface="Arial" panose="020B0604020202020204" pitchFamily="34" charset="0"/>
+                  <a:buChar char="•"/>
+                </a:pPr>
+                <a:endParaRPr lang="en-US" sz="2000" dirty="0">
+                  <a:solidFill>
+                    <a:srgbClr val="404040"/>
+                  </a:solidFill>
+                  <a:latin typeface="Corbel" panose="020B0503020204020204" pitchFamily="34" charset="0"/>
+                </a:endParaRPr>
+              </a:p>
+            </p:txBody>
+          </p:sp>
+        </mc:Choice>
+        <mc:Fallback xmlns="">
+          <p:sp>
+            <p:nvSpPr>
+              <p:cNvPr id="36" name="TextBox 35">
+                <a:extLst>
+                  <a:ext uri="{FF2B5EF4-FFF2-40B4-BE49-F238E27FC236}">
+                    <a16:creationId xmlns:a16="http://schemas.microsoft.com/office/drawing/2014/main" id="{389720C5-6DCB-428D-8C4F-A02DEC239333}"/>
+                  </a:ext>
+                </a:extLst>
+              </p:cNvPr>
+              <p:cNvSpPr txBox="1">
+                <a:spLocks noRot="1" noChangeAspect="1" noMove="1" noResize="1" noEditPoints="1" noAdjustHandles="1" noChangeArrowheads="1" noChangeShapeType="1" noTextEdit="1"/>
+              </p:cNvSpPr>
+              <p:nvPr/>
+            </p:nvSpPr>
+            <p:spPr>
+              <a:xfrm>
+                <a:off x="773935" y="1947592"/>
+                <a:ext cx="9018070" cy="5016758"/>
+              </a:xfrm>
+              <a:prstGeom prst="rect">
+                <a:avLst/>
+              </a:prstGeom>
+              <a:blipFill>
+                <a:blip r:embed="rId3"/>
+                <a:stretch>
+                  <a:fillRect l="-609" t="-608"/>
+                </a:stretch>
+              </a:blipFill>
+            </p:spPr>
+            <p:txBody>
+              <a:bodyPr/>
+              <a:lstStyle/>
+              <a:p>
+                <a:r>
+                  <a:rPr lang="en-US">
+                    <a:noFill/>
+                  </a:rPr>
+                  <a:t> </a:t>
+                </a:r>
+              </a:p>
+            </p:txBody>
+          </p:sp>
+        </mc:Fallback>
+      </mc:AlternateContent>
+      <p:sp>
+        <p:nvSpPr>
+          <p:cNvPr id="28" name="Rectangle 27">
+            <a:extLst>
+              <a:ext uri="{FF2B5EF4-FFF2-40B4-BE49-F238E27FC236}">
+                <a16:creationId xmlns:a16="http://schemas.microsoft.com/office/drawing/2014/main" id="{1568D3DA-67F7-464C-95FF-D7D56F4038D6}"/>
+              </a:ext>
+            </a:extLst>
+          </p:cNvPr>
+          <p:cNvSpPr/>
+          <p:nvPr/>
+        </p:nvSpPr>
+        <p:spPr>
+          <a:xfrm rot="19800000">
+            <a:off x="-597297" y="674901"/>
+            <a:ext cx="4026751" cy="269178"/>
+          </a:xfrm>
+          <a:prstGeom prst="rect">
+            <a:avLst/>
+          </a:prstGeom>
+          <a:solidFill>
+            <a:srgbClr val="A71B86"/>
+          </a:solidFill>
+          <a:ln>
+            <a:noFill/>
+          </a:ln>
+        </p:spPr>
+        <p:style>
+          <a:lnRef idx="2">
+            <a:schemeClr val="accent1">
+              <a:shade val="50000"/>
+            </a:schemeClr>
+          </a:lnRef>
+          <a:fillRef idx="1">
+            <a:schemeClr val="accent1"/>
+          </a:fillRef>
+          <a:effectRef idx="0">
+            <a:schemeClr val="accent1"/>
+          </a:effectRef>
+          <a:fontRef idx="minor">
+            <a:schemeClr val="lt1"/>
+          </a:fontRef>
+        </p:style>
+        <p:txBody>
+          <a:bodyPr rtlCol="0" anchor="ctr"/>
+          <a:lstStyle/>
+          <a:p>
+            <a:pPr algn="ctr"/>
+            <a:endParaRPr lang="en-US"/>
+          </a:p>
+        </p:txBody>
+      </p:sp>
+      <p:pic>
+        <p:nvPicPr>
+          <p:cNvPr id="11" name="Picture 10" descr="A large body of water&#10;&#10;Description automatically generated">
+            <a:extLst>
+              <a:ext uri="{FF2B5EF4-FFF2-40B4-BE49-F238E27FC236}">
+                <a16:creationId xmlns:a16="http://schemas.microsoft.com/office/drawing/2014/main" id="{B83B0471-BE25-41B4-B185-53BEB6528B89}"/>
+              </a:ext>
+            </a:extLst>
+          </p:cNvPr>
+          <p:cNvPicPr>
+            <a:picLocks noChangeAspect="1"/>
+          </p:cNvPicPr>
+          <p:nvPr/>
+        </p:nvPicPr>
+        <p:blipFill rotWithShape="1">
+          <a:blip r:embed="rId4">
+            <a:alphaModFix amt="20000"/>
+            <a:extLst>
+              <a:ext uri="{28A0092B-C50C-407E-A947-70E740481C1C}">
+                <a14:useLocalDpi xmlns:a14="http://schemas.microsoft.com/office/drawing/2010/main" val="0"/>
+              </a:ext>
+            </a:extLst>
+          </a:blip>
+          <a:srcRect t="34654" b="43573"/>
+          <a:stretch/>
+        </p:blipFill>
+        <p:spPr>
+          <a:xfrm>
+            <a:off x="766188" y="457321"/>
+            <a:ext cx="9018070" cy="1308226"/>
+          </a:xfrm>
+          <a:prstGeom prst="rect">
+            <a:avLst/>
+          </a:prstGeom>
+        </p:spPr>
+      </p:pic>
+      <p:sp>
+        <p:nvSpPr>
+          <p:cNvPr id="34" name="Rectangle 33">
+            <a:extLst>
+              <a:ext uri="{FF2B5EF4-FFF2-40B4-BE49-F238E27FC236}">
+                <a16:creationId xmlns:a16="http://schemas.microsoft.com/office/drawing/2014/main" id="{BFE7775A-1FAD-4E84-8B9E-DA4B39640B5E}"/>
+              </a:ext>
+            </a:extLst>
+          </p:cNvPr>
+          <p:cNvSpPr/>
+          <p:nvPr/>
+        </p:nvSpPr>
+        <p:spPr>
+          <a:xfrm rot="19800000">
+            <a:off x="9089102" y="5937184"/>
+            <a:ext cx="4026751" cy="269178"/>
+          </a:xfrm>
+          <a:prstGeom prst="rect">
+            <a:avLst/>
+          </a:prstGeom>
+          <a:solidFill>
+            <a:srgbClr val="A71B86"/>
+          </a:solidFill>
+          <a:ln>
+            <a:noFill/>
+          </a:ln>
+        </p:spPr>
+        <p:style>
+          <a:lnRef idx="2">
+            <a:schemeClr val="accent1">
+              <a:shade val="50000"/>
+            </a:schemeClr>
+          </a:lnRef>
+          <a:fillRef idx="1">
+            <a:schemeClr val="accent1"/>
+          </a:fillRef>
+          <a:effectRef idx="0">
+            <a:schemeClr val="accent1"/>
+          </a:effectRef>
+          <a:fontRef idx="minor">
+            <a:schemeClr val="lt1"/>
+          </a:fontRef>
+        </p:style>
+        <p:txBody>
+          <a:bodyPr rtlCol="0" anchor="ctr"/>
+          <a:lstStyle/>
+          <a:p>
+            <a:pPr algn="ctr"/>
+            <a:endParaRPr lang="en-US"/>
+          </a:p>
+        </p:txBody>
+      </p:sp>
+      <p:sp>
+        <p:nvSpPr>
+          <p:cNvPr id="2" name="Title 1">
+            <a:extLst>
+              <a:ext uri="{FF2B5EF4-FFF2-40B4-BE49-F238E27FC236}">
+                <a16:creationId xmlns:a16="http://schemas.microsoft.com/office/drawing/2014/main" id="{95D79E09-6E77-4F87-B358-F18D99FA343D}"/>
+              </a:ext>
+            </a:extLst>
+          </p:cNvPr>
+          <p:cNvSpPr>
+            <a:spLocks noGrp="1"/>
+          </p:cNvSpPr>
+          <p:nvPr>
+            <p:ph type="title"/>
+          </p:nvPr>
+        </p:nvSpPr>
+        <p:spPr>
+          <a:xfrm>
+            <a:off x="773934" y="425128"/>
+            <a:ext cx="9018070" cy="1325563"/>
+          </a:xfrm>
+          <a:noFill/>
+          <a:ln w="76200">
+            <a:solidFill>
+              <a:srgbClr val="11B29F"/>
+            </a:solidFill>
+          </a:ln>
+        </p:spPr>
+        <p:txBody>
+          <a:bodyPr/>
+          <a:lstStyle/>
+          <a:p>
+            <a:pPr algn="ctr"/>
+            <a:r>
+              <a:rPr lang="en-US" dirty="0">
+                <a:solidFill>
+                  <a:srgbClr val="404040"/>
+                </a:solidFill>
+                <a:latin typeface="Bodoni MT" panose="02070603080606020203" pitchFamily="18" charset="0"/>
+              </a:rPr>
+              <a:t>Bayesian Analysis</a:t>
+            </a:r>
+          </a:p>
+        </p:txBody>
+      </p:sp>
+      <p:pic>
+        <p:nvPicPr>
+          <p:cNvPr id="5" name="Content Placeholder 4" descr="A picture containing cage&#10;&#10;Description automatically generated">
+            <a:extLst>
+              <a:ext uri="{FF2B5EF4-FFF2-40B4-BE49-F238E27FC236}">
+                <a16:creationId xmlns:a16="http://schemas.microsoft.com/office/drawing/2014/main" id="{EF817497-4F98-4236-83EE-74FD8376B077}"/>
+              </a:ext>
+            </a:extLst>
+          </p:cNvPr>
+          <p:cNvPicPr>
+            <a:picLocks noGrp="1" noChangeAspect="1"/>
+          </p:cNvPicPr>
+          <p:nvPr>
+            <p:ph idx="1"/>
+          </p:nvPr>
+        </p:nvPicPr>
+        <p:blipFill>
+          <a:blip r:embed="rId5">
+            <a:extLst>
+              <a:ext uri="{28A0092B-C50C-407E-A947-70E740481C1C}">
+                <a14:useLocalDpi xmlns:a14="http://schemas.microsoft.com/office/drawing/2010/main" val="0"/>
+              </a:ext>
+            </a:extLst>
+          </a:blip>
+          <a:stretch>
+            <a:fillRect/>
+          </a:stretch>
+        </p:blipFill>
+        <p:spPr>
+          <a:xfrm>
+            <a:off x="9887140" y="47697"/>
+            <a:ext cx="2143125" cy="2143125"/>
+          </a:xfrm>
+        </p:spPr>
+      </p:pic>
+      <p:sp>
+        <p:nvSpPr>
+          <p:cNvPr id="17" name="Rectangle 16">
+            <a:extLst>
+              <a:ext uri="{FF2B5EF4-FFF2-40B4-BE49-F238E27FC236}">
+                <a16:creationId xmlns:a16="http://schemas.microsoft.com/office/drawing/2014/main" id="{C723ED3C-F5E6-4121-9EF2-DD9574E1A49F}"/>
+              </a:ext>
+            </a:extLst>
+          </p:cNvPr>
+          <p:cNvSpPr/>
+          <p:nvPr/>
+        </p:nvSpPr>
+        <p:spPr>
+          <a:xfrm>
+            <a:off x="10085294" y="2008116"/>
+            <a:ext cx="1776920" cy="76178"/>
+          </a:xfrm>
+          <a:prstGeom prst="rect">
+            <a:avLst/>
+          </a:prstGeom>
+          <a:solidFill>
+            <a:srgbClr val="11B29F"/>
+          </a:solidFill>
+          <a:ln>
+            <a:noFill/>
+          </a:ln>
+        </p:spPr>
+        <p:style>
+          <a:lnRef idx="2">
+            <a:schemeClr val="accent1">
+              <a:shade val="50000"/>
+            </a:schemeClr>
+          </a:lnRef>
+          <a:fillRef idx="1">
+            <a:schemeClr val="accent1"/>
+          </a:fillRef>
+          <a:effectRef idx="0">
+            <a:schemeClr val="accent1"/>
+          </a:effectRef>
+          <a:fontRef idx="minor">
+            <a:schemeClr val="lt1"/>
+          </a:fontRef>
+        </p:style>
+        <p:txBody>
+          <a:bodyPr rtlCol="0" anchor="ctr"/>
+          <a:lstStyle/>
+          <a:p>
+            <a:pPr algn="ctr"/>
+            <a:endParaRPr lang="en-US"/>
+          </a:p>
+        </p:txBody>
+      </p:sp>
+      <p:sp>
+        <p:nvSpPr>
+          <p:cNvPr id="21" name="Rectangle 20">
+            <a:extLst>
+              <a:ext uri="{FF2B5EF4-FFF2-40B4-BE49-F238E27FC236}">
+                <a16:creationId xmlns:a16="http://schemas.microsoft.com/office/drawing/2014/main" id="{F9E0EC60-66D4-4536-A867-30142339BAA7}"/>
+              </a:ext>
+            </a:extLst>
+          </p:cNvPr>
+          <p:cNvSpPr/>
+          <p:nvPr/>
+        </p:nvSpPr>
+        <p:spPr>
+          <a:xfrm>
+            <a:off x="10085294" y="2129819"/>
+            <a:ext cx="1776920" cy="76178"/>
+          </a:xfrm>
+          <a:prstGeom prst="rect">
+            <a:avLst/>
+          </a:prstGeom>
+          <a:solidFill>
+            <a:srgbClr val="A71B86"/>
+          </a:solidFill>
+          <a:ln>
+            <a:noFill/>
+          </a:ln>
+        </p:spPr>
+        <p:style>
+          <a:lnRef idx="2">
+            <a:schemeClr val="accent1">
+              <a:shade val="50000"/>
+            </a:schemeClr>
+          </a:lnRef>
+          <a:fillRef idx="1">
+            <a:schemeClr val="accent1"/>
+          </a:fillRef>
+          <a:effectRef idx="0">
+            <a:schemeClr val="accent1"/>
+          </a:effectRef>
+          <a:fontRef idx="minor">
+            <a:schemeClr val="lt1"/>
+          </a:fontRef>
+        </p:style>
+        <p:txBody>
+          <a:bodyPr rtlCol="0" anchor="ctr"/>
+          <a:lstStyle/>
+          <a:p>
+            <a:pPr algn="ctr"/>
+            <a:endParaRPr lang="en-US"/>
+          </a:p>
+        </p:txBody>
+      </p:sp>
+      <p:sp>
+        <p:nvSpPr>
+          <p:cNvPr id="22" name="Rectangle 21">
+            <a:extLst>
+              <a:ext uri="{FF2B5EF4-FFF2-40B4-BE49-F238E27FC236}">
+                <a16:creationId xmlns:a16="http://schemas.microsoft.com/office/drawing/2014/main" id="{F95AED49-24A8-4D10-9D31-F944565EC1B2}"/>
+              </a:ext>
+            </a:extLst>
+          </p:cNvPr>
+          <p:cNvSpPr/>
+          <p:nvPr/>
+        </p:nvSpPr>
+        <p:spPr>
+          <a:xfrm>
+            <a:off x="10085294" y="2251522"/>
+            <a:ext cx="1776920" cy="150200"/>
+          </a:xfrm>
+          <a:prstGeom prst="rect">
+            <a:avLst/>
+          </a:prstGeom>
+          <a:solidFill>
+            <a:srgbClr val="11B29F"/>
+          </a:solidFill>
+          <a:ln>
+            <a:noFill/>
+          </a:ln>
+        </p:spPr>
+        <p:style>
+          <a:lnRef idx="2">
+            <a:schemeClr val="accent1">
+              <a:shade val="50000"/>
+            </a:schemeClr>
+          </a:lnRef>
+          <a:fillRef idx="1">
+            <a:schemeClr val="accent1"/>
+          </a:fillRef>
+          <a:effectRef idx="0">
+            <a:schemeClr val="accent1"/>
+          </a:effectRef>
+          <a:fontRef idx="minor">
+            <a:schemeClr val="lt1"/>
+          </a:fontRef>
+        </p:style>
+        <p:txBody>
+          <a:bodyPr rtlCol="0" anchor="ctr"/>
+          <a:lstStyle/>
+          <a:p>
+            <a:pPr algn="ctr"/>
+            <a:endParaRPr lang="en-US"/>
+          </a:p>
+        </p:txBody>
+      </p:sp>
+      <p:sp>
+        <p:nvSpPr>
+          <p:cNvPr id="24" name="Rectangle 23">
+            <a:extLst>
+              <a:ext uri="{FF2B5EF4-FFF2-40B4-BE49-F238E27FC236}">
+                <a16:creationId xmlns:a16="http://schemas.microsoft.com/office/drawing/2014/main" id="{993D5826-407C-4F65-BE3A-EB593B942A36}"/>
+              </a:ext>
+            </a:extLst>
+          </p:cNvPr>
+          <p:cNvSpPr/>
+          <p:nvPr/>
+        </p:nvSpPr>
+        <p:spPr>
+          <a:xfrm>
+            <a:off x="10085294" y="2447247"/>
+            <a:ext cx="1776920" cy="150200"/>
+          </a:xfrm>
+          <a:prstGeom prst="rect">
+            <a:avLst/>
+          </a:prstGeom>
+          <a:solidFill>
+            <a:srgbClr val="A71B86"/>
+          </a:solidFill>
+          <a:ln>
+            <a:noFill/>
+          </a:ln>
+        </p:spPr>
+        <p:style>
+          <a:lnRef idx="2">
+            <a:schemeClr val="accent1">
+              <a:shade val="50000"/>
+            </a:schemeClr>
+          </a:lnRef>
+          <a:fillRef idx="1">
+            <a:schemeClr val="accent1"/>
+          </a:fillRef>
+          <a:effectRef idx="0">
+            <a:schemeClr val="accent1"/>
+          </a:effectRef>
+          <a:fontRef idx="minor">
+            <a:schemeClr val="lt1"/>
+          </a:fontRef>
+        </p:style>
+        <p:txBody>
+          <a:bodyPr rtlCol="0" anchor="ctr"/>
+          <a:lstStyle/>
+          <a:p>
+            <a:pPr algn="ctr"/>
+            <a:endParaRPr lang="en-US"/>
+          </a:p>
+        </p:txBody>
+      </p:sp>
+      <p:sp>
+        <p:nvSpPr>
+          <p:cNvPr id="25" name="Rectangle 24">
+            <a:extLst>
+              <a:ext uri="{FF2B5EF4-FFF2-40B4-BE49-F238E27FC236}">
+                <a16:creationId xmlns:a16="http://schemas.microsoft.com/office/drawing/2014/main" id="{D2785A94-4D0B-4559-9303-3C963AA0EF9A}"/>
+              </a:ext>
+            </a:extLst>
+          </p:cNvPr>
+          <p:cNvSpPr/>
+          <p:nvPr/>
+        </p:nvSpPr>
+        <p:spPr>
+          <a:xfrm>
+            <a:off x="10085294" y="2642972"/>
+            <a:ext cx="1776920" cy="362446"/>
+          </a:xfrm>
+          <a:prstGeom prst="rect">
+            <a:avLst/>
+          </a:prstGeom>
+          <a:solidFill>
+            <a:srgbClr val="11B29F"/>
+          </a:solidFill>
+          <a:ln>
+            <a:noFill/>
+          </a:ln>
+        </p:spPr>
+        <p:style>
+          <a:lnRef idx="2">
+            <a:schemeClr val="accent1">
+              <a:shade val="50000"/>
+            </a:schemeClr>
+          </a:lnRef>
+          <a:fillRef idx="1">
+            <a:schemeClr val="accent1"/>
+          </a:fillRef>
+          <a:effectRef idx="0">
+            <a:schemeClr val="accent1"/>
+          </a:effectRef>
+          <a:fontRef idx="minor">
+            <a:schemeClr val="lt1"/>
+          </a:fontRef>
+        </p:style>
+        <p:txBody>
+          <a:bodyPr rtlCol="0" anchor="ctr"/>
+          <a:lstStyle/>
+          <a:p>
+            <a:pPr algn="ctr"/>
+            <a:endParaRPr lang="en-US"/>
+          </a:p>
+        </p:txBody>
+      </p:sp>
+      <p:sp>
+        <p:nvSpPr>
+          <p:cNvPr id="26" name="Rectangle 25">
+            <a:extLst>
+              <a:ext uri="{FF2B5EF4-FFF2-40B4-BE49-F238E27FC236}">
+                <a16:creationId xmlns:a16="http://schemas.microsoft.com/office/drawing/2014/main" id="{B235F2E9-4558-433D-9527-7EFF5C5E78A8}"/>
+              </a:ext>
+            </a:extLst>
+          </p:cNvPr>
+          <p:cNvSpPr/>
+          <p:nvPr/>
+        </p:nvSpPr>
+        <p:spPr>
+          <a:xfrm>
+            <a:off x="10085294" y="3050943"/>
+            <a:ext cx="1776920" cy="362446"/>
+          </a:xfrm>
+          <a:prstGeom prst="rect">
+            <a:avLst/>
+          </a:prstGeom>
+          <a:solidFill>
+            <a:srgbClr val="A71B86"/>
+          </a:solidFill>
+          <a:ln>
+            <a:noFill/>
+          </a:ln>
+        </p:spPr>
+        <p:style>
+          <a:lnRef idx="2">
+            <a:schemeClr val="accent1">
+              <a:shade val="50000"/>
+            </a:schemeClr>
+          </a:lnRef>
+          <a:fillRef idx="1">
+            <a:schemeClr val="accent1"/>
+          </a:fillRef>
+          <a:effectRef idx="0">
+            <a:schemeClr val="accent1"/>
+          </a:effectRef>
+          <a:fontRef idx="minor">
+            <a:schemeClr val="lt1"/>
+          </a:fontRef>
+        </p:style>
+        <p:txBody>
+          <a:bodyPr rtlCol="0" anchor="ctr"/>
+          <a:lstStyle/>
+          <a:p>
+            <a:pPr algn="ctr"/>
+            <a:endParaRPr lang="en-US"/>
+          </a:p>
+        </p:txBody>
+      </p:sp>
+      <p:sp>
+        <p:nvSpPr>
+          <p:cNvPr id="27" name="Rectangle 26">
+            <a:extLst>
+              <a:ext uri="{FF2B5EF4-FFF2-40B4-BE49-F238E27FC236}">
+                <a16:creationId xmlns:a16="http://schemas.microsoft.com/office/drawing/2014/main" id="{99613B87-411B-4008-BF30-F1A3B8F247B5}"/>
+              </a:ext>
+            </a:extLst>
+          </p:cNvPr>
+          <p:cNvSpPr/>
+          <p:nvPr/>
+        </p:nvSpPr>
+        <p:spPr>
+          <a:xfrm>
+            <a:off x="10085294" y="3490136"/>
+            <a:ext cx="1776920" cy="3367864"/>
+          </a:xfrm>
+          <a:prstGeom prst="rect">
+            <a:avLst/>
+          </a:prstGeom>
+          <a:solidFill>
+            <a:srgbClr val="11B29F"/>
+          </a:solidFill>
+          <a:ln>
+            <a:noFill/>
+          </a:ln>
+        </p:spPr>
+        <p:style>
+          <a:lnRef idx="2">
+            <a:schemeClr val="accent1">
+              <a:shade val="50000"/>
+            </a:schemeClr>
+          </a:lnRef>
+          <a:fillRef idx="1">
+            <a:schemeClr val="accent1"/>
+          </a:fillRef>
+          <a:effectRef idx="0">
+            <a:schemeClr val="accent1"/>
+          </a:effectRef>
+          <a:fontRef idx="minor">
+            <a:schemeClr val="lt1"/>
+          </a:fontRef>
+        </p:style>
+        <p:txBody>
+          <a:bodyPr rtlCol="0" anchor="ctr"/>
+          <a:lstStyle/>
+          <a:p>
+            <a:pPr algn="ctr"/>
+            <a:endParaRPr lang="en-US"/>
+          </a:p>
+        </p:txBody>
+      </p:sp>
+      <p:sp>
+        <p:nvSpPr>
+          <p:cNvPr id="32" name="Rectangle 31">
+            <a:extLst>
+              <a:ext uri="{FF2B5EF4-FFF2-40B4-BE49-F238E27FC236}">
+                <a16:creationId xmlns:a16="http://schemas.microsoft.com/office/drawing/2014/main" id="{145B3BD2-B1C1-4ED2-A4E0-5E17DD3736F1}"/>
+              </a:ext>
+            </a:extLst>
+          </p:cNvPr>
+          <p:cNvSpPr/>
+          <p:nvPr/>
+        </p:nvSpPr>
+        <p:spPr>
+          <a:xfrm rot="19800000">
+            <a:off x="-765351" y="385789"/>
+            <a:ext cx="4026751" cy="269178"/>
+          </a:xfrm>
+          <a:prstGeom prst="rect">
+            <a:avLst/>
+          </a:prstGeom>
+          <a:solidFill>
+            <a:srgbClr val="A71B86"/>
+          </a:solidFill>
+          <a:ln>
+            <a:noFill/>
+          </a:ln>
+        </p:spPr>
+        <p:style>
+          <a:lnRef idx="2">
+            <a:schemeClr val="accent1">
+              <a:shade val="50000"/>
+            </a:schemeClr>
+          </a:lnRef>
+          <a:fillRef idx="1">
+            <a:schemeClr val="accent1"/>
+          </a:fillRef>
+          <a:effectRef idx="0">
+            <a:schemeClr val="accent1"/>
+          </a:effectRef>
+          <a:fontRef idx="minor">
+            <a:schemeClr val="lt1"/>
+          </a:fontRef>
+        </p:style>
+        <p:txBody>
+          <a:bodyPr rtlCol="0" anchor="ctr"/>
+          <a:lstStyle/>
+          <a:p>
+            <a:pPr algn="ctr"/>
+            <a:endParaRPr lang="en-US"/>
+          </a:p>
+        </p:txBody>
+      </p:sp>
+      <p:sp>
+        <p:nvSpPr>
+          <p:cNvPr id="33" name="Rectangle 32">
+            <a:extLst>
+              <a:ext uri="{FF2B5EF4-FFF2-40B4-BE49-F238E27FC236}">
+                <a16:creationId xmlns:a16="http://schemas.microsoft.com/office/drawing/2014/main" id="{DC3B2826-65DD-408B-8F18-8CCD6C052D8D}"/>
+              </a:ext>
+            </a:extLst>
+          </p:cNvPr>
+          <p:cNvSpPr/>
+          <p:nvPr/>
+        </p:nvSpPr>
+        <p:spPr>
+          <a:xfrm rot="19800000">
+            <a:off x="9257156" y="6226296"/>
+            <a:ext cx="4026751" cy="269178"/>
+          </a:xfrm>
+          <a:prstGeom prst="rect">
+            <a:avLst/>
+          </a:prstGeom>
+          <a:solidFill>
+            <a:srgbClr val="A71B86"/>
+          </a:solidFill>
+          <a:ln>
+            <a:noFill/>
+          </a:ln>
+        </p:spPr>
+        <p:style>
+          <a:lnRef idx="2">
+            <a:schemeClr val="accent1">
+              <a:shade val="50000"/>
+            </a:schemeClr>
+          </a:lnRef>
+          <a:fillRef idx="1">
+            <a:schemeClr val="accent1"/>
+          </a:fillRef>
+          <a:effectRef idx="0">
+            <a:schemeClr val="accent1"/>
+          </a:effectRef>
+          <a:fontRef idx="minor">
+            <a:schemeClr val="lt1"/>
+          </a:fontRef>
+        </p:style>
+        <p:txBody>
+          <a:bodyPr rtlCol="0" anchor="ctr"/>
+          <a:lstStyle/>
+          <a:p>
+            <a:pPr algn="ctr"/>
+            <a:endParaRPr lang="en-US"/>
+          </a:p>
+        </p:txBody>
+      </p:sp>
+      <p:sp>
+        <p:nvSpPr>
+          <p:cNvPr id="35" name="Rectangle 34">
+            <a:extLst>
+              <a:ext uri="{FF2B5EF4-FFF2-40B4-BE49-F238E27FC236}">
+                <a16:creationId xmlns:a16="http://schemas.microsoft.com/office/drawing/2014/main" id="{4935F901-F632-4698-8C7A-AC29B2397A6C}"/>
+              </a:ext>
+            </a:extLst>
+          </p:cNvPr>
+          <p:cNvSpPr/>
+          <p:nvPr/>
+        </p:nvSpPr>
+        <p:spPr>
+          <a:xfrm rot="19800000">
+            <a:off x="8263809" y="5824178"/>
+            <a:ext cx="4731177" cy="269178"/>
+          </a:xfrm>
+          <a:prstGeom prst="rect">
+            <a:avLst/>
+          </a:prstGeom>
+          <a:solidFill>
+            <a:srgbClr val="A71B86"/>
+          </a:solidFill>
+          <a:ln>
+            <a:noFill/>
+          </a:ln>
+        </p:spPr>
+        <p:style>
+          <a:lnRef idx="2">
+            <a:schemeClr val="accent1">
+              <a:shade val="50000"/>
+            </a:schemeClr>
+          </a:lnRef>
+          <a:fillRef idx="1">
+            <a:schemeClr val="accent1"/>
+          </a:fillRef>
+          <a:effectRef idx="0">
+            <a:schemeClr val="accent1"/>
+          </a:effectRef>
+          <a:fontRef idx="minor">
+            <a:schemeClr val="lt1"/>
+          </a:fontRef>
+        </p:style>
+        <p:txBody>
+          <a:bodyPr rtlCol="0" anchor="ctr"/>
+          <a:lstStyle/>
+          <a:p>
+            <a:pPr algn="ctr"/>
+            <a:endParaRPr lang="en-US"/>
+          </a:p>
+        </p:txBody>
+      </p:sp>
+      <p:pic>
+        <p:nvPicPr>
+          <p:cNvPr id="37" name="Graphic 36" descr="Palm tree">
+            <a:extLst>
+              <a:ext uri="{FF2B5EF4-FFF2-40B4-BE49-F238E27FC236}">
+                <a16:creationId xmlns:a16="http://schemas.microsoft.com/office/drawing/2014/main" id="{79F2EC1B-9713-4CCF-8301-82ED265F3940}"/>
+              </a:ext>
+            </a:extLst>
+          </p:cNvPr>
+          <p:cNvPicPr>
+            <a:picLocks noChangeAspect="1"/>
+          </p:cNvPicPr>
+          <p:nvPr/>
+        </p:nvPicPr>
+        <p:blipFill>
+          <a:blip r:embed="rId6">
+            <a:extLst>
+              <a:ext uri="{28A0092B-C50C-407E-A947-70E740481C1C}">
+                <a14:useLocalDpi xmlns:a14="http://schemas.microsoft.com/office/drawing/2010/main" val="0"/>
+              </a:ext>
+              <a:ext uri="{96DAC541-7B7A-43D3-8B79-37D633B846F1}">
+                <asvg:svgBlip xmlns:asvg="http://schemas.microsoft.com/office/drawing/2016/SVG/main" r:embed="rId7"/>
+              </a:ext>
+            </a:extLst>
+          </a:blip>
+          <a:stretch>
+            <a:fillRect/>
+          </a:stretch>
+        </p:blipFill>
+        <p:spPr>
+          <a:xfrm>
+            <a:off x="8964994" y="809490"/>
+            <a:ext cx="914400" cy="914400"/>
+          </a:xfrm>
+          <a:prstGeom prst="rect">
+            <a:avLst/>
+          </a:prstGeom>
+        </p:spPr>
+      </p:pic>
+      <p:pic>
+        <p:nvPicPr>
+          <p:cNvPr id="38" name="Graphic 37" descr="Palm tree">
+            <a:extLst>
+              <a:ext uri="{FF2B5EF4-FFF2-40B4-BE49-F238E27FC236}">
+                <a16:creationId xmlns:a16="http://schemas.microsoft.com/office/drawing/2014/main" id="{11C9CA6F-B5F0-4837-8E50-85C201ADA4F1}"/>
+              </a:ext>
+            </a:extLst>
+          </p:cNvPr>
+          <p:cNvPicPr>
+            <a:picLocks noChangeAspect="1"/>
+          </p:cNvPicPr>
+          <p:nvPr/>
+        </p:nvPicPr>
+        <p:blipFill>
+          <a:blip r:embed="rId6">
+            <a:extLst>
+              <a:ext uri="{28A0092B-C50C-407E-A947-70E740481C1C}">
+                <a14:useLocalDpi xmlns:a14="http://schemas.microsoft.com/office/drawing/2010/main" val="0"/>
+              </a:ext>
+              <a:ext uri="{96DAC541-7B7A-43D3-8B79-37D633B846F1}">
+                <asvg:svgBlip xmlns:asvg="http://schemas.microsoft.com/office/drawing/2016/SVG/main" r:embed="rId7"/>
+              </a:ext>
+            </a:extLst>
+          </a:blip>
+          <a:stretch>
+            <a:fillRect/>
+          </a:stretch>
+        </p:blipFill>
+        <p:spPr>
+          <a:xfrm>
+            <a:off x="8834542" y="1142112"/>
+            <a:ext cx="553133" cy="553133"/>
+          </a:xfrm>
+          <a:prstGeom prst="rect">
+            <a:avLst/>
+          </a:prstGeom>
+        </p:spPr>
+      </p:pic>
+      <p:pic>
+        <p:nvPicPr>
+          <p:cNvPr id="39" name="Graphic 38" descr="Palm tree">
+            <a:extLst>
+              <a:ext uri="{FF2B5EF4-FFF2-40B4-BE49-F238E27FC236}">
+                <a16:creationId xmlns:a16="http://schemas.microsoft.com/office/drawing/2014/main" id="{585AC1AD-01C8-4E2D-8361-4BEA62A48584}"/>
+              </a:ext>
+            </a:extLst>
+          </p:cNvPr>
+          <p:cNvPicPr>
+            <a:picLocks noChangeAspect="1"/>
+          </p:cNvPicPr>
+          <p:nvPr/>
+        </p:nvPicPr>
+        <p:blipFill>
+          <a:blip r:embed="rId6">
+            <a:extLst>
+              <a:ext uri="{28A0092B-C50C-407E-A947-70E740481C1C}">
+                <a14:useLocalDpi xmlns:a14="http://schemas.microsoft.com/office/drawing/2010/main" val="0"/>
+              </a:ext>
+              <a:ext uri="{96DAC541-7B7A-43D3-8B79-37D633B846F1}">
+                <asvg:svgBlip xmlns:asvg="http://schemas.microsoft.com/office/drawing/2016/SVG/main" r:embed="rId7"/>
+              </a:ext>
+            </a:extLst>
+          </a:blip>
+          <a:stretch>
+            <a:fillRect/>
+          </a:stretch>
+        </p:blipFill>
+        <p:spPr>
+          <a:xfrm>
+            <a:off x="9387675" y="1277468"/>
+            <a:ext cx="404329" cy="404329"/>
+          </a:xfrm>
+          <a:prstGeom prst="rect">
+            <a:avLst/>
+          </a:prstGeom>
+        </p:spPr>
+      </p:pic>
+      <mc:AlternateContent xmlns:mc="http://schemas.openxmlformats.org/markup-compatibility/2006" xmlns:a14="http://schemas.microsoft.com/office/drawing/2010/main">
+        <mc:Choice Requires="a14">
+          <p:sp>
+            <p:nvSpPr>
+              <p:cNvPr id="23" name="TextBox 22">
+                <a:extLst>
+                  <a:ext uri="{FF2B5EF4-FFF2-40B4-BE49-F238E27FC236}">
+                    <a16:creationId xmlns:a16="http://schemas.microsoft.com/office/drawing/2014/main" id="{3490F894-9244-4080-900D-F6FA9753F8E6}"/>
+                  </a:ext>
+                </a:extLst>
+              </p:cNvPr>
+              <p:cNvSpPr txBox="1"/>
+              <p:nvPr/>
+            </p:nvSpPr>
+            <p:spPr>
+              <a:xfrm>
+                <a:off x="480646" y="2320931"/>
+                <a:ext cx="3300644" cy="669094"/>
+              </a:xfrm>
+              <a:prstGeom prst="rect">
+                <a:avLst/>
+              </a:prstGeom>
+              <a:noFill/>
+            </p:spPr>
+            <p:txBody>
+              <a:bodyPr wrap="square" rtlCol="0">
+                <a:spAutoFit/>
+              </a:bodyPr>
+              <a:lstStyle/>
+              <a:p>
+                <a:pPr/>
+                <a14:m>
+                  <m:oMathPara xmlns:m="http://schemas.openxmlformats.org/officeDocument/2006/math">
+                    <m:oMathParaPr>
+                      <m:jc m:val="centerGroup"/>
+                    </m:oMathParaPr>
+                    <m:oMath xmlns:m="http://schemas.openxmlformats.org/officeDocument/2006/math">
+                      <m:r>
+                        <a:rPr lang="en-US" b="0" i="1" smtClean="0">
+                          <a:latin typeface="Cambria Math" panose="02040503050406030204" pitchFamily="18" charset="0"/>
+                        </a:rPr>
+                        <m:t>𝑃</m:t>
+                      </m:r>
+                      <m:d>
+                        <m:dPr>
+                          <m:ctrlPr>
+                            <a:rPr lang="en-US" b="0" i="1" smtClean="0">
+                              <a:latin typeface="Cambria Math" panose="02040503050406030204" pitchFamily="18" charset="0"/>
+                            </a:rPr>
+                          </m:ctrlPr>
+                        </m:dPr>
+                        <m:e>
+                          <m:r>
+                            <a:rPr lang="en-US" b="0" i="1" smtClean="0">
+                              <a:latin typeface="Cambria Math" panose="02040503050406030204" pitchFamily="18" charset="0"/>
+                            </a:rPr>
+                            <m:t>𝑋</m:t>
+                          </m:r>
+                        </m:e>
+                        <m:e>
+                          <m:r>
+                            <a:rPr lang="en-US" b="0" i="1" smtClean="0">
+                              <a:latin typeface="Cambria Math" panose="02040503050406030204" pitchFamily="18" charset="0"/>
+                            </a:rPr>
+                            <m:t>𝑌</m:t>
+                          </m:r>
+                        </m:e>
+                      </m:d>
+                      <m:r>
+                        <a:rPr lang="en-US" b="0" i="1" smtClean="0">
+                          <a:latin typeface="Cambria Math" panose="02040503050406030204" pitchFamily="18" charset="0"/>
+                        </a:rPr>
+                        <m:t>=</m:t>
+                      </m:r>
+                      <m:f>
+                        <m:fPr>
+                          <m:ctrlPr>
+                            <a:rPr lang="en-US" b="0" i="1" smtClean="0">
+                              <a:latin typeface="Cambria Math" panose="02040503050406030204" pitchFamily="18" charset="0"/>
+                            </a:rPr>
+                          </m:ctrlPr>
+                        </m:fPr>
+                        <m:num>
+                          <m:r>
+                            <a:rPr lang="en-US" b="0" i="1" smtClean="0">
+                              <a:latin typeface="Cambria Math" panose="02040503050406030204" pitchFamily="18" charset="0"/>
+                            </a:rPr>
+                            <m:t>𝑃</m:t>
+                          </m:r>
+                          <m:d>
+                            <m:dPr>
+                              <m:ctrlPr>
+                                <a:rPr lang="en-US" b="0" i="1" smtClean="0">
+                                  <a:latin typeface="Cambria Math" panose="02040503050406030204" pitchFamily="18" charset="0"/>
+                                </a:rPr>
+                              </m:ctrlPr>
+                            </m:dPr>
+                            <m:e>
+                              <m:r>
+                                <a:rPr lang="en-US" b="0" i="1" smtClean="0">
+                                  <a:latin typeface="Cambria Math" panose="02040503050406030204" pitchFamily="18" charset="0"/>
+                                </a:rPr>
+                                <m:t>𝑋</m:t>
+                              </m:r>
+                              <m:r>
+                                <a:rPr lang="en-US" b="0" i="1" smtClean="0">
+                                  <a:latin typeface="Cambria Math" panose="02040503050406030204" pitchFamily="18" charset="0"/>
+                                </a:rPr>
+                                <m:t>∩</m:t>
+                              </m:r>
+                              <m:r>
+                                <a:rPr lang="en-US" b="0" i="1" smtClean="0">
+                                  <a:latin typeface="Cambria Math" panose="02040503050406030204" pitchFamily="18" charset="0"/>
+                                </a:rPr>
+                                <m:t>𝑌</m:t>
+                              </m:r>
+                            </m:e>
+                          </m:d>
+                        </m:num>
+                        <m:den>
+                          <m:r>
+                            <a:rPr lang="en-US" b="0" i="1" smtClean="0">
+                              <a:latin typeface="Cambria Math" panose="02040503050406030204" pitchFamily="18" charset="0"/>
+                            </a:rPr>
+                            <m:t>𝑃</m:t>
+                          </m:r>
+                          <m:d>
+                            <m:dPr>
+                              <m:ctrlPr>
+                                <a:rPr lang="en-US" b="0" i="1" smtClean="0">
+                                  <a:latin typeface="Cambria Math" panose="02040503050406030204" pitchFamily="18" charset="0"/>
+                                </a:rPr>
+                              </m:ctrlPr>
+                            </m:dPr>
+                            <m:e>
+                              <m:r>
+                                <a:rPr lang="en-US" b="0" i="1" smtClean="0">
+                                  <a:latin typeface="Cambria Math" panose="02040503050406030204" pitchFamily="18" charset="0"/>
+                                </a:rPr>
+                                <m:t>𝑌</m:t>
+                              </m:r>
+                            </m:e>
+                          </m:d>
+                        </m:den>
+                      </m:f>
+                    </m:oMath>
+                  </m:oMathPara>
+                </a14:m>
+                <a:endParaRPr lang="en-US" b="0" dirty="0"/>
+              </a:p>
+            </p:txBody>
+          </p:sp>
+        </mc:Choice>
+        <mc:Fallback xmlns="">
+          <p:sp>
+            <p:nvSpPr>
+              <p:cNvPr id="23" name="TextBox 22">
+                <a:extLst>
+                  <a:ext uri="{FF2B5EF4-FFF2-40B4-BE49-F238E27FC236}">
+                    <a16:creationId xmlns:a16="http://schemas.microsoft.com/office/drawing/2014/main" id="{3490F894-9244-4080-900D-F6FA9753F8E6}"/>
+                  </a:ext>
+                </a:extLst>
+              </p:cNvPr>
+              <p:cNvSpPr txBox="1">
+                <a:spLocks noRot="1" noChangeAspect="1" noMove="1" noResize="1" noEditPoints="1" noAdjustHandles="1" noChangeArrowheads="1" noChangeShapeType="1" noTextEdit="1"/>
+              </p:cNvSpPr>
+              <p:nvPr/>
+            </p:nvSpPr>
+            <p:spPr>
+              <a:xfrm>
+                <a:off x="480646" y="2320931"/>
+                <a:ext cx="3300644" cy="669094"/>
+              </a:xfrm>
+              <a:prstGeom prst="rect">
+                <a:avLst/>
+              </a:prstGeom>
+              <a:blipFill>
+                <a:blip r:embed="rId8"/>
+                <a:stretch>
+                  <a:fillRect/>
+                </a:stretch>
+              </a:blipFill>
+            </p:spPr>
+            <p:txBody>
+              <a:bodyPr/>
+              <a:lstStyle/>
+              <a:p>
+                <a:r>
+                  <a:rPr lang="en-US">
+                    <a:noFill/>
+                  </a:rPr>
+                  <a:t> </a:t>
+                </a:r>
+              </a:p>
+            </p:txBody>
+          </p:sp>
+        </mc:Fallback>
+      </mc:AlternateContent>
+      <mc:AlternateContent xmlns:mc="http://schemas.openxmlformats.org/markup-compatibility/2006" xmlns:a14="http://schemas.microsoft.com/office/drawing/2010/main">
+        <mc:Choice Requires="a14">
+          <p:sp>
+            <p:nvSpPr>
+              <p:cNvPr id="29" name="TextBox 28">
+                <a:extLst>
+                  <a:ext uri="{FF2B5EF4-FFF2-40B4-BE49-F238E27FC236}">
+                    <a16:creationId xmlns:a16="http://schemas.microsoft.com/office/drawing/2014/main" id="{3274B2D6-948B-488B-B8F5-4BA195EF7625}"/>
+                  </a:ext>
+                </a:extLst>
+              </p:cNvPr>
+              <p:cNvSpPr txBox="1"/>
+              <p:nvPr/>
+            </p:nvSpPr>
+            <p:spPr>
+              <a:xfrm>
+                <a:off x="480646" y="3512606"/>
+                <a:ext cx="3300644" cy="669094"/>
+              </a:xfrm>
+              <a:prstGeom prst="rect">
+                <a:avLst/>
+              </a:prstGeom>
+              <a:noFill/>
+            </p:spPr>
+            <p:txBody>
+              <a:bodyPr wrap="square" rtlCol="0">
+                <a:spAutoFit/>
+              </a:bodyPr>
+              <a:lstStyle/>
+              <a:p>
+                <a:pPr/>
+                <a14:m>
+                  <m:oMathPara xmlns:m="http://schemas.openxmlformats.org/officeDocument/2006/math">
+                    <m:oMathParaPr>
+                      <m:jc m:val="centerGroup"/>
+                    </m:oMathParaPr>
+                    <m:oMath xmlns:m="http://schemas.openxmlformats.org/officeDocument/2006/math">
+                      <m:r>
+                        <a:rPr lang="en-US" b="0" i="1" smtClean="0">
+                          <a:latin typeface="Cambria Math" panose="02040503050406030204" pitchFamily="18" charset="0"/>
+                        </a:rPr>
+                        <m:t>𝑃</m:t>
+                      </m:r>
+                      <m:d>
+                        <m:dPr>
+                          <m:ctrlPr>
+                            <a:rPr lang="en-US" b="0" i="1" smtClean="0">
+                              <a:latin typeface="Cambria Math" panose="02040503050406030204" pitchFamily="18" charset="0"/>
+                            </a:rPr>
+                          </m:ctrlPr>
+                        </m:dPr>
+                        <m:e>
+                          <m:r>
+                            <a:rPr lang="en-US" b="0" i="1" smtClean="0">
+                              <a:latin typeface="Cambria Math" panose="02040503050406030204" pitchFamily="18" charset="0"/>
+                            </a:rPr>
+                            <m:t>𝑌</m:t>
+                          </m:r>
+                        </m:e>
+                        <m:e>
+                          <m:r>
+                            <a:rPr lang="en-US" b="0" i="1" smtClean="0">
+                              <a:latin typeface="Cambria Math" panose="02040503050406030204" pitchFamily="18" charset="0"/>
+                            </a:rPr>
+                            <m:t>𝑋</m:t>
+                          </m:r>
+                        </m:e>
+                      </m:d>
+                      <m:r>
+                        <a:rPr lang="en-US" b="0" i="1" smtClean="0">
+                          <a:latin typeface="Cambria Math" panose="02040503050406030204" pitchFamily="18" charset="0"/>
+                        </a:rPr>
+                        <m:t>=</m:t>
+                      </m:r>
+                      <m:f>
+                        <m:fPr>
+                          <m:ctrlPr>
+                            <a:rPr lang="en-US" b="0" i="1" smtClean="0">
+                              <a:latin typeface="Cambria Math" panose="02040503050406030204" pitchFamily="18" charset="0"/>
+                            </a:rPr>
+                          </m:ctrlPr>
+                        </m:fPr>
+                        <m:num>
+                          <m:r>
+                            <a:rPr lang="en-US" b="0" i="1" smtClean="0">
+                              <a:latin typeface="Cambria Math" panose="02040503050406030204" pitchFamily="18" charset="0"/>
+                            </a:rPr>
+                            <m:t>𝑃</m:t>
+                          </m:r>
+                          <m:d>
+                            <m:dPr>
+                              <m:ctrlPr>
+                                <a:rPr lang="en-US" b="0" i="1" smtClean="0">
+                                  <a:latin typeface="Cambria Math" panose="02040503050406030204" pitchFamily="18" charset="0"/>
+                                </a:rPr>
+                              </m:ctrlPr>
+                            </m:dPr>
+                            <m:e>
+                              <m:r>
+                                <a:rPr lang="en-US" b="0" i="1" smtClean="0">
+                                  <a:latin typeface="Cambria Math" panose="02040503050406030204" pitchFamily="18" charset="0"/>
+                                </a:rPr>
+                                <m:t>𝑋</m:t>
+                              </m:r>
+                              <m:r>
+                                <a:rPr lang="en-US" b="0" i="1" smtClean="0">
+                                  <a:latin typeface="Cambria Math" panose="02040503050406030204" pitchFamily="18" charset="0"/>
+                                </a:rPr>
+                                <m:t>∩</m:t>
+                              </m:r>
+                              <m:r>
+                                <a:rPr lang="en-US" b="0" i="1" smtClean="0">
+                                  <a:latin typeface="Cambria Math" panose="02040503050406030204" pitchFamily="18" charset="0"/>
+                                </a:rPr>
+                                <m:t>𝑌</m:t>
+                              </m:r>
+                            </m:e>
+                          </m:d>
+                        </m:num>
+                        <m:den>
+                          <m:r>
+                            <a:rPr lang="en-US" b="0" i="1" smtClean="0">
+                              <a:latin typeface="Cambria Math" panose="02040503050406030204" pitchFamily="18" charset="0"/>
+                            </a:rPr>
+                            <m:t>𝑃</m:t>
+                          </m:r>
+                          <m:d>
+                            <m:dPr>
+                              <m:ctrlPr>
+                                <a:rPr lang="en-US" b="0" i="1" smtClean="0">
+                                  <a:latin typeface="Cambria Math" panose="02040503050406030204" pitchFamily="18" charset="0"/>
+                                </a:rPr>
+                              </m:ctrlPr>
+                            </m:dPr>
+                            <m:e>
+                              <m:r>
+                                <a:rPr lang="en-US" b="0" i="1" smtClean="0">
+                                  <a:latin typeface="Cambria Math" panose="02040503050406030204" pitchFamily="18" charset="0"/>
+                                </a:rPr>
+                                <m:t>𝑋</m:t>
+                              </m:r>
+                            </m:e>
+                          </m:d>
+                        </m:den>
+                      </m:f>
+                    </m:oMath>
+                  </m:oMathPara>
+                </a14:m>
+                <a:endParaRPr lang="en-US" b="0" dirty="0"/>
+              </a:p>
+            </p:txBody>
+          </p:sp>
+        </mc:Choice>
+        <mc:Fallback xmlns="">
+          <p:sp>
+            <p:nvSpPr>
+              <p:cNvPr id="29" name="TextBox 28">
+                <a:extLst>
+                  <a:ext uri="{FF2B5EF4-FFF2-40B4-BE49-F238E27FC236}">
+                    <a16:creationId xmlns:a16="http://schemas.microsoft.com/office/drawing/2014/main" id="{3274B2D6-948B-488B-B8F5-4BA195EF7625}"/>
+                  </a:ext>
+                </a:extLst>
+              </p:cNvPr>
+              <p:cNvSpPr txBox="1">
+                <a:spLocks noRot="1" noChangeAspect="1" noMove="1" noResize="1" noEditPoints="1" noAdjustHandles="1" noChangeArrowheads="1" noChangeShapeType="1" noTextEdit="1"/>
+              </p:cNvSpPr>
+              <p:nvPr/>
+            </p:nvSpPr>
+            <p:spPr>
+              <a:xfrm>
+                <a:off x="480646" y="3512606"/>
+                <a:ext cx="3300644" cy="669094"/>
+              </a:xfrm>
+              <a:prstGeom prst="rect">
+                <a:avLst/>
+              </a:prstGeom>
+              <a:blipFill>
+                <a:blip r:embed="rId9"/>
+                <a:stretch>
+                  <a:fillRect/>
+                </a:stretch>
+              </a:blipFill>
+            </p:spPr>
+            <p:txBody>
+              <a:bodyPr/>
+              <a:lstStyle/>
+              <a:p>
+                <a:r>
+                  <a:rPr lang="en-US">
+                    <a:noFill/>
+                  </a:rPr>
+                  <a:t> </a:t>
+                </a:r>
+              </a:p>
+            </p:txBody>
+          </p:sp>
+        </mc:Fallback>
+      </mc:AlternateContent>
+      <mc:AlternateContent xmlns:mc="http://schemas.openxmlformats.org/markup-compatibility/2006" xmlns:a14="http://schemas.microsoft.com/office/drawing/2010/main">
+        <mc:Choice Requires="a14">
+          <p:sp>
+            <p:nvSpPr>
+              <p:cNvPr id="30" name="TextBox 29">
+                <a:extLst>
+                  <a:ext uri="{FF2B5EF4-FFF2-40B4-BE49-F238E27FC236}">
+                    <a16:creationId xmlns:a16="http://schemas.microsoft.com/office/drawing/2014/main" id="{628B3544-03DF-49DB-A1E2-41B1CBED4BE7}"/>
+                  </a:ext>
+                </a:extLst>
+              </p:cNvPr>
+              <p:cNvSpPr txBox="1"/>
+              <p:nvPr/>
+            </p:nvSpPr>
+            <p:spPr>
+              <a:xfrm>
+                <a:off x="3558756" y="3662487"/>
+                <a:ext cx="3300644" cy="369332"/>
+              </a:xfrm>
+              <a:prstGeom prst="rect">
+                <a:avLst/>
+              </a:prstGeom>
+              <a:noFill/>
+            </p:spPr>
+            <p:txBody>
+              <a:bodyPr wrap="square" rtlCol="0">
+                <a:spAutoFit/>
+              </a:bodyPr>
+              <a:lstStyle/>
+              <a:p>
+                <a:pPr/>
+                <a14:m>
+                  <m:oMathPara xmlns:m="http://schemas.openxmlformats.org/officeDocument/2006/math">
+                    <m:oMathParaPr>
+                      <m:jc m:val="centerGroup"/>
+                    </m:oMathParaPr>
+                    <m:oMath xmlns:m="http://schemas.openxmlformats.org/officeDocument/2006/math">
+                      <m:r>
+                        <a:rPr lang="en-US" b="0" i="1" smtClean="0">
+                          <a:latin typeface="Cambria Math" panose="02040503050406030204" pitchFamily="18" charset="0"/>
+                        </a:rPr>
+                        <m:t>𝑃</m:t>
+                      </m:r>
+                      <m:d>
+                        <m:dPr>
+                          <m:ctrlPr>
+                            <a:rPr lang="en-US" b="0" i="1" smtClean="0">
+                              <a:latin typeface="Cambria Math" panose="02040503050406030204" pitchFamily="18" charset="0"/>
+                            </a:rPr>
+                          </m:ctrlPr>
+                        </m:dPr>
+                        <m:e>
+                          <m:r>
+                            <a:rPr lang="en-US" b="0" i="1" smtClean="0">
+                              <a:latin typeface="Cambria Math" panose="02040503050406030204" pitchFamily="18" charset="0"/>
+                            </a:rPr>
+                            <m:t>𝑌</m:t>
+                          </m:r>
+                        </m:e>
+                        <m:e>
+                          <m:r>
+                            <a:rPr lang="en-US" b="0" i="1" smtClean="0">
+                              <a:latin typeface="Cambria Math" panose="02040503050406030204" pitchFamily="18" charset="0"/>
+                            </a:rPr>
+                            <m:t>𝑋</m:t>
+                          </m:r>
+                        </m:e>
+                      </m:d>
+                      <m:r>
+                        <a:rPr lang="en-US" b="0" i="1" smtClean="0">
+                          <a:latin typeface="Cambria Math" panose="02040503050406030204" pitchFamily="18" charset="0"/>
+                        </a:rPr>
+                        <m:t>𝑃</m:t>
+                      </m:r>
+                      <m:r>
+                        <a:rPr lang="en-US" b="0" i="1" smtClean="0">
+                          <a:latin typeface="Cambria Math" panose="02040503050406030204" pitchFamily="18" charset="0"/>
+                        </a:rPr>
+                        <m:t>(</m:t>
+                      </m:r>
+                      <m:r>
+                        <a:rPr lang="en-US" b="0" i="1" smtClean="0">
+                          <a:latin typeface="Cambria Math" panose="02040503050406030204" pitchFamily="18" charset="0"/>
+                        </a:rPr>
+                        <m:t>𝑋</m:t>
+                      </m:r>
+                      <m:r>
+                        <a:rPr lang="en-US" b="0" i="1" smtClean="0">
+                          <a:latin typeface="Cambria Math" panose="02040503050406030204" pitchFamily="18" charset="0"/>
+                        </a:rPr>
+                        <m:t>)=</m:t>
+                      </m:r>
+                      <m:r>
+                        <a:rPr lang="en-US" b="0" i="1" smtClean="0">
+                          <a:latin typeface="Cambria Math" panose="02040503050406030204" pitchFamily="18" charset="0"/>
+                        </a:rPr>
+                        <m:t>𝑃</m:t>
+                      </m:r>
+                      <m:r>
+                        <a:rPr lang="en-US" b="0" i="1" smtClean="0">
+                          <a:latin typeface="Cambria Math" panose="02040503050406030204" pitchFamily="18" charset="0"/>
+                        </a:rPr>
+                        <m:t>(</m:t>
+                      </m:r>
+                      <m:r>
+                        <a:rPr lang="en-US" b="0" i="1" smtClean="0">
+                          <a:latin typeface="Cambria Math" panose="02040503050406030204" pitchFamily="18" charset="0"/>
+                        </a:rPr>
+                        <m:t>𝑋</m:t>
+                      </m:r>
+                      <m:r>
+                        <a:rPr lang="en-US" b="0" i="1" smtClean="0">
+                          <a:latin typeface="Cambria Math" panose="02040503050406030204" pitchFamily="18" charset="0"/>
+                        </a:rPr>
+                        <m:t>∩</m:t>
+                      </m:r>
+                      <m:r>
+                        <a:rPr lang="en-US" b="0" i="1" smtClean="0">
+                          <a:latin typeface="Cambria Math" panose="02040503050406030204" pitchFamily="18" charset="0"/>
+                        </a:rPr>
+                        <m:t>𝑌</m:t>
+                      </m:r>
+                      <m:r>
+                        <a:rPr lang="en-US" b="0" i="1" smtClean="0">
+                          <a:latin typeface="Cambria Math" panose="02040503050406030204" pitchFamily="18" charset="0"/>
+                        </a:rPr>
+                        <m:t>)</m:t>
+                      </m:r>
+                    </m:oMath>
+                  </m:oMathPara>
+                </a14:m>
+                <a:endParaRPr lang="en-US" b="0" dirty="0"/>
+              </a:p>
+            </p:txBody>
+          </p:sp>
+        </mc:Choice>
+        <mc:Fallback xmlns="">
+          <p:sp>
+            <p:nvSpPr>
+              <p:cNvPr id="30" name="TextBox 29">
+                <a:extLst>
+                  <a:ext uri="{FF2B5EF4-FFF2-40B4-BE49-F238E27FC236}">
+                    <a16:creationId xmlns:a16="http://schemas.microsoft.com/office/drawing/2014/main" id="{628B3544-03DF-49DB-A1E2-41B1CBED4BE7}"/>
+                  </a:ext>
+                </a:extLst>
+              </p:cNvPr>
+              <p:cNvSpPr txBox="1">
+                <a:spLocks noRot="1" noChangeAspect="1" noMove="1" noResize="1" noEditPoints="1" noAdjustHandles="1" noChangeArrowheads="1" noChangeShapeType="1" noTextEdit="1"/>
+              </p:cNvSpPr>
+              <p:nvPr/>
+            </p:nvSpPr>
+            <p:spPr>
+              <a:xfrm>
+                <a:off x="3558756" y="3662487"/>
+                <a:ext cx="3300644" cy="369332"/>
+              </a:xfrm>
+              <a:prstGeom prst="rect">
+                <a:avLst/>
+              </a:prstGeom>
+              <a:blipFill>
+                <a:blip r:embed="rId10"/>
+                <a:stretch>
+                  <a:fillRect b="-13333"/>
+                </a:stretch>
+              </a:blipFill>
+            </p:spPr>
+            <p:txBody>
+              <a:bodyPr/>
+              <a:lstStyle/>
+              <a:p>
+                <a:r>
+                  <a:rPr lang="en-US">
+                    <a:noFill/>
+                  </a:rPr>
+                  <a:t> </a:t>
+                </a:r>
+              </a:p>
+            </p:txBody>
+          </p:sp>
+        </mc:Fallback>
+      </mc:AlternateContent>
+      <p:cxnSp>
+        <p:nvCxnSpPr>
+          <p:cNvPr id="4" name="Straight Arrow Connector 3">
+            <a:extLst>
+              <a:ext uri="{FF2B5EF4-FFF2-40B4-BE49-F238E27FC236}">
+                <a16:creationId xmlns:a16="http://schemas.microsoft.com/office/drawing/2014/main" id="{85E10C9E-E3CC-46E0-89CD-C8F8EAC9B3D6}"/>
+              </a:ext>
+            </a:extLst>
+          </p:cNvPr>
+          <p:cNvCxnSpPr/>
+          <p:nvPr/>
+        </p:nvCxnSpPr>
+        <p:spPr>
+          <a:xfrm>
+            <a:off x="3290230" y="3847153"/>
+            <a:ext cx="537052" cy="0"/>
+          </a:xfrm>
+          <a:prstGeom prst="straightConnector1">
+            <a:avLst/>
+          </a:prstGeom>
+          <a:ln w="76200">
+            <a:solidFill>
+              <a:srgbClr val="A71B86"/>
+            </a:solidFill>
+            <a:tailEnd type="triangle"/>
+          </a:ln>
+        </p:spPr>
+        <p:style>
+          <a:lnRef idx="1">
+            <a:schemeClr val="accent1"/>
+          </a:lnRef>
+          <a:fillRef idx="0">
+            <a:schemeClr val="accent1"/>
+          </a:fillRef>
+          <a:effectRef idx="0">
+            <a:schemeClr val="accent1"/>
+          </a:effectRef>
+          <a:fontRef idx="minor">
+            <a:schemeClr val="tx1"/>
+          </a:fontRef>
+        </p:style>
+      </p:cxnSp>
+      <mc:AlternateContent xmlns:mc="http://schemas.openxmlformats.org/markup-compatibility/2006" xmlns:a14="http://schemas.microsoft.com/office/drawing/2010/main">
+        <mc:Choice Requires="a14">
+          <p:sp>
+            <p:nvSpPr>
+              <p:cNvPr id="31" name="TextBox 30">
+                <a:extLst>
+                  <a:ext uri="{FF2B5EF4-FFF2-40B4-BE49-F238E27FC236}">
+                    <a16:creationId xmlns:a16="http://schemas.microsoft.com/office/drawing/2014/main" id="{D83768DA-25AA-4384-87FE-2C05FC850B66}"/>
+                  </a:ext>
+                </a:extLst>
+              </p:cNvPr>
+              <p:cNvSpPr txBox="1"/>
+              <p:nvPr/>
+            </p:nvSpPr>
+            <p:spPr>
+              <a:xfrm>
+                <a:off x="678800" y="4801716"/>
+                <a:ext cx="3300644" cy="669094"/>
+              </a:xfrm>
+              <a:prstGeom prst="rect">
+                <a:avLst/>
+              </a:prstGeom>
+              <a:noFill/>
+            </p:spPr>
+            <p:txBody>
+              <a:bodyPr wrap="square" rtlCol="0">
+                <a:spAutoFit/>
+              </a:bodyPr>
+              <a:lstStyle/>
+              <a:p>
+                <a:pPr/>
+                <a14:m>
+                  <m:oMathPara xmlns:m="http://schemas.openxmlformats.org/officeDocument/2006/math">
+                    <m:oMathParaPr>
+                      <m:jc m:val="centerGroup"/>
+                    </m:oMathParaPr>
+                    <m:oMath xmlns:m="http://schemas.openxmlformats.org/officeDocument/2006/math">
+                      <m:r>
+                        <a:rPr lang="en-US" b="0" i="1" smtClean="0">
+                          <a:latin typeface="Cambria Math" panose="02040503050406030204" pitchFamily="18" charset="0"/>
+                        </a:rPr>
+                        <m:t>𝑃</m:t>
+                      </m:r>
+                      <m:d>
+                        <m:dPr>
+                          <m:ctrlPr>
+                            <a:rPr lang="en-US" b="0" i="1" smtClean="0">
+                              <a:latin typeface="Cambria Math" panose="02040503050406030204" pitchFamily="18" charset="0"/>
+                            </a:rPr>
+                          </m:ctrlPr>
+                        </m:dPr>
+                        <m:e>
+                          <m:r>
+                            <a:rPr lang="en-US" b="0" i="1" smtClean="0">
+                              <a:latin typeface="Cambria Math" panose="02040503050406030204" pitchFamily="18" charset="0"/>
+                            </a:rPr>
+                            <m:t>𝑋</m:t>
+                          </m:r>
+                        </m:e>
+                        <m:e>
+                          <m:r>
+                            <a:rPr lang="en-US" b="0" i="1" smtClean="0">
+                              <a:latin typeface="Cambria Math" panose="02040503050406030204" pitchFamily="18" charset="0"/>
+                            </a:rPr>
+                            <m:t>𝑌</m:t>
+                          </m:r>
+                        </m:e>
+                      </m:d>
+                      <m:r>
+                        <a:rPr lang="en-US" b="0" i="1" smtClean="0">
+                          <a:latin typeface="Cambria Math" panose="02040503050406030204" pitchFamily="18" charset="0"/>
+                        </a:rPr>
+                        <m:t>=</m:t>
+                      </m:r>
+                      <m:f>
+                        <m:fPr>
+                          <m:ctrlPr>
+                            <a:rPr lang="en-US" b="0" i="1" smtClean="0">
+                              <a:latin typeface="Cambria Math" panose="02040503050406030204" pitchFamily="18" charset="0"/>
+                            </a:rPr>
+                          </m:ctrlPr>
+                        </m:fPr>
+                        <m:num>
+                          <m:r>
+                            <a:rPr lang="en-US" b="0" i="1" smtClean="0">
+                              <a:latin typeface="Cambria Math" panose="02040503050406030204" pitchFamily="18" charset="0"/>
+                            </a:rPr>
+                            <m:t>𝑃</m:t>
+                          </m:r>
+                          <m:d>
+                            <m:dPr>
+                              <m:ctrlPr>
+                                <a:rPr lang="en-US" b="0" i="1" smtClean="0">
+                                  <a:latin typeface="Cambria Math" panose="02040503050406030204" pitchFamily="18" charset="0"/>
+                                </a:rPr>
+                              </m:ctrlPr>
+                            </m:dPr>
+                            <m:e>
+                              <m:r>
+                                <a:rPr lang="en-US" b="0" i="1" smtClean="0">
+                                  <a:latin typeface="Cambria Math" panose="02040503050406030204" pitchFamily="18" charset="0"/>
+                                </a:rPr>
+                                <m:t>𝑌</m:t>
+                              </m:r>
+                              <m:r>
+                                <a:rPr lang="en-US" b="0" i="1" smtClean="0">
+                                  <a:latin typeface="Cambria Math" panose="02040503050406030204" pitchFamily="18" charset="0"/>
+                                </a:rPr>
+                                <m:t>|</m:t>
+                              </m:r>
+                              <m:r>
+                                <a:rPr lang="en-US" b="0" i="1" smtClean="0">
+                                  <a:latin typeface="Cambria Math" panose="02040503050406030204" pitchFamily="18" charset="0"/>
+                                </a:rPr>
+                                <m:t>𝑋</m:t>
+                              </m:r>
+                            </m:e>
+                          </m:d>
+                          <m:r>
+                            <a:rPr lang="en-US" b="0" i="1" smtClean="0">
+                              <a:latin typeface="Cambria Math" panose="02040503050406030204" pitchFamily="18" charset="0"/>
+                            </a:rPr>
+                            <m:t>𝑃</m:t>
+                          </m:r>
+                          <m:r>
+                            <a:rPr lang="en-US" b="0" i="1" smtClean="0">
+                              <a:latin typeface="Cambria Math" panose="02040503050406030204" pitchFamily="18" charset="0"/>
+                            </a:rPr>
+                            <m:t>(</m:t>
+                          </m:r>
+                          <m:r>
+                            <a:rPr lang="en-US" b="0" i="1" smtClean="0">
+                              <a:latin typeface="Cambria Math" panose="02040503050406030204" pitchFamily="18" charset="0"/>
+                            </a:rPr>
+                            <m:t>𝑋</m:t>
+                          </m:r>
+                          <m:r>
+                            <a:rPr lang="en-US" b="0" i="1" smtClean="0">
+                              <a:latin typeface="Cambria Math" panose="02040503050406030204" pitchFamily="18" charset="0"/>
+                            </a:rPr>
+                            <m:t>)</m:t>
+                          </m:r>
+                        </m:num>
+                        <m:den>
+                          <m:r>
+                            <a:rPr lang="en-US" b="0" i="1" smtClean="0">
+                              <a:latin typeface="Cambria Math" panose="02040503050406030204" pitchFamily="18" charset="0"/>
+                            </a:rPr>
+                            <m:t>𝑃</m:t>
+                          </m:r>
+                          <m:d>
+                            <m:dPr>
+                              <m:ctrlPr>
+                                <a:rPr lang="en-US" b="0" i="1" smtClean="0">
+                                  <a:latin typeface="Cambria Math" panose="02040503050406030204" pitchFamily="18" charset="0"/>
+                                </a:rPr>
+                              </m:ctrlPr>
+                            </m:dPr>
+                            <m:e>
+                              <m:r>
+                                <a:rPr lang="en-US" b="0" i="1" smtClean="0">
+                                  <a:latin typeface="Cambria Math" panose="02040503050406030204" pitchFamily="18" charset="0"/>
+                                </a:rPr>
+                                <m:t>𝑌</m:t>
+                              </m:r>
+                            </m:e>
+                          </m:d>
+                        </m:den>
+                      </m:f>
+                    </m:oMath>
+                  </m:oMathPara>
+                </a14:m>
+                <a:endParaRPr lang="en-US" b="0" dirty="0"/>
+              </a:p>
+            </p:txBody>
+          </p:sp>
+        </mc:Choice>
+        <mc:Fallback xmlns="">
+          <p:sp>
+            <p:nvSpPr>
+              <p:cNvPr id="31" name="TextBox 30">
+                <a:extLst>
+                  <a:ext uri="{FF2B5EF4-FFF2-40B4-BE49-F238E27FC236}">
+                    <a16:creationId xmlns:a16="http://schemas.microsoft.com/office/drawing/2014/main" id="{D83768DA-25AA-4384-87FE-2C05FC850B66}"/>
+                  </a:ext>
+                </a:extLst>
+              </p:cNvPr>
+              <p:cNvSpPr txBox="1">
+                <a:spLocks noRot="1" noChangeAspect="1" noMove="1" noResize="1" noEditPoints="1" noAdjustHandles="1" noChangeArrowheads="1" noChangeShapeType="1" noTextEdit="1"/>
+              </p:cNvSpPr>
+              <p:nvPr/>
+            </p:nvSpPr>
+            <p:spPr>
+              <a:xfrm>
+                <a:off x="678800" y="4801716"/>
+                <a:ext cx="3300644" cy="669094"/>
+              </a:xfrm>
+              <a:prstGeom prst="rect">
+                <a:avLst/>
+              </a:prstGeom>
+              <a:blipFill>
+                <a:blip r:embed="rId11"/>
+                <a:stretch>
+                  <a:fillRect/>
+                </a:stretch>
+              </a:blipFill>
+            </p:spPr>
+            <p:txBody>
+              <a:bodyPr/>
+              <a:lstStyle/>
+              <a:p>
+                <a:r>
+                  <a:rPr lang="en-US">
+                    <a:noFill/>
+                  </a:rPr>
+                  <a:t> </a:t>
+                </a:r>
+              </a:p>
+            </p:txBody>
+          </p:sp>
+        </mc:Fallback>
+      </mc:AlternateContent>
+    </p:spTree>
+    <p:extLst>
+      <p:ext uri="{BB962C8B-B14F-4D97-AF65-F5344CB8AC3E}">
+        <p14:creationId xmlns:p14="http://schemas.microsoft.com/office/powerpoint/2010/main" val="3550580529"/>
       </p:ext>
     </p:extLst>
   </p:cSld>
